--- a/hrf/business_change.pptx
+++ b/hrf/business_change.pptx
@@ -14830,7 +14830,7 @@
                   <a:schemeClr val="dk1"/>
                 </a:solidFill>
               </a:rPr>
-              <a:t>Antitrust Investigation</a:t>
+              <a:t>10497:Antitrust Investigation</a:t>
             </a:r>
             <a:r>
               <a:rPr b="0" i="0" lang="zh-CN" sz="1050" u="none" cap="none" strike="noStrike">
@@ -14881,7 +14881,7 @@
                   <a:schemeClr val="dk1"/>
                 </a:solidFill>
               </a:rPr>
-              <a:t>There is also a XOR version to indicate only one child answer.</a:t>
+              <a:t>There is also a XOR version (10500) to indicate only one child answer.</a:t>
             </a:r>
             <a:endParaRPr sz="1050">
               <a:solidFill>
@@ -14913,7 +14913,7 @@
                   <a:schemeClr val="dk1"/>
                 </a:solidFill>
               </a:rPr>
-              <a:t>agreement</a:t>
+              <a:t>10498:agreement</a:t>
             </a:r>
             <a:r>
               <a:rPr lang="zh-CN" sz="1050">
@@ -14953,7 +14953,7 @@
                   <a:schemeClr val="dk1"/>
                 </a:solidFill>
               </a:rPr>
-              <a:t>rejection</a:t>
+              <a:t>10499:rejection</a:t>
             </a:r>
             <a:r>
               <a:rPr lang="zh-CN" sz="1050">
@@ -14993,7 +14993,7 @@
                   <a:schemeClr val="dk1"/>
                 </a:solidFill>
               </a:rPr>
-              <a:t>divestment</a:t>
+              <a:t>10458:divestment</a:t>
             </a:r>
             <a:r>
               <a:rPr lang="zh-CN" sz="1050">
@@ -15033,7 +15033,7 @@
                   <a:schemeClr val="dk1"/>
                 </a:solidFill>
               </a:rPr>
-              <a:t>breakup</a:t>
+              <a:t>10496:breakup</a:t>
             </a:r>
             <a:r>
               <a:rPr lang="zh-CN" sz="1050">
@@ -15189,7 +15189,7 @@
         <p:spPr>
           <a:xfrm>
             <a:off x="311700" y="1120500"/>
-            <a:ext cx="3954600" cy="2576700"/>
+            <a:ext cx="3954600" cy="3134100"/>
           </a:xfrm>
           <a:prstGeom prst="rect">
             <a:avLst/>
@@ -15228,7 +15228,7 @@
                   <a:schemeClr val="dk1"/>
                 </a:solidFill>
               </a:rPr>
-              <a:t>divestment</a:t>
+              <a:t>10458:divestment</a:t>
             </a:r>
             <a:r>
               <a:rPr b="0" i="0" lang="zh-CN" sz="1050" u="none" cap="none" strike="noStrike">
@@ -15280,7 +15280,7 @@
                   <a:schemeClr val="dk1"/>
                 </a:solidFill>
               </a:rPr>
-              <a:t>Shutdown</a:t>
+              <a:t>10460:Shutdown</a:t>
             </a:r>
             <a:r>
               <a:rPr lang="zh-CN" sz="1050">
@@ -15320,7 +15320,7 @@
                   <a:schemeClr val="dk1"/>
                 </a:solidFill>
               </a:rPr>
-              <a:t>exchange of goods</a:t>
+              <a:t>10473:exchange of goods</a:t>
             </a:r>
             <a:r>
               <a:rPr lang="zh-CN" sz="1050">
@@ -15360,7 +15360,7 @@
                   <a:schemeClr val="dk1"/>
                 </a:solidFill>
               </a:rPr>
-              <a:t>breakup</a:t>
+              <a:t>10496:breakup</a:t>
             </a:r>
             <a:r>
               <a:rPr lang="zh-CN" sz="1050">
@@ -15400,7 +15400,7 @@
                   <a:schemeClr val="dk1"/>
                 </a:solidFill>
               </a:rPr>
-              <a:t>Privatize</a:t>
+              <a:t>10474:Privatize</a:t>
             </a:r>
             <a:r>
               <a:rPr lang="zh-CN" sz="1050">
@@ -15456,7 +15456,7 @@
                   <a:schemeClr val="dk1"/>
                 </a:solidFill>
               </a:rPr>
-              <a:t>Create Partnership</a:t>
+              <a:t>10481:Create Partnership</a:t>
             </a:r>
             <a:r>
               <a:rPr lang="zh-CN" sz="1050">
@@ -15496,7 +15496,7 @@
                   <a:schemeClr val="dk1"/>
                 </a:solidFill>
               </a:rPr>
-              <a:t>End Partnership</a:t>
+              <a:t>10482:End Partnership</a:t>
             </a:r>
             <a:r>
               <a:rPr lang="zh-CN" sz="1050">
@@ -15536,7 +15536,7 @@
                   <a:schemeClr val="dk1"/>
                 </a:solidFill>
               </a:rPr>
-              <a:t>Transfer Money</a:t>
+              <a:t>10477:Transfer Money</a:t>
             </a:r>
             <a:r>
               <a:rPr lang="zh-CN" sz="1050">
@@ -15576,7 +15576,7 @@
                   <a:schemeClr val="dk1"/>
                 </a:solidFill>
               </a:rPr>
-              <a:t>Reorganization</a:t>
+              <a:t>10461:Reorganization</a:t>
             </a:r>
             <a:r>
               <a:rPr lang="zh-CN" sz="1050">
@@ -15616,7 +15616,7 @@
                   <a:schemeClr val="dk1"/>
                 </a:solidFill>
               </a:rPr>
-              <a:t>dismissal</a:t>
+              <a:t>10504:dismissal</a:t>
             </a:r>
             <a:r>
               <a:rPr lang="zh-CN" sz="1050">
@@ -15884,7 +15884,7 @@
                   <a:schemeClr val="dk1"/>
                 </a:solidFill>
               </a:rPr>
-              <a:t>Scandal</a:t>
+              <a:t>10464:Scandal</a:t>
             </a:r>
             <a:r>
               <a:rPr b="0" i="0" lang="zh-CN" sz="1050" u="none" cap="none" strike="noStrike">
@@ -15940,7 +15940,7 @@
                   <a:schemeClr val="dk1"/>
                 </a:solidFill>
               </a:rPr>
-              <a:t>Investigation-&gt;Justice</a:t>
+              <a:t>10494:Investigation-&gt;10523:Justice</a:t>
             </a:r>
             <a:r>
               <a:rPr b="0" i="0" lang="zh-CN" sz="1050" u="none" cap="none" strike="noStrike">
@@ -15990,6 +15990,14 @@
               <a:buFont typeface="Arial"/>
               <a:buNone/>
             </a:pPr>
+            <a:r>
+              <a:rPr b="1" lang="zh-CN" sz="1050">
+                <a:solidFill>
+                  <a:schemeClr val="dk1"/>
+                </a:solidFill>
+              </a:rPr>
+              <a:t>10494:</a:t>
+            </a:r>
             <a:r>
               <a:rPr b="1" lang="zh-CN" sz="1050">
                 <a:solidFill>
@@ -16239,7 +16247,7 @@
                   <a:schemeClr val="dk1"/>
                 </a:solidFill>
               </a:rPr>
-              <a:t>Identifycategorize</a:t>
+              <a:t>10510:Identifycategorize</a:t>
             </a:r>
             <a:r>
               <a:rPr lang="zh-CN" sz="1050">
@@ -16279,7 +16287,7 @@
                   <a:schemeClr val="dk1"/>
                 </a:solidFill>
               </a:rPr>
-              <a:t>Contact</a:t>
+              <a:t>10511:Contact</a:t>
             </a:r>
             <a:r>
               <a:rPr lang="zh-CN" sz="1050">
@@ -16319,7 +16327,7 @@
                   <a:schemeClr val="dk1"/>
                 </a:solidFill>
               </a:rPr>
-              <a:t>Arrest</a:t>
+              <a:t>10512:Arrest</a:t>
             </a:r>
             <a:r>
               <a:rPr lang="zh-CN" sz="1050">
@@ -16359,7 +16367,7 @@
                   <a:schemeClr val="dk1"/>
                 </a:solidFill>
               </a:rPr>
-              <a:t>Handcuffing</a:t>
+              <a:t>10524:Handcuffing</a:t>
             </a:r>
             <a:r>
               <a:rPr lang="zh-CN" sz="1050">
@@ -16399,7 +16407,7 @@
                   <a:schemeClr val="dk1"/>
                 </a:solidFill>
               </a:rPr>
-              <a:t>Restrain</a:t>
+              <a:t>10526:Restrain</a:t>
             </a:r>
             <a:r>
               <a:rPr lang="zh-CN" sz="1050">
@@ -16439,7 +16447,7 @@
                   <a:schemeClr val="dk1"/>
                 </a:solidFill>
               </a:rPr>
-              <a:t>Interrogation</a:t>
+              <a:t>10525:Interrogation</a:t>
             </a:r>
             <a:r>
               <a:rPr lang="zh-CN" sz="1050">
@@ -16479,7 +16487,7 @@
                   <a:schemeClr val="dk1"/>
                 </a:solidFill>
               </a:rPr>
-              <a:t>Inspect</a:t>
+              <a:t>10513:Inspect</a:t>
             </a:r>
             <a:r>
               <a:rPr lang="zh-CN" sz="1050">
@@ -16728,6 +16736,14 @@
                   <a:schemeClr val="dk1"/>
                 </a:solidFill>
               </a:rPr>
+              <a:t>10514:</a:t>
+            </a:r>
+            <a:r>
+              <a:rPr b="1" lang="zh-CN" sz="1050">
+                <a:solidFill>
+                  <a:schemeClr val="dk1"/>
+                </a:solidFill>
+              </a:rPr>
               <a:t>Initiate Judicial Process</a:t>
             </a:r>
             <a:r>
@@ -16768,6 +16784,14 @@
                   <a:schemeClr val="dk1"/>
                 </a:solidFill>
               </a:rPr>
+              <a:t>10515:</a:t>
+            </a:r>
+            <a:r>
+              <a:rPr b="1" lang="zh-CN" sz="1050">
+                <a:solidFill>
+                  <a:schemeClr val="dk1"/>
+                </a:solidFill>
+              </a:rPr>
               <a:t>ChargeIndict</a:t>
             </a:r>
             <a:r>
@@ -16808,6 +16832,14 @@
                   <a:schemeClr val="dk1"/>
                 </a:solidFill>
               </a:rPr>
+              <a:t>10516:</a:t>
+            </a:r>
+            <a:r>
+              <a:rPr b="1" lang="zh-CN" sz="1050">
+                <a:solidFill>
+                  <a:schemeClr val="dk1"/>
+                </a:solidFill>
+              </a:rPr>
               <a:t>Trial</a:t>
             </a:r>
             <a:r>
@@ -16848,6 +16880,14 @@
                   <a:schemeClr val="dk1"/>
                 </a:solidFill>
               </a:rPr>
+              <a:t>10521:</a:t>
+            </a:r>
+            <a:r>
+              <a:rPr b="1" lang="zh-CN" sz="1050">
+                <a:solidFill>
+                  <a:schemeClr val="dk1"/>
+                </a:solidFill>
+              </a:rPr>
               <a:t>Acquit</a:t>
             </a:r>
             <a:r>
@@ -16888,6 +16928,14 @@
                   <a:schemeClr val="dk1"/>
                 </a:solidFill>
               </a:rPr>
+              <a:t>10517:</a:t>
+            </a:r>
+            <a:r>
+              <a:rPr b="1" lang="zh-CN" sz="1050">
+                <a:solidFill>
+                  <a:schemeClr val="dk1"/>
+                </a:solidFill>
+              </a:rPr>
               <a:t>Convict</a:t>
             </a:r>
             <a:r>
@@ -16928,6 +16976,14 @@
                   <a:schemeClr val="dk1"/>
                 </a:solidFill>
               </a:rPr>
+              <a:t>10518:</a:t>
+            </a:r>
+            <a:r>
+              <a:rPr b="1" lang="zh-CN" sz="1050">
+                <a:solidFill>
+                  <a:schemeClr val="dk1"/>
+                </a:solidFill>
+              </a:rPr>
               <a:t>Sentence</a:t>
             </a:r>
             <a:r>
@@ -16968,6 +17024,14 @@
                   <a:schemeClr val="dk1"/>
                 </a:solidFill>
               </a:rPr>
+              <a:t>10519:</a:t>
+            </a:r>
+            <a:r>
+              <a:rPr b="1" lang="zh-CN" sz="1050">
+                <a:solidFill>
+                  <a:schemeClr val="dk1"/>
+                </a:solidFill>
+              </a:rPr>
               <a:t>Detain</a:t>
             </a:r>
             <a:r>
@@ -17002,6 +17066,14 @@
               <a:buFont typeface="Arial"/>
               <a:buNone/>
             </a:pPr>
+            <a:r>
+              <a:rPr b="1" lang="zh-CN" sz="1050">
+                <a:solidFill>
+                  <a:schemeClr val="dk1"/>
+                </a:solidFill>
+              </a:rPr>
+              <a:t>10520:</a:t>
+            </a:r>
             <a:r>
               <a:rPr b="1" lang="zh-CN" sz="1050">
                 <a:solidFill>
@@ -17175,7 +17247,7 @@
                   <a:schemeClr val="dk1"/>
                 </a:solidFill>
               </a:rPr>
-              <a:t>Corporate Criminal Response</a:t>
+              <a:t>10492:Corporate Criminal Response</a:t>
             </a:r>
             <a:r>
               <a:rPr b="0" i="0" lang="zh-CN" sz="1050" u="none" cap="none" strike="noStrike">
@@ -17227,7 +17299,7 @@
                   <a:schemeClr val="dk1"/>
                 </a:solidFill>
               </a:rPr>
-              <a:t>CorporateCriminalXOR</a:t>
+              <a:t>10503:CorporateCriminalXOR</a:t>
             </a:r>
             <a:r>
               <a:rPr lang="zh-CN" sz="1050">
@@ -17267,7 +17339,7 @@
                   <a:schemeClr val="dk1"/>
                 </a:solidFill>
               </a:rPr>
-              <a:t>agreement</a:t>
+              <a:t>10501:agreement</a:t>
             </a:r>
             <a:r>
               <a:rPr lang="zh-CN" sz="1050">
@@ -17307,7 +17379,7 @@
                   <a:schemeClr val="dk1"/>
                 </a:solidFill>
               </a:rPr>
-              <a:t>rejection</a:t>
+              <a:t>10502:rejection</a:t>
             </a:r>
             <a:r>
               <a:rPr lang="zh-CN" sz="1050">
@@ -17347,7 +17419,7 @@
                   <a:schemeClr val="dk1"/>
                 </a:solidFill>
               </a:rPr>
-              <a:t>Corporate Justice</a:t>
+              <a:t>10465:Corporate Justice</a:t>
             </a:r>
             <a:r>
               <a:rPr lang="zh-CN" sz="1050">
@@ -17387,7 +17459,7 @@
                   <a:schemeClr val="dk1"/>
                 </a:solidFill>
               </a:rPr>
-              <a:t>breakup</a:t>
+              <a:t>10496:breakup</a:t>
             </a:r>
             <a:r>
               <a:rPr lang="zh-CN" sz="1050">
@@ -17427,7 +17499,7 @@
                   <a:schemeClr val="dk1"/>
                 </a:solidFill>
               </a:rPr>
-              <a:t>PoliticalCorruption</a:t>
+              <a:t>10466:PoliticalCorruption</a:t>
             </a:r>
             <a:r>
               <a:rPr lang="zh-CN" sz="1050">
@@ -17467,7 +17539,7 @@
                   <a:schemeClr val="dk1"/>
                 </a:solidFill>
               </a:rPr>
-              <a:t>Arrest</a:t>
+              <a:t>10495:arrest</a:t>
             </a:r>
             <a:r>
               <a:rPr lang="zh-CN" sz="1050">
@@ -17507,7 +17579,7 @@
                   <a:schemeClr val="dk1"/>
                 </a:solidFill>
               </a:rPr>
-              <a:t>Fine</a:t>
+              <a:t>10484:Fine</a:t>
             </a:r>
             <a:r>
               <a:rPr lang="zh-CN" sz="1050">
@@ -17646,7 +17718,7 @@
                   <a:schemeClr val="dk1"/>
                 </a:solidFill>
               </a:rPr>
-              <a:t>founding</a:t>
+              <a:t>10462:founding</a:t>
             </a:r>
             <a:r>
               <a:rPr b="0" i="0" lang="zh-CN" sz="1050" u="none" cap="none" strike="noStrike">
@@ -17698,7 +17770,7 @@
                   <a:schemeClr val="dk1"/>
                 </a:solidFill>
               </a:rPr>
-              <a:t>Fundraising</a:t>
+              <a:t>10469:Fundraising</a:t>
             </a:r>
             <a:r>
               <a:rPr lang="zh-CN" sz="1050">
@@ -17738,7 +17810,7 @@
                   <a:schemeClr val="dk1"/>
                 </a:solidFill>
               </a:rPr>
-              <a:t>PrivateFunding</a:t>
+              <a:t>10471:PrivateFunding</a:t>
             </a:r>
             <a:r>
               <a:rPr lang="zh-CN" sz="1050">
@@ -17786,7 +17858,7 @@
                   <a:schemeClr val="dk1"/>
                 </a:solidFill>
               </a:rPr>
-              <a:t>IPO</a:t>
+              <a:t>10470:IPO</a:t>
             </a:r>
             <a:r>
               <a:rPr lang="zh-CN" sz="1050">
@@ -17958,7 +18030,7 @@
         <p:spPr>
           <a:xfrm>
             <a:off x="172150" y="372900"/>
-            <a:ext cx="8139900" cy="2390700"/>
+            <a:ext cx="8139900" cy="2576700"/>
           </a:xfrm>
           <a:prstGeom prst="rect">
             <a:avLst/>
@@ -17997,7 +18069,7 @@
                   <a:schemeClr val="dk1"/>
                 </a:solidFill>
               </a:rPr>
-              <a:t>assign</a:t>
+              <a:t>10475:assign</a:t>
             </a:r>
             <a:r>
               <a:rPr b="0" i="0" lang="zh-CN" sz="1050" u="none" cap="none" strike="noStrike">
@@ -18049,7 +18121,7 @@
                   <a:schemeClr val="dk1"/>
                 </a:solidFill>
               </a:rPr>
-              <a:t>trial</a:t>
+              <a:t>10476:trial</a:t>
             </a:r>
             <a:r>
               <a:rPr lang="zh-CN" sz="1050">
@@ -18089,7 +18161,7 @@
                   <a:schemeClr val="dk1"/>
                 </a:solidFill>
               </a:rPr>
-              <a:t>Government Bailout</a:t>
+              <a:t>10480:Government Bailout</a:t>
             </a:r>
             <a:r>
               <a:rPr lang="zh-CN" sz="1050">
@@ -18097,15 +18169,7 @@
                   <a:schemeClr val="dk1"/>
                 </a:solidFill>
               </a:rPr>
-              <a:t>: </a:t>
-            </a:r>
-            <a:r>
-              <a:rPr lang="zh-CN" sz="1050">
-                <a:solidFill>
-                  <a:schemeClr val="dk1"/>
-                </a:solidFill>
-              </a:rPr>
-              <a:t>The government loans a lot of money to a company when it's 'too big too fail' without damaging the economy.</a:t>
+              <a:t>: The government loans a lot of money to a company when it's 'too big too fail' without damaging the economy.</a:t>
             </a:r>
             <a:endParaRPr sz="1050">
               <a:solidFill>
@@ -18137,7 +18201,7 @@
                   <a:schemeClr val="dk1"/>
                 </a:solidFill>
               </a:rPr>
-              <a:t>bankruptcy actions</a:t>
+              <a:t>10472:bankruptcy actions</a:t>
             </a:r>
             <a:r>
               <a:rPr lang="zh-CN" sz="1050">
@@ -18177,7 +18241,7 @@
                   <a:schemeClr val="dk1"/>
                 </a:solidFill>
               </a:rPr>
-              <a:t>Reorganization</a:t>
+              <a:t>10461:Reorganization</a:t>
             </a:r>
             <a:r>
               <a:rPr lang="zh-CN" sz="1050">
@@ -18217,7 +18281,7 @@
                   <a:schemeClr val="dk1"/>
                 </a:solidFill>
               </a:rPr>
-              <a:t>End Parternship</a:t>
+              <a:t>10482:End Parternship</a:t>
             </a:r>
             <a:r>
               <a:rPr lang="zh-CN" sz="1050">
@@ -18257,7 +18321,7 @@
                   <a:schemeClr val="dk1"/>
                 </a:solidFill>
               </a:rPr>
-              <a:t>ExitBankruptcy</a:t>
+              <a:t>10483:ExitBankruptcy</a:t>
             </a:r>
             <a:r>
               <a:rPr lang="zh-CN" sz="1050">
@@ -18297,7 +18361,7 @@
                   <a:schemeClr val="dk1"/>
                 </a:solidFill>
               </a:rPr>
-              <a:t>Shutdown</a:t>
+              <a:t>10460:Shutdown</a:t>
             </a:r>
             <a:r>
               <a:rPr lang="zh-CN" sz="1050">
@@ -18337,7 +18401,7 @@
                   <a:schemeClr val="dk1"/>
                 </a:solidFill>
               </a:rPr>
-              <a:t>acquisition</a:t>
+              <a:t>10456:acquisition</a:t>
             </a:r>
             <a:r>
               <a:rPr lang="zh-CN" sz="1050">
@@ -18377,7 +18441,7 @@
                   <a:schemeClr val="dk1"/>
                 </a:solidFill>
               </a:rPr>
-              <a:t>exchange of goods</a:t>
+              <a:t>10473:exchange of goods</a:t>
             </a:r>
             <a:r>
               <a:rPr lang="zh-CN" sz="1050">
@@ -18417,7 +18481,7 @@
                   <a:schemeClr val="dk1"/>
                 </a:solidFill>
               </a:rPr>
-              <a:t>Management Change</a:t>
+              <a:t>10479:Management Change</a:t>
             </a:r>
             <a:r>
               <a:rPr lang="zh-CN" sz="1050">
@@ -18457,7 +18521,7 @@
                   <a:schemeClr val="dk1"/>
                 </a:solidFill>
               </a:rPr>
-              <a:t>dismissal</a:t>
+              <a:t>10504:dismissal</a:t>
             </a:r>
             <a:r>
               <a:rPr lang="zh-CN" sz="1050">
@@ -18584,7 +18648,7 @@
         </p:nvSpPr>
         <p:spPr>
           <a:xfrm>
-            <a:off x="585200" y="273900"/>
+            <a:off x="356600" y="273900"/>
             <a:ext cx="8139900" cy="2390700"/>
           </a:xfrm>
           <a:prstGeom prst="rect">
@@ -18624,7 +18688,7 @@
                   <a:schemeClr val="dk1"/>
                 </a:solidFill>
               </a:rPr>
-              <a:t>Propose Acquisition</a:t>
+              <a:t>10487:Propose Acquisition</a:t>
             </a:r>
             <a:r>
               <a:rPr b="0" i="0" lang="zh-CN" sz="1050" u="none" cap="none" strike="noStrike">
@@ -18676,7 +18740,7 @@
                   <a:schemeClr val="dk1"/>
                 </a:solidFill>
               </a:rPr>
-              <a:t>Propose Merger</a:t>
+              <a:t>10486:Propose Merger</a:t>
             </a:r>
             <a:r>
               <a:rPr lang="zh-CN" sz="1050">
@@ -18684,15 +18748,7 @@
                   <a:schemeClr val="dk1"/>
                 </a:solidFill>
               </a:rPr>
-              <a:t>: </a:t>
-            </a:r>
-            <a:r>
-              <a:rPr lang="zh-CN" sz="1050">
-                <a:solidFill>
-                  <a:schemeClr val="dk1"/>
-                </a:solidFill>
-              </a:rPr>
-              <a:t>Two companies decide to try and become one company.</a:t>
+              <a:t>: Two companies decide to try and become one company.</a:t>
             </a:r>
             <a:endParaRPr sz="1050">
               <a:solidFill>
@@ -18724,7 +18780,7 @@
                   <a:schemeClr val="dk1"/>
                 </a:solidFill>
               </a:rPr>
-              <a:t>Ask Shareholders</a:t>
+              <a:t>10505:Ask Shareholders</a:t>
             </a:r>
             <a:r>
               <a:rPr lang="zh-CN" sz="1050">
@@ -18764,7 +18820,7 @@
                   <a:schemeClr val="dk1"/>
                 </a:solidFill>
               </a:rPr>
-              <a:t>Shareholder Response</a:t>
+              <a:t>10506:Shareholder Response</a:t>
             </a:r>
             <a:r>
               <a:rPr lang="zh-CN" sz="1050">
@@ -18803,7 +18859,7 @@
                   <a:schemeClr val="dk1"/>
                 </a:solidFill>
               </a:rPr>
-              <a:t>There is also a XOR version to indicate only one child answer.</a:t>
+              <a:t>There is also a XOR version (10509) to indicate only one child answer.</a:t>
             </a:r>
             <a:endParaRPr sz="1050">
               <a:solidFill>
@@ -18835,7 +18891,7 @@
                   <a:schemeClr val="dk1"/>
                 </a:solidFill>
               </a:rPr>
-              <a:t>agreement</a:t>
+              <a:t>10507,10488:agreement</a:t>
             </a:r>
             <a:r>
               <a:rPr lang="zh-CN" sz="1050">
@@ -18875,7 +18931,7 @@
                   <a:schemeClr val="dk1"/>
                 </a:solidFill>
               </a:rPr>
-              <a:t>rejection</a:t>
+              <a:t>10508,10489:rejection</a:t>
             </a:r>
             <a:r>
               <a:rPr lang="zh-CN" sz="1050">
@@ -18915,7 +18971,7 @@
                   <a:schemeClr val="dk1"/>
                 </a:solidFill>
               </a:rPr>
-              <a:t>AskRegulators: </a:t>
+              <a:t>10485:AskRegulators: </a:t>
             </a:r>
             <a:r>
               <a:rPr lang="zh-CN" sz="1050">
@@ -18955,7 +19011,7 @@
                   <a:schemeClr val="dk1"/>
                 </a:solidFill>
               </a:rPr>
-              <a:t>Regulatory Response</a:t>
+              <a:t>10491:Regulatory Response</a:t>
             </a:r>
             <a:r>
               <a:rPr lang="zh-CN" sz="1050">
@@ -18994,7 +19050,7 @@
                   <a:schemeClr val="dk1"/>
                 </a:solidFill>
               </a:rPr>
-              <a:t>There is also a XOR version to indicate only one child answer.</a:t>
+              <a:t>There is also a XOR version (10490) to indicate only one child answer.</a:t>
             </a:r>
             <a:endParaRPr sz="1050">
               <a:solidFill>
@@ -19106,7 +19162,7 @@
                   <a:schemeClr val="dk1"/>
                 </a:solidFill>
               </a:rPr>
-              <a:t>merger</a:t>
+              <a:t>10457:merger</a:t>
             </a:r>
             <a:r>
               <a:rPr b="0" i="0" lang="zh-CN" sz="1050" u="none" cap="none" strike="noStrike">
@@ -19158,7 +19214,7 @@
                   <a:schemeClr val="dk1"/>
                 </a:solidFill>
               </a:rPr>
-              <a:t>acquisition</a:t>
+              <a:t>10456:acquisition</a:t>
             </a:r>
             <a:r>
               <a:rPr lang="zh-CN" sz="1050">
@@ -19198,7 +19254,7 @@
                   <a:schemeClr val="dk1"/>
                 </a:solidFill>
               </a:rPr>
-              <a:t>dismissal</a:t>
+              <a:t>10504:dismissal</a:t>
             </a:r>
             <a:r>
               <a:rPr lang="zh-CN" sz="1050">
@@ -19238,7 +19294,7 @@
                   <a:schemeClr val="dk1"/>
                 </a:solidFill>
               </a:rPr>
-              <a:t>Management Change</a:t>
+              <a:t>10479:Management Change</a:t>
             </a:r>
             <a:r>
               <a:rPr lang="zh-CN" sz="1050">
@@ -19324,9 +19380,9 @@
 </file>
 
 <file path=ppt/theme/theme1.xml><?xml version="1.0" encoding="utf-8"?>
-<a:theme xmlns:a="http://schemas.openxmlformats.org/drawingml/2006/main" xmlns:r="http://schemas.openxmlformats.org/officeDocument/2006/relationships">
+<a:theme xmlns:a="http://schemas.openxmlformats.org/drawingml/2006/main" xmlns:r="http://schemas.openxmlformats.org/officeDocument/2006/relationships" name="Simple Light">
   <a:themeElements>
-    <a:clrScheme name="Default">
+    <a:clrScheme name="Simple Light">
       <a:dk1>
         <a:srgbClr val="000000"/>
       </a:dk1>
@@ -19334,34 +19390,34 @@
         <a:srgbClr val="FFFFFF"/>
       </a:lt1>
       <a:dk2>
-        <a:srgbClr val="158158"/>
+        <a:srgbClr val="595959"/>
       </a:dk2>
       <a:lt2>
-        <a:srgbClr val="F3F3F3"/>
+        <a:srgbClr val="EEEEEE"/>
       </a:lt2>
       <a:accent1>
-        <a:srgbClr val="058DC7"/>
+        <a:srgbClr val="4285F4"/>
       </a:accent1>
       <a:accent2>
-        <a:srgbClr val="50B432"/>
+        <a:srgbClr val="212121"/>
       </a:accent2>
       <a:accent3>
-        <a:srgbClr val="ED561B"/>
+        <a:srgbClr val="78909C"/>
       </a:accent3>
       <a:accent4>
-        <a:srgbClr val="EDEF00"/>
+        <a:srgbClr val="FFAB40"/>
       </a:accent4>
       <a:accent5>
-        <a:srgbClr val="24CBE5"/>
+        <a:srgbClr val="0097A7"/>
       </a:accent5>
       <a:accent6>
-        <a:srgbClr val="64E572"/>
+        <a:srgbClr val="EEFF41"/>
       </a:accent6>
       <a:hlink>
-        <a:srgbClr val="2200CC"/>
+        <a:srgbClr val="0097A7"/>
       </a:hlink>
       <a:folHlink>
-        <a:srgbClr val="551A8B"/>
+        <a:srgbClr val="0097A7"/>
       </a:folHlink>
     </a:clrScheme>
     <a:fontScheme name="Office">
@@ -19603,9 +19659,9 @@
 </file>
 
 <file path=ppt/theme/theme2.xml><?xml version="1.0" encoding="utf-8"?>
-<a:theme xmlns:a="http://schemas.openxmlformats.org/drawingml/2006/main" xmlns:r="http://schemas.openxmlformats.org/officeDocument/2006/relationships" name="Simple Light">
+<a:theme xmlns:a="http://schemas.openxmlformats.org/drawingml/2006/main" xmlns:r="http://schemas.openxmlformats.org/officeDocument/2006/relationships">
   <a:themeElements>
-    <a:clrScheme name="Simple Light">
+    <a:clrScheme name="Default">
       <a:dk1>
         <a:srgbClr val="000000"/>
       </a:dk1>
@@ -19613,34 +19669,34 @@
         <a:srgbClr val="FFFFFF"/>
       </a:lt1>
       <a:dk2>
-        <a:srgbClr val="595959"/>
+        <a:srgbClr val="158158"/>
       </a:dk2>
       <a:lt2>
-        <a:srgbClr val="EEEEEE"/>
+        <a:srgbClr val="F3F3F3"/>
       </a:lt2>
       <a:accent1>
-        <a:srgbClr val="4285F4"/>
+        <a:srgbClr val="058DC7"/>
       </a:accent1>
       <a:accent2>
-        <a:srgbClr val="212121"/>
+        <a:srgbClr val="50B432"/>
       </a:accent2>
       <a:accent3>
-        <a:srgbClr val="78909C"/>
+        <a:srgbClr val="ED561B"/>
       </a:accent3>
       <a:accent4>
-        <a:srgbClr val="FFAB40"/>
+        <a:srgbClr val="EDEF00"/>
       </a:accent4>
       <a:accent5>
-        <a:srgbClr val="0097A7"/>
+        <a:srgbClr val="24CBE5"/>
       </a:accent5>
       <a:accent6>
-        <a:srgbClr val="EEFF41"/>
+        <a:srgbClr val="64E572"/>
       </a:accent6>
       <a:hlink>
-        <a:srgbClr val="0097A7"/>
+        <a:srgbClr val="2200CC"/>
       </a:hlink>
       <a:folHlink>
-        <a:srgbClr val="0097A7"/>
+        <a:srgbClr val="551A8B"/>
       </a:folHlink>
     </a:clrScheme>
     <a:fontScheme name="Office">

--- a/hrf/business_change.pptx
+++ b/hrf/business_change.pptx
@@ -18,9 +18,6 @@
     <p:sldId id="262" r:id="rId13"/>
     <p:sldId id="263" r:id="rId14"/>
     <p:sldId id="264" r:id="rId15"/>
-    <p:sldId id="265" r:id="rId16"/>
-    <p:sldId id="266" r:id="rId17"/>
-    <p:sldId id="267" r:id="rId18"/>
   </p:sldIdLst>
   <p:sldSz cy="5143500" cx="9144000"/>
   <p:notesSz cx="6858000" cy="9144000"/>
@@ -815,12 +812,12 @@
 </p:notes>
 </file>
 
-<file path=ppt/notesSlides/notesSlide10.xml><?xml version="1.0" encoding="utf-8"?>
+<file path=ppt/notesSlides/notesSlide2.xml><?xml version="1.0" encoding="utf-8"?>
 <p:notes xmlns:a="http://schemas.openxmlformats.org/drawingml/2006/main" xmlns:r="http://schemas.openxmlformats.org/officeDocument/2006/relationships" xmlns:mc="http://schemas.openxmlformats.org/markup-compatibility/2006" xmlns:mv="urn:schemas-microsoft-com:mac:vml" xmlns:p="http://schemas.openxmlformats.org/presentationml/2006/main" xmlns:c="http://schemas.openxmlformats.org/drawingml/2006/chart" xmlns:dgm="http://schemas.openxmlformats.org/drawingml/2006/diagram" xmlns:o="urn:schemas-microsoft-com:office:office" xmlns:v="urn:schemas-microsoft-com:vml" xmlns:pvml="urn:schemas-microsoft-com:office:powerpoint" xmlns:com="http://schemas.openxmlformats.org/drawingml/2006/compatibility" xmlns:p14="http://schemas.microsoft.com/office/powerpoint/2010/main" xmlns:p15="http://schemas.microsoft.com/office/powerpoint/2012/main" xmlns:ahyp="http://schemas.microsoft.com/office/drawing/2018/hyperlinkcolor" showMasterPhAnim="0" showMasterSp="0">
   <p:cSld>
     <p:spTree>
       <p:nvGrpSpPr>
-        <p:cNvPr id="159" name="Shape 159"/>
+        <p:cNvPr id="101" name="Shape 101"/>
         <p:cNvGrpSpPr/>
         <p:nvPr/>
       </p:nvGrpSpPr>
@@ -834,7 +831,7 @@
       </p:grpSpPr>
       <p:sp>
         <p:nvSpPr>
-          <p:cNvPr id="160" name="Google Shape;160;g11028376aaf_0_65:notes"/>
+          <p:cNvPr id="102" name="Google Shape;102;gf3b923034e_0_51:notes"/>
           <p:cNvSpPr/>
           <p:nvPr>
             <p:ph idx="2" type="sldImg"/>
@@ -865,21 +862,11 @@
               </a:path>
             </a:pathLst>
           </a:custGeom>
-          <a:noFill/>
-          <a:ln cap="flat" cmpd="sng" w="9525">
-            <a:solidFill>
-              <a:srgbClr val="000000"/>
-            </a:solidFill>
-            <a:prstDash val="solid"/>
-            <a:round/>
-            <a:headEnd len="sm" w="sm" type="none"/>
-            <a:tailEnd len="sm" w="sm" type="none"/>
-          </a:ln>
         </p:spPr>
       </p:sp>
       <p:sp>
         <p:nvSpPr>
-          <p:cNvPr id="161" name="Google Shape;161;g11028376aaf_0_65:notes"/>
+          <p:cNvPr id="103" name="Google Shape;103;gf3b923034e_0_51:notes"/>
           <p:cNvSpPr txBox="1"/>
           <p:nvPr>
             <p:ph idx="1" type="body"/>
@@ -893,10 +880,6 @@
           <a:prstGeom prst="rect">
             <a:avLst/>
           </a:prstGeom>
-          <a:noFill/>
-          <a:ln>
-            <a:noFill/>
-          </a:ln>
         </p:spPr>
         <p:txBody>
           <a:bodyPr anchorCtr="0" anchor="t" bIns="91425" lIns="91425" spcFirstLastPara="1" rIns="91425" wrap="square" tIns="91425">
@@ -905,16 +888,12 @@
           <a:lstStyle/>
           <a:p>
             <a:pPr indent="0" lvl="0" marL="0" rtl="0" algn="l">
-              <a:lnSpc>
-                <a:spcPct val="100000"/>
-              </a:lnSpc>
-              <a:spcBef>
-                <a:spcPts val="0"/>
-              </a:spcBef>
-              <a:spcAft>
-                <a:spcPts val="0"/>
-              </a:spcAft>
-              <a:buSzPts val="1100"/>
+              <a:spcBef>
+                <a:spcPts val="0"/>
+              </a:spcBef>
+              <a:spcAft>
+                <a:spcPts val="0"/>
+              </a:spcAft>
               <a:buNone/>
             </a:pPr>
             <a:r>
@@ -932,12 +911,12 @@
 </p:notes>
 </file>
 
-<file path=ppt/notesSlides/notesSlide11.xml><?xml version="1.0" encoding="utf-8"?>
+<file path=ppt/notesSlides/notesSlide3.xml><?xml version="1.0" encoding="utf-8"?>
 <p:notes xmlns:a="http://schemas.openxmlformats.org/drawingml/2006/main" xmlns:r="http://schemas.openxmlformats.org/officeDocument/2006/relationships" xmlns:mc="http://schemas.openxmlformats.org/markup-compatibility/2006" xmlns:mv="urn:schemas-microsoft-com:mac:vml" xmlns:p="http://schemas.openxmlformats.org/presentationml/2006/main" xmlns:c="http://schemas.openxmlformats.org/drawingml/2006/chart" xmlns:dgm="http://schemas.openxmlformats.org/drawingml/2006/diagram" xmlns:o="urn:schemas-microsoft-com:office:office" xmlns:v="urn:schemas-microsoft-com:vml" xmlns:pvml="urn:schemas-microsoft-com:office:powerpoint" xmlns:com="http://schemas.openxmlformats.org/drawingml/2006/compatibility" xmlns:p14="http://schemas.microsoft.com/office/powerpoint/2010/main" xmlns:p15="http://schemas.microsoft.com/office/powerpoint/2012/main" xmlns:ahyp="http://schemas.microsoft.com/office/drawing/2018/hyperlinkcolor" showMasterPhAnim="0" showMasterSp="0">
   <p:cSld>
     <p:spTree>
       <p:nvGrpSpPr>
-        <p:cNvPr id="166" name="Shape 166"/>
+        <p:cNvPr id="110" name="Shape 110"/>
         <p:cNvGrpSpPr/>
         <p:nvPr/>
       </p:nvGrpSpPr>
@@ -951,7 +930,7 @@
       </p:grpSpPr>
       <p:sp>
         <p:nvSpPr>
-          <p:cNvPr id="167" name="Google Shape;167;g11028376aaf_0_72:notes"/>
+          <p:cNvPr id="111" name="Google Shape;111;gf3b923034e_0_154:notes"/>
           <p:cNvSpPr/>
           <p:nvPr>
             <p:ph idx="2" type="sldImg"/>
@@ -982,21 +961,11 @@
               </a:path>
             </a:pathLst>
           </a:custGeom>
-          <a:noFill/>
-          <a:ln cap="flat" cmpd="sng" w="9525">
-            <a:solidFill>
-              <a:srgbClr val="000000"/>
-            </a:solidFill>
-            <a:prstDash val="solid"/>
-            <a:round/>
-            <a:headEnd len="sm" w="sm" type="none"/>
-            <a:tailEnd len="sm" w="sm" type="none"/>
-          </a:ln>
         </p:spPr>
       </p:sp>
       <p:sp>
         <p:nvSpPr>
-          <p:cNvPr id="168" name="Google Shape;168;g11028376aaf_0_72:notes"/>
+          <p:cNvPr id="112" name="Google Shape;112;gf3b923034e_0_154:notes"/>
           <p:cNvSpPr txBox="1"/>
           <p:nvPr>
             <p:ph idx="1" type="body"/>
@@ -1010,10 +979,6 @@
           <a:prstGeom prst="rect">
             <a:avLst/>
           </a:prstGeom>
-          <a:noFill/>
-          <a:ln>
-            <a:noFill/>
-          </a:ln>
         </p:spPr>
         <p:txBody>
           <a:bodyPr anchorCtr="0" anchor="t" bIns="91425" lIns="91425" spcFirstLastPara="1" rIns="91425" wrap="square" tIns="91425">
@@ -1022,16 +987,12 @@
           <a:lstStyle/>
           <a:p>
             <a:pPr indent="0" lvl="0" marL="0" rtl="0" algn="l">
-              <a:lnSpc>
-                <a:spcPct val="100000"/>
-              </a:lnSpc>
-              <a:spcBef>
-                <a:spcPts val="0"/>
-              </a:spcBef>
-              <a:spcAft>
-                <a:spcPts val="0"/>
-              </a:spcAft>
-              <a:buSzPts val="1100"/>
+              <a:spcBef>
+                <a:spcPts val="0"/>
+              </a:spcBef>
+              <a:spcAft>
+                <a:spcPts val="0"/>
+              </a:spcAft>
               <a:buNone/>
             </a:pPr>
             <a:r>
@@ -1049,12 +1010,12 @@
 </p:notes>
 </file>
 
-<file path=ppt/notesSlides/notesSlide12.xml><?xml version="1.0" encoding="utf-8"?>
+<file path=ppt/notesSlides/notesSlide4.xml><?xml version="1.0" encoding="utf-8"?>
 <p:notes xmlns:a="http://schemas.openxmlformats.org/drawingml/2006/main" xmlns:r="http://schemas.openxmlformats.org/officeDocument/2006/relationships" xmlns:mc="http://schemas.openxmlformats.org/markup-compatibility/2006" xmlns:mv="urn:schemas-microsoft-com:mac:vml" xmlns:p="http://schemas.openxmlformats.org/presentationml/2006/main" xmlns:c="http://schemas.openxmlformats.org/drawingml/2006/chart" xmlns:dgm="http://schemas.openxmlformats.org/drawingml/2006/diagram" xmlns:o="urn:schemas-microsoft-com:office:office" xmlns:v="urn:schemas-microsoft-com:vml" xmlns:pvml="urn:schemas-microsoft-com:office:powerpoint" xmlns:com="http://schemas.openxmlformats.org/drawingml/2006/compatibility" xmlns:p14="http://schemas.microsoft.com/office/powerpoint/2010/main" xmlns:p15="http://schemas.microsoft.com/office/powerpoint/2012/main" xmlns:ahyp="http://schemas.microsoft.com/office/drawing/2018/hyperlinkcolor" showMasterPhAnim="0" showMasterSp="0">
   <p:cSld>
     <p:spTree>
       <p:nvGrpSpPr>
-        <p:cNvPr id="173" name="Shape 173"/>
+        <p:cNvPr id="117" name="Shape 117"/>
         <p:cNvGrpSpPr/>
         <p:nvPr/>
       </p:nvGrpSpPr>
@@ -1068,7 +1029,7 @@
       </p:grpSpPr>
       <p:sp>
         <p:nvSpPr>
-          <p:cNvPr id="174" name="Google Shape;174;g11028376aaf_0_59:notes"/>
+          <p:cNvPr id="118" name="Google Shape;118;gf3b923034e_0_212:notes"/>
           <p:cNvSpPr/>
           <p:nvPr>
             <p:ph idx="2" type="sldImg"/>
@@ -1099,21 +1060,11 @@
               </a:path>
             </a:pathLst>
           </a:custGeom>
-          <a:noFill/>
-          <a:ln cap="flat" cmpd="sng" w="9525">
-            <a:solidFill>
-              <a:srgbClr val="000000"/>
-            </a:solidFill>
-            <a:prstDash val="solid"/>
-            <a:round/>
-            <a:headEnd len="sm" w="sm" type="none"/>
-            <a:tailEnd len="sm" w="sm" type="none"/>
-          </a:ln>
         </p:spPr>
       </p:sp>
       <p:sp>
         <p:nvSpPr>
-          <p:cNvPr id="175" name="Google Shape;175;g11028376aaf_0_59:notes"/>
+          <p:cNvPr id="119" name="Google Shape;119;gf3b923034e_0_212:notes"/>
           <p:cNvSpPr txBox="1"/>
           <p:nvPr>
             <p:ph idx="1" type="body"/>
@@ -1127,10 +1078,6 @@
           <a:prstGeom prst="rect">
             <a:avLst/>
           </a:prstGeom>
-          <a:noFill/>
-          <a:ln>
-            <a:noFill/>
-          </a:ln>
         </p:spPr>
         <p:txBody>
           <a:bodyPr anchorCtr="0" anchor="t" bIns="91425" lIns="91425" spcFirstLastPara="1" rIns="91425" wrap="square" tIns="91425">
@@ -1139,16 +1086,12 @@
           <a:lstStyle/>
           <a:p>
             <a:pPr indent="0" lvl="0" marL="0" rtl="0" algn="l">
-              <a:lnSpc>
-                <a:spcPct val="100000"/>
-              </a:lnSpc>
-              <a:spcBef>
-                <a:spcPts val="0"/>
-              </a:spcBef>
-              <a:spcAft>
-                <a:spcPts val="0"/>
-              </a:spcAft>
-              <a:buSzPts val="1100"/>
+              <a:spcBef>
+                <a:spcPts val="0"/>
+              </a:spcBef>
+              <a:spcAft>
+                <a:spcPts val="0"/>
+              </a:spcAft>
               <a:buNone/>
             </a:pPr>
             <a:r>
@@ -1166,12 +1109,12 @@
 </p:notes>
 </file>
 
-<file path=ppt/notesSlides/notesSlide2.xml><?xml version="1.0" encoding="utf-8"?>
+<file path=ppt/notesSlides/notesSlide5.xml><?xml version="1.0" encoding="utf-8"?>
 <p:notes xmlns:a="http://schemas.openxmlformats.org/drawingml/2006/main" xmlns:r="http://schemas.openxmlformats.org/officeDocument/2006/relationships" xmlns:mc="http://schemas.openxmlformats.org/markup-compatibility/2006" xmlns:mv="urn:schemas-microsoft-com:mac:vml" xmlns:p="http://schemas.openxmlformats.org/presentationml/2006/main" xmlns:c="http://schemas.openxmlformats.org/drawingml/2006/chart" xmlns:dgm="http://schemas.openxmlformats.org/drawingml/2006/diagram" xmlns:o="urn:schemas-microsoft-com:office:office" xmlns:v="urn:schemas-microsoft-com:vml" xmlns:pvml="urn:schemas-microsoft-com:office:powerpoint" xmlns:com="http://schemas.openxmlformats.org/drawingml/2006/compatibility" xmlns:p14="http://schemas.microsoft.com/office/powerpoint/2010/main" xmlns:p15="http://schemas.microsoft.com/office/powerpoint/2012/main" xmlns:ahyp="http://schemas.microsoft.com/office/drawing/2018/hyperlinkcolor" showMasterPhAnim="0" showMasterSp="0">
   <p:cSld>
     <p:spTree>
       <p:nvGrpSpPr>
-        <p:cNvPr id="101" name="Shape 101"/>
+        <p:cNvPr id="124" name="Shape 124"/>
         <p:cNvGrpSpPr/>
         <p:nvPr/>
       </p:nvGrpSpPr>
@@ -1185,124 +1128,7 @@
       </p:grpSpPr>
       <p:sp>
         <p:nvSpPr>
-          <p:cNvPr id="102" name="Google Shape;102;g111b97d66b6_2_51:notes"/>
-          <p:cNvSpPr/>
-          <p:nvPr>
-            <p:ph idx="2" type="sldImg"/>
-          </p:nvPr>
-        </p:nvSpPr>
-        <p:spPr>
-          <a:xfrm>
-            <a:off x="381000" y="685800"/>
-            <a:ext cx="6096000" cy="3429000"/>
-          </a:xfrm>
-          <a:custGeom>
-            <a:rect b="b" l="l" r="r" t="t"/>
-            <a:pathLst>
-              <a:path extrusionOk="0" h="120000" w="120000">
-                <a:moveTo>
-                  <a:pt x="0" y="0"/>
-                </a:moveTo>
-                <a:lnTo>
-                  <a:pt x="120000" y="0"/>
-                </a:lnTo>
-                <a:lnTo>
-                  <a:pt x="120000" y="120000"/>
-                </a:lnTo>
-                <a:lnTo>
-                  <a:pt x="0" y="120000"/>
-                </a:lnTo>
-                <a:close/>
-              </a:path>
-            </a:pathLst>
-          </a:custGeom>
-          <a:noFill/>
-          <a:ln cap="flat" cmpd="sng" w="9525">
-            <a:solidFill>
-              <a:srgbClr val="000000"/>
-            </a:solidFill>
-            <a:prstDash val="solid"/>
-            <a:round/>
-            <a:headEnd len="sm" w="sm" type="none"/>
-            <a:tailEnd len="sm" w="sm" type="none"/>
-          </a:ln>
-        </p:spPr>
-      </p:sp>
-      <p:sp>
-        <p:nvSpPr>
-          <p:cNvPr id="103" name="Google Shape;103;g111b97d66b6_2_51:notes"/>
-          <p:cNvSpPr txBox="1"/>
-          <p:nvPr>
-            <p:ph idx="1" type="body"/>
-          </p:nvPr>
-        </p:nvSpPr>
-        <p:spPr>
-          <a:xfrm>
-            <a:off x="685800" y="4343400"/>
-            <a:ext cx="5486400" cy="4114800"/>
-          </a:xfrm>
-          <a:prstGeom prst="rect">
-            <a:avLst/>
-          </a:prstGeom>
-          <a:noFill/>
-          <a:ln>
-            <a:noFill/>
-          </a:ln>
-        </p:spPr>
-        <p:txBody>
-          <a:bodyPr anchorCtr="0" anchor="t" bIns="91425" lIns="91425" spcFirstLastPara="1" rIns="91425" wrap="square" tIns="91425">
-            <a:noAutofit/>
-          </a:bodyPr>
-          <a:lstStyle/>
-          <a:p>
-            <a:pPr indent="0" lvl="0" marL="0" rtl="0" algn="l">
-              <a:lnSpc>
-                <a:spcPct val="100000"/>
-              </a:lnSpc>
-              <a:spcBef>
-                <a:spcPts val="0"/>
-              </a:spcBef>
-              <a:spcAft>
-                <a:spcPts val="0"/>
-              </a:spcAft>
-              <a:buSzPts val="1100"/>
-              <a:buNone/>
-            </a:pPr>
-            <a:r>
-              <a:t/>
-            </a:r>
-            <a:endParaRPr/>
-          </a:p>
-        </p:txBody>
-      </p:sp>
-    </p:spTree>
-  </p:cSld>
-  <p:clrMapOvr>
-    <a:masterClrMapping/>
-  </p:clrMapOvr>
-</p:notes>
-</file>
-
-<file path=ppt/notesSlides/notesSlide3.xml><?xml version="1.0" encoding="utf-8"?>
-<p:notes xmlns:a="http://schemas.openxmlformats.org/drawingml/2006/main" xmlns:r="http://schemas.openxmlformats.org/officeDocument/2006/relationships" xmlns:mc="http://schemas.openxmlformats.org/markup-compatibility/2006" xmlns:mv="urn:schemas-microsoft-com:mac:vml" xmlns:p="http://schemas.openxmlformats.org/presentationml/2006/main" xmlns:c="http://schemas.openxmlformats.org/drawingml/2006/chart" xmlns:dgm="http://schemas.openxmlformats.org/drawingml/2006/diagram" xmlns:o="urn:schemas-microsoft-com:office:office" xmlns:v="urn:schemas-microsoft-com:vml" xmlns:pvml="urn:schemas-microsoft-com:office:powerpoint" xmlns:com="http://schemas.openxmlformats.org/drawingml/2006/compatibility" xmlns:p14="http://schemas.microsoft.com/office/powerpoint/2010/main" xmlns:p15="http://schemas.microsoft.com/office/powerpoint/2012/main" xmlns:ahyp="http://schemas.microsoft.com/office/drawing/2018/hyperlinkcolor" showMasterPhAnim="0" showMasterSp="0">
-  <p:cSld>
-    <p:spTree>
-      <p:nvGrpSpPr>
-        <p:cNvPr id="108" name="Shape 108"/>
-        <p:cNvGrpSpPr/>
-        <p:nvPr/>
-      </p:nvGrpSpPr>
-      <p:grpSpPr>
-        <a:xfrm>
-          <a:off x="0" y="0"/>
-          <a:ext cx="0" cy="0"/>
-          <a:chOff x="0" y="0"/>
-          <a:chExt cx="0" cy="0"/>
-        </a:xfrm>
-      </p:grpSpPr>
-      <p:sp>
-        <p:nvSpPr>
-          <p:cNvPr id="109" name="Google Shape;109;g111b97d66b6_2_56:notes"/>
+          <p:cNvPr id="125" name="Google Shape;125;gf3b923034e_0_241:notes"/>
           <p:cNvSpPr/>
           <p:nvPr>
             <p:ph idx="2" type="sldImg"/>
@@ -1333,21 +1159,11 @@
               </a:path>
             </a:pathLst>
           </a:custGeom>
-          <a:noFill/>
-          <a:ln cap="flat" cmpd="sng" w="9525">
-            <a:solidFill>
-              <a:srgbClr val="000000"/>
-            </a:solidFill>
-            <a:prstDash val="solid"/>
-            <a:round/>
-            <a:headEnd len="sm" w="sm" type="none"/>
-            <a:tailEnd len="sm" w="sm" type="none"/>
-          </a:ln>
         </p:spPr>
       </p:sp>
       <p:sp>
         <p:nvSpPr>
-          <p:cNvPr id="110" name="Google Shape;110;g111b97d66b6_2_56:notes"/>
+          <p:cNvPr id="126" name="Google Shape;126;gf3b923034e_0_241:notes"/>
           <p:cNvSpPr txBox="1"/>
           <p:nvPr>
             <p:ph idx="1" type="body"/>
@@ -1361,10 +1177,6 @@
           <a:prstGeom prst="rect">
             <a:avLst/>
           </a:prstGeom>
-          <a:noFill/>
-          <a:ln>
-            <a:noFill/>
-          </a:ln>
         </p:spPr>
         <p:txBody>
           <a:bodyPr anchorCtr="0" anchor="t" bIns="91425" lIns="91425" spcFirstLastPara="1" rIns="91425" wrap="square" tIns="91425">
@@ -1373,16 +1185,12 @@
           <a:lstStyle/>
           <a:p>
             <a:pPr indent="0" lvl="0" marL="0" rtl="0" algn="l">
-              <a:lnSpc>
-                <a:spcPct val="100000"/>
-              </a:lnSpc>
-              <a:spcBef>
-                <a:spcPts val="0"/>
-              </a:spcBef>
-              <a:spcAft>
-                <a:spcPts val="0"/>
-              </a:spcAft>
-              <a:buSzPts val="1100"/>
+              <a:spcBef>
+                <a:spcPts val="0"/>
+              </a:spcBef>
+              <a:spcAft>
+                <a:spcPts val="0"/>
+              </a:spcAft>
               <a:buNone/>
             </a:pPr>
             <a:r>
@@ -1400,12 +1208,12 @@
 </p:notes>
 </file>
 
-<file path=ppt/notesSlides/notesSlide4.xml><?xml version="1.0" encoding="utf-8"?>
+<file path=ppt/notesSlides/notesSlide6.xml><?xml version="1.0" encoding="utf-8"?>
 <p:notes xmlns:a="http://schemas.openxmlformats.org/drawingml/2006/main" xmlns:r="http://schemas.openxmlformats.org/officeDocument/2006/relationships" xmlns:mc="http://schemas.openxmlformats.org/markup-compatibility/2006" xmlns:mv="urn:schemas-microsoft-com:mac:vml" xmlns:p="http://schemas.openxmlformats.org/presentationml/2006/main" xmlns:c="http://schemas.openxmlformats.org/drawingml/2006/chart" xmlns:dgm="http://schemas.openxmlformats.org/drawingml/2006/diagram" xmlns:o="urn:schemas-microsoft-com:office:office" xmlns:v="urn:schemas-microsoft-com:vml" xmlns:pvml="urn:schemas-microsoft-com:office:powerpoint" xmlns:com="http://schemas.openxmlformats.org/drawingml/2006/compatibility" xmlns:p14="http://schemas.microsoft.com/office/powerpoint/2010/main" xmlns:p15="http://schemas.microsoft.com/office/powerpoint/2012/main" xmlns:ahyp="http://schemas.microsoft.com/office/drawing/2018/hyperlinkcolor" showMasterPhAnim="0" showMasterSp="0">
   <p:cSld>
     <p:spTree>
       <p:nvGrpSpPr>
-        <p:cNvPr id="115" name="Shape 115"/>
+        <p:cNvPr id="132" name="Shape 132"/>
         <p:cNvGrpSpPr/>
         <p:nvPr/>
       </p:nvGrpSpPr>
@@ -1419,7 +1227,7 @@
       </p:grpSpPr>
       <p:sp>
         <p:nvSpPr>
-          <p:cNvPr id="116" name="Google Shape;116;g11028376aaf_0_4:notes"/>
+          <p:cNvPr id="133" name="Google Shape;133;gf3b923034e_0_271:notes"/>
           <p:cNvSpPr/>
           <p:nvPr>
             <p:ph idx="2" type="sldImg"/>
@@ -1450,21 +1258,11 @@
               </a:path>
             </a:pathLst>
           </a:custGeom>
-          <a:noFill/>
-          <a:ln cap="flat" cmpd="sng" w="9525">
-            <a:solidFill>
-              <a:srgbClr val="000000"/>
-            </a:solidFill>
-            <a:prstDash val="solid"/>
-            <a:round/>
-            <a:headEnd len="sm" w="sm" type="none"/>
-            <a:tailEnd len="sm" w="sm" type="none"/>
-          </a:ln>
         </p:spPr>
       </p:sp>
       <p:sp>
         <p:nvSpPr>
-          <p:cNvPr id="117" name="Google Shape;117;g11028376aaf_0_4:notes"/>
+          <p:cNvPr id="134" name="Google Shape;134;gf3b923034e_0_271:notes"/>
           <p:cNvSpPr txBox="1"/>
           <p:nvPr>
             <p:ph idx="1" type="body"/>
@@ -1478,10 +1276,6 @@
           <a:prstGeom prst="rect">
             <a:avLst/>
           </a:prstGeom>
-          <a:noFill/>
-          <a:ln>
-            <a:noFill/>
-          </a:ln>
         </p:spPr>
         <p:txBody>
           <a:bodyPr anchorCtr="0" anchor="t" bIns="91425" lIns="91425" spcFirstLastPara="1" rIns="91425" wrap="square" tIns="91425">
@@ -1490,16 +1284,12 @@
           <a:lstStyle/>
           <a:p>
             <a:pPr indent="0" lvl="0" marL="0" rtl="0" algn="l">
-              <a:lnSpc>
-                <a:spcPct val="100000"/>
-              </a:lnSpc>
-              <a:spcBef>
-                <a:spcPts val="0"/>
-              </a:spcBef>
-              <a:spcAft>
-                <a:spcPts val="0"/>
-              </a:spcAft>
-              <a:buSzPts val="1100"/>
+              <a:spcBef>
+                <a:spcPts val="0"/>
+              </a:spcBef>
+              <a:spcAft>
+                <a:spcPts val="0"/>
+              </a:spcAft>
               <a:buNone/>
             </a:pPr>
             <a:r>
@@ -1517,12 +1307,12 @@
 </p:notes>
 </file>
 
-<file path=ppt/notesSlides/notesSlide5.xml><?xml version="1.0" encoding="utf-8"?>
+<file path=ppt/notesSlides/notesSlide7.xml><?xml version="1.0" encoding="utf-8"?>
 <p:notes xmlns:a="http://schemas.openxmlformats.org/drawingml/2006/main" xmlns:r="http://schemas.openxmlformats.org/officeDocument/2006/relationships" xmlns:mc="http://schemas.openxmlformats.org/markup-compatibility/2006" xmlns:mv="urn:schemas-microsoft-com:mac:vml" xmlns:p="http://schemas.openxmlformats.org/presentationml/2006/main" xmlns:c="http://schemas.openxmlformats.org/drawingml/2006/chart" xmlns:dgm="http://schemas.openxmlformats.org/drawingml/2006/diagram" xmlns:o="urn:schemas-microsoft-com:office:office" xmlns:v="urn:schemas-microsoft-com:vml" xmlns:pvml="urn:schemas-microsoft-com:office:powerpoint" xmlns:com="http://schemas.openxmlformats.org/drawingml/2006/compatibility" xmlns:p14="http://schemas.microsoft.com/office/powerpoint/2010/main" xmlns:p15="http://schemas.microsoft.com/office/powerpoint/2012/main" xmlns:ahyp="http://schemas.microsoft.com/office/drawing/2018/hyperlinkcolor" showMasterPhAnim="0" showMasterSp="0">
   <p:cSld>
     <p:spTree>
       <p:nvGrpSpPr>
-        <p:cNvPr id="123" name="Shape 123"/>
+        <p:cNvPr id="139" name="Shape 139"/>
         <p:cNvGrpSpPr/>
         <p:nvPr/>
       </p:nvGrpSpPr>
@@ -1536,7 +1326,7 @@
       </p:grpSpPr>
       <p:sp>
         <p:nvSpPr>
-          <p:cNvPr id="124" name="Google Shape;124;g11028376aaf_0_87:notes"/>
+          <p:cNvPr id="140" name="Google Shape;140;gf3b923034e_0_303:notes"/>
           <p:cNvSpPr/>
           <p:nvPr>
             <p:ph idx="2" type="sldImg"/>
@@ -1567,21 +1357,11 @@
               </a:path>
             </a:pathLst>
           </a:custGeom>
-          <a:noFill/>
-          <a:ln cap="flat" cmpd="sng" w="9525">
-            <a:solidFill>
-              <a:srgbClr val="000000"/>
-            </a:solidFill>
-            <a:prstDash val="solid"/>
-            <a:round/>
-            <a:headEnd len="sm" w="sm" type="none"/>
-            <a:tailEnd len="sm" w="sm" type="none"/>
-          </a:ln>
         </p:spPr>
       </p:sp>
       <p:sp>
         <p:nvSpPr>
-          <p:cNvPr id="125" name="Google Shape;125;g11028376aaf_0_87:notes"/>
+          <p:cNvPr id="141" name="Google Shape;141;gf3b923034e_0_303:notes"/>
           <p:cNvSpPr txBox="1"/>
           <p:nvPr>
             <p:ph idx="1" type="body"/>
@@ -1595,10 +1375,6 @@
           <a:prstGeom prst="rect">
             <a:avLst/>
           </a:prstGeom>
-          <a:noFill/>
-          <a:ln>
-            <a:noFill/>
-          </a:ln>
         </p:spPr>
         <p:txBody>
           <a:bodyPr anchorCtr="0" anchor="t" bIns="91425" lIns="91425" spcFirstLastPara="1" rIns="91425" wrap="square" tIns="91425">
@@ -1607,16 +1383,12 @@
           <a:lstStyle/>
           <a:p>
             <a:pPr indent="0" lvl="0" marL="0" rtl="0" algn="l">
-              <a:lnSpc>
-                <a:spcPct val="100000"/>
-              </a:lnSpc>
-              <a:spcBef>
-                <a:spcPts val="0"/>
-              </a:spcBef>
-              <a:spcAft>
-                <a:spcPts val="0"/>
-              </a:spcAft>
-              <a:buSzPts val="1100"/>
+              <a:spcBef>
+                <a:spcPts val="0"/>
+              </a:spcBef>
+              <a:spcAft>
+                <a:spcPts val="0"/>
+              </a:spcAft>
               <a:buNone/>
             </a:pPr>
             <a:r>
@@ -1634,12 +1406,12 @@
 </p:notes>
 </file>
 
-<file path=ppt/notesSlides/notesSlide6.xml><?xml version="1.0" encoding="utf-8"?>
+<file path=ppt/notesSlides/notesSlide8.xml><?xml version="1.0" encoding="utf-8"?>
 <p:notes xmlns:a="http://schemas.openxmlformats.org/drawingml/2006/main" xmlns:r="http://schemas.openxmlformats.org/officeDocument/2006/relationships" xmlns:mc="http://schemas.openxmlformats.org/markup-compatibility/2006" xmlns:mv="urn:schemas-microsoft-com:mac:vml" xmlns:p="http://schemas.openxmlformats.org/presentationml/2006/main" xmlns:c="http://schemas.openxmlformats.org/drawingml/2006/chart" xmlns:dgm="http://schemas.openxmlformats.org/drawingml/2006/diagram" xmlns:o="urn:schemas-microsoft-com:office:office" xmlns:v="urn:schemas-microsoft-com:vml" xmlns:pvml="urn:schemas-microsoft-com:office:powerpoint" xmlns:com="http://schemas.openxmlformats.org/drawingml/2006/compatibility" xmlns:p14="http://schemas.microsoft.com/office/powerpoint/2010/main" xmlns:p15="http://schemas.microsoft.com/office/powerpoint/2012/main" xmlns:ahyp="http://schemas.microsoft.com/office/drawing/2018/hyperlinkcolor" showMasterPhAnim="0" showMasterSp="0">
   <p:cSld>
     <p:spTree>
       <p:nvGrpSpPr>
-        <p:cNvPr id="130" name="Shape 130"/>
+        <p:cNvPr id="146" name="Shape 146"/>
         <p:cNvGrpSpPr/>
         <p:nvPr/>
       </p:nvGrpSpPr>
@@ -1653,7 +1425,7 @@
       </p:grpSpPr>
       <p:sp>
         <p:nvSpPr>
-          <p:cNvPr id="131" name="Google Shape;131;g11028376aaf_0_11:notes"/>
+          <p:cNvPr id="147" name="Google Shape;147;gf3b923034e_0_321:notes"/>
           <p:cNvSpPr/>
           <p:nvPr>
             <p:ph idx="2" type="sldImg"/>
@@ -1684,21 +1456,11 @@
               </a:path>
             </a:pathLst>
           </a:custGeom>
-          <a:noFill/>
-          <a:ln cap="flat" cmpd="sng" w="9525">
-            <a:solidFill>
-              <a:srgbClr val="000000"/>
-            </a:solidFill>
-            <a:prstDash val="solid"/>
-            <a:round/>
-            <a:headEnd len="sm" w="sm" type="none"/>
-            <a:tailEnd len="sm" w="sm" type="none"/>
-          </a:ln>
         </p:spPr>
       </p:sp>
       <p:sp>
         <p:nvSpPr>
-          <p:cNvPr id="132" name="Google Shape;132;g11028376aaf_0_11:notes"/>
+          <p:cNvPr id="148" name="Google Shape;148;gf3b923034e_0_321:notes"/>
           <p:cNvSpPr txBox="1"/>
           <p:nvPr>
             <p:ph idx="1" type="body"/>
@@ -1712,10 +1474,6 @@
           <a:prstGeom prst="rect">
             <a:avLst/>
           </a:prstGeom>
-          <a:noFill/>
-          <a:ln>
-            <a:noFill/>
-          </a:ln>
         </p:spPr>
         <p:txBody>
           <a:bodyPr anchorCtr="0" anchor="t" bIns="91425" lIns="91425" spcFirstLastPara="1" rIns="91425" wrap="square" tIns="91425">
@@ -1724,16 +1482,12 @@
           <a:lstStyle/>
           <a:p>
             <a:pPr indent="0" lvl="0" marL="0" rtl="0" algn="l">
-              <a:lnSpc>
-                <a:spcPct val="100000"/>
-              </a:lnSpc>
-              <a:spcBef>
-                <a:spcPts val="0"/>
-              </a:spcBef>
-              <a:spcAft>
-                <a:spcPts val="0"/>
-              </a:spcAft>
-              <a:buSzPts val="1100"/>
+              <a:spcBef>
+                <a:spcPts val="0"/>
+              </a:spcBef>
+              <a:spcAft>
+                <a:spcPts val="0"/>
+              </a:spcAft>
               <a:buNone/>
             </a:pPr>
             <a:r>
@@ -1751,12 +1505,12 @@
 </p:notes>
 </file>
 
-<file path=ppt/notesSlides/notesSlide7.xml><?xml version="1.0" encoding="utf-8"?>
+<file path=ppt/notesSlides/notesSlide9.xml><?xml version="1.0" encoding="utf-8"?>
 <p:notes xmlns:a="http://schemas.openxmlformats.org/drawingml/2006/main" xmlns:r="http://schemas.openxmlformats.org/officeDocument/2006/relationships" xmlns:mc="http://schemas.openxmlformats.org/markup-compatibility/2006" xmlns:mv="urn:schemas-microsoft-com:mac:vml" xmlns:p="http://schemas.openxmlformats.org/presentationml/2006/main" xmlns:c="http://schemas.openxmlformats.org/drawingml/2006/chart" xmlns:dgm="http://schemas.openxmlformats.org/drawingml/2006/diagram" xmlns:o="urn:schemas-microsoft-com:office:office" xmlns:v="urn:schemas-microsoft-com:vml" xmlns:pvml="urn:schemas-microsoft-com:office:powerpoint" xmlns:com="http://schemas.openxmlformats.org/drawingml/2006/compatibility" xmlns:p14="http://schemas.microsoft.com/office/powerpoint/2010/main" xmlns:p15="http://schemas.microsoft.com/office/powerpoint/2012/main" xmlns:ahyp="http://schemas.microsoft.com/office/drawing/2018/hyperlinkcolor" showMasterPhAnim="0" showMasterSp="0">
   <p:cSld>
     <p:spTree>
       <p:nvGrpSpPr>
-        <p:cNvPr id="137" name="Shape 137"/>
+        <p:cNvPr id="153" name="Shape 153"/>
         <p:cNvGrpSpPr/>
         <p:nvPr/>
       </p:nvGrpSpPr>
@@ -1770,7 +1524,7 @@
       </p:grpSpPr>
       <p:sp>
         <p:nvSpPr>
-          <p:cNvPr id="138" name="Google Shape;138;g11028376aaf_0_26:notes"/>
+          <p:cNvPr id="154" name="Google Shape;154;gf3b923034e_0_334:notes"/>
           <p:cNvSpPr/>
           <p:nvPr>
             <p:ph idx="2" type="sldImg"/>
@@ -1801,21 +1555,11 @@
               </a:path>
             </a:pathLst>
           </a:custGeom>
-          <a:noFill/>
-          <a:ln cap="flat" cmpd="sng" w="9525">
-            <a:solidFill>
-              <a:srgbClr val="000000"/>
-            </a:solidFill>
-            <a:prstDash val="solid"/>
-            <a:round/>
-            <a:headEnd len="sm" w="sm" type="none"/>
-            <a:tailEnd len="sm" w="sm" type="none"/>
-          </a:ln>
         </p:spPr>
       </p:sp>
       <p:sp>
         <p:nvSpPr>
-          <p:cNvPr id="139" name="Google Shape;139;g11028376aaf_0_26:notes"/>
+          <p:cNvPr id="155" name="Google Shape;155;gf3b923034e_0_334:notes"/>
           <p:cNvSpPr txBox="1"/>
           <p:nvPr>
             <p:ph idx="1" type="body"/>
@@ -1829,10 +1573,6 @@
           <a:prstGeom prst="rect">
             <a:avLst/>
           </a:prstGeom>
-          <a:noFill/>
-          <a:ln>
-            <a:noFill/>
-          </a:ln>
         </p:spPr>
         <p:txBody>
           <a:bodyPr anchorCtr="0" anchor="t" bIns="91425" lIns="91425" spcFirstLastPara="1" rIns="91425" wrap="square" tIns="91425">
@@ -1841,250 +1581,12 @@
           <a:lstStyle/>
           <a:p>
             <a:pPr indent="0" lvl="0" marL="0" rtl="0" algn="l">
-              <a:lnSpc>
-                <a:spcPct val="100000"/>
-              </a:lnSpc>
-              <a:spcBef>
-                <a:spcPts val="0"/>
-              </a:spcBef>
-              <a:spcAft>
-                <a:spcPts val="0"/>
-              </a:spcAft>
-              <a:buSzPts val="1100"/>
-              <a:buNone/>
-            </a:pPr>
-            <a:r>
-              <a:t/>
-            </a:r>
-            <a:endParaRPr/>
-          </a:p>
-        </p:txBody>
-      </p:sp>
-    </p:spTree>
-  </p:cSld>
-  <p:clrMapOvr>
-    <a:masterClrMapping/>
-  </p:clrMapOvr>
-</p:notes>
-</file>
-
-<file path=ppt/notesSlides/notesSlide8.xml><?xml version="1.0" encoding="utf-8"?>
-<p:notes xmlns:a="http://schemas.openxmlformats.org/drawingml/2006/main" xmlns:r="http://schemas.openxmlformats.org/officeDocument/2006/relationships" xmlns:mc="http://schemas.openxmlformats.org/markup-compatibility/2006" xmlns:mv="urn:schemas-microsoft-com:mac:vml" xmlns:p="http://schemas.openxmlformats.org/presentationml/2006/main" xmlns:c="http://schemas.openxmlformats.org/drawingml/2006/chart" xmlns:dgm="http://schemas.openxmlformats.org/drawingml/2006/diagram" xmlns:o="urn:schemas-microsoft-com:office:office" xmlns:v="urn:schemas-microsoft-com:vml" xmlns:pvml="urn:schemas-microsoft-com:office:powerpoint" xmlns:com="http://schemas.openxmlformats.org/drawingml/2006/compatibility" xmlns:p14="http://schemas.microsoft.com/office/powerpoint/2010/main" xmlns:p15="http://schemas.microsoft.com/office/powerpoint/2012/main" xmlns:ahyp="http://schemas.microsoft.com/office/drawing/2018/hyperlinkcolor" showMasterPhAnim="0" showMasterSp="0">
-  <p:cSld>
-    <p:spTree>
-      <p:nvGrpSpPr>
-        <p:cNvPr id="144" name="Shape 144"/>
-        <p:cNvGrpSpPr/>
-        <p:nvPr/>
-      </p:nvGrpSpPr>
-      <p:grpSpPr>
-        <a:xfrm>
-          <a:off x="0" y="0"/>
-          <a:ext cx="0" cy="0"/>
-          <a:chOff x="0" y="0"/>
-          <a:chExt cx="0" cy="0"/>
-        </a:xfrm>
-      </p:grpSpPr>
-      <p:sp>
-        <p:nvSpPr>
-          <p:cNvPr id="145" name="Google Shape;145;g11028376aaf_0_34:notes"/>
-          <p:cNvSpPr/>
-          <p:nvPr>
-            <p:ph idx="2" type="sldImg"/>
-          </p:nvPr>
-        </p:nvSpPr>
-        <p:spPr>
-          <a:xfrm>
-            <a:off x="381300" y="685800"/>
-            <a:ext cx="6096000" cy="3429000"/>
-          </a:xfrm>
-          <a:custGeom>
-            <a:rect b="b" l="l" r="r" t="t"/>
-            <a:pathLst>
-              <a:path extrusionOk="0" h="120000" w="120000">
-                <a:moveTo>
-                  <a:pt x="0" y="0"/>
-                </a:moveTo>
-                <a:lnTo>
-                  <a:pt x="120000" y="0"/>
-                </a:lnTo>
-                <a:lnTo>
-                  <a:pt x="120000" y="120000"/>
-                </a:lnTo>
-                <a:lnTo>
-                  <a:pt x="0" y="120000"/>
-                </a:lnTo>
-                <a:close/>
-              </a:path>
-            </a:pathLst>
-          </a:custGeom>
-          <a:noFill/>
-          <a:ln cap="flat" cmpd="sng" w="9525">
-            <a:solidFill>
-              <a:srgbClr val="000000"/>
-            </a:solidFill>
-            <a:prstDash val="solid"/>
-            <a:round/>
-            <a:headEnd len="sm" w="sm" type="none"/>
-            <a:tailEnd len="sm" w="sm" type="none"/>
-          </a:ln>
-        </p:spPr>
-      </p:sp>
-      <p:sp>
-        <p:nvSpPr>
-          <p:cNvPr id="146" name="Google Shape;146;g11028376aaf_0_34:notes"/>
-          <p:cNvSpPr txBox="1"/>
-          <p:nvPr>
-            <p:ph idx="1" type="body"/>
-          </p:nvPr>
-        </p:nvSpPr>
-        <p:spPr>
-          <a:xfrm>
-            <a:off x="685800" y="4343400"/>
-            <a:ext cx="5486400" cy="4114800"/>
-          </a:xfrm>
-          <a:prstGeom prst="rect">
-            <a:avLst/>
-          </a:prstGeom>
-          <a:noFill/>
-          <a:ln>
-            <a:noFill/>
-          </a:ln>
-        </p:spPr>
-        <p:txBody>
-          <a:bodyPr anchorCtr="0" anchor="t" bIns="91425" lIns="91425" spcFirstLastPara="1" rIns="91425" wrap="square" tIns="91425">
-            <a:noAutofit/>
-          </a:bodyPr>
-          <a:lstStyle/>
-          <a:p>
-            <a:pPr indent="0" lvl="0" marL="0" rtl="0" algn="l">
-              <a:lnSpc>
-                <a:spcPct val="100000"/>
-              </a:lnSpc>
-              <a:spcBef>
-                <a:spcPts val="0"/>
-              </a:spcBef>
-              <a:spcAft>
-                <a:spcPts val="0"/>
-              </a:spcAft>
-              <a:buSzPts val="1100"/>
-              <a:buNone/>
-            </a:pPr>
-            <a:r>
-              <a:t/>
-            </a:r>
-            <a:endParaRPr/>
-          </a:p>
-        </p:txBody>
-      </p:sp>
-    </p:spTree>
-  </p:cSld>
-  <p:clrMapOvr>
-    <a:masterClrMapping/>
-  </p:clrMapOvr>
-</p:notes>
-</file>
-
-<file path=ppt/notesSlides/notesSlide9.xml><?xml version="1.0" encoding="utf-8"?>
-<p:notes xmlns:a="http://schemas.openxmlformats.org/drawingml/2006/main" xmlns:r="http://schemas.openxmlformats.org/officeDocument/2006/relationships" xmlns:mc="http://schemas.openxmlformats.org/markup-compatibility/2006" xmlns:mv="urn:schemas-microsoft-com:mac:vml" xmlns:p="http://schemas.openxmlformats.org/presentationml/2006/main" xmlns:c="http://schemas.openxmlformats.org/drawingml/2006/chart" xmlns:dgm="http://schemas.openxmlformats.org/drawingml/2006/diagram" xmlns:o="urn:schemas-microsoft-com:office:office" xmlns:v="urn:schemas-microsoft-com:vml" xmlns:pvml="urn:schemas-microsoft-com:office:powerpoint" xmlns:com="http://schemas.openxmlformats.org/drawingml/2006/compatibility" xmlns:p14="http://schemas.microsoft.com/office/powerpoint/2010/main" xmlns:p15="http://schemas.microsoft.com/office/powerpoint/2012/main" xmlns:ahyp="http://schemas.microsoft.com/office/drawing/2018/hyperlinkcolor" showMasterPhAnim="0" showMasterSp="0">
-  <p:cSld>
-    <p:spTree>
-      <p:nvGrpSpPr>
-        <p:cNvPr id="151" name="Shape 151"/>
-        <p:cNvGrpSpPr/>
-        <p:nvPr/>
-      </p:nvGrpSpPr>
-      <p:grpSpPr>
-        <a:xfrm>
-          <a:off x="0" y="0"/>
-          <a:ext cx="0" cy="0"/>
-          <a:chOff x="0" y="0"/>
-          <a:chExt cx="0" cy="0"/>
-        </a:xfrm>
-      </p:grpSpPr>
-      <p:sp>
-        <p:nvSpPr>
-          <p:cNvPr id="152" name="Google Shape;152;g11028376aaf_0_49:notes"/>
-          <p:cNvSpPr/>
-          <p:nvPr>
-            <p:ph idx="2" type="sldImg"/>
-          </p:nvPr>
-        </p:nvSpPr>
-        <p:spPr>
-          <a:xfrm>
-            <a:off x="381300" y="685800"/>
-            <a:ext cx="6096000" cy="3429000"/>
-          </a:xfrm>
-          <a:custGeom>
-            <a:rect b="b" l="l" r="r" t="t"/>
-            <a:pathLst>
-              <a:path extrusionOk="0" h="120000" w="120000">
-                <a:moveTo>
-                  <a:pt x="0" y="0"/>
-                </a:moveTo>
-                <a:lnTo>
-                  <a:pt x="120000" y="0"/>
-                </a:lnTo>
-                <a:lnTo>
-                  <a:pt x="120000" y="120000"/>
-                </a:lnTo>
-                <a:lnTo>
-                  <a:pt x="0" y="120000"/>
-                </a:lnTo>
-                <a:close/>
-              </a:path>
-            </a:pathLst>
-          </a:custGeom>
-          <a:noFill/>
-          <a:ln cap="flat" cmpd="sng" w="9525">
-            <a:solidFill>
-              <a:srgbClr val="000000"/>
-            </a:solidFill>
-            <a:prstDash val="solid"/>
-            <a:round/>
-            <a:headEnd len="sm" w="sm" type="none"/>
-            <a:tailEnd len="sm" w="sm" type="none"/>
-          </a:ln>
-        </p:spPr>
-      </p:sp>
-      <p:sp>
-        <p:nvSpPr>
-          <p:cNvPr id="153" name="Google Shape;153;g11028376aaf_0_49:notes"/>
-          <p:cNvSpPr txBox="1"/>
-          <p:nvPr>
-            <p:ph idx="1" type="body"/>
-          </p:nvPr>
-        </p:nvSpPr>
-        <p:spPr>
-          <a:xfrm>
-            <a:off x="685800" y="4343400"/>
-            <a:ext cx="5486400" cy="4114800"/>
-          </a:xfrm>
-          <a:prstGeom prst="rect">
-            <a:avLst/>
-          </a:prstGeom>
-          <a:noFill/>
-          <a:ln>
-            <a:noFill/>
-          </a:ln>
-        </p:spPr>
-        <p:txBody>
-          <a:bodyPr anchorCtr="0" anchor="t" bIns="91425" lIns="91425" spcFirstLastPara="1" rIns="91425" wrap="square" tIns="91425">
-            <a:noAutofit/>
-          </a:bodyPr>
-          <a:lstStyle/>
-          <a:p>
-            <a:pPr indent="0" lvl="0" marL="0" rtl="0" algn="l">
-              <a:lnSpc>
-                <a:spcPct val="100000"/>
-              </a:lnSpc>
-              <a:spcBef>
-                <a:spcPts val="0"/>
-              </a:spcBef>
-              <a:spcAft>
-                <a:spcPts val="0"/>
-              </a:spcAft>
-              <a:buSzPts val="1100"/>
+              <a:spcBef>
+                <a:spcPts val="0"/>
+              </a:spcBef>
+              <a:spcAft>
+                <a:spcPts val="0"/>
+              </a:spcAft>
               <a:buNone/>
             </a:pPr>
             <a:r>
@@ -14503,12 +14005,12 @@
               <a:spcAft>
                 <a:spcPts val="0"/>
               </a:spcAft>
-              <a:buSzPct val="181818"/>
+              <a:buSzPct val="181817"/>
               <a:buNone/>
             </a:pPr>
             <a:r>
               <a:rPr lang="zh-CN"/>
-              <a:t>Carl Edwards</a:t>
+              <a:t>Iris Liu</a:t>
             </a:r>
             <a:endParaRPr/>
           </a:p>
@@ -14528,1109 +14030,9 @@
             </a:pPr>
             <a:r>
               <a:rPr lang="zh-CN"/>
-              <a:t>{cne2}@illinois.edu</a:t>
+              <a:t>iris.liu@colorado.edu</a:t>
             </a:r>
             <a:endParaRPr/>
-          </a:p>
-        </p:txBody>
-      </p:sp>
-    </p:spTree>
-  </p:cSld>
-  <p:clrMapOvr>
-    <a:masterClrMapping/>
-  </p:clrMapOvr>
-</p:sld>
-</file>
-
-<file path=ppt/slides/slide10.xml><?xml version="1.0" encoding="utf-8"?>
-<p:sld xmlns:a="http://schemas.openxmlformats.org/drawingml/2006/main" xmlns:r="http://schemas.openxmlformats.org/officeDocument/2006/relationships" xmlns:mc="http://schemas.openxmlformats.org/markup-compatibility/2006" xmlns:mv="urn:schemas-microsoft-com:mac:vml" xmlns:p="http://schemas.openxmlformats.org/presentationml/2006/main" xmlns:c="http://schemas.openxmlformats.org/drawingml/2006/chart" xmlns:dgm="http://schemas.openxmlformats.org/drawingml/2006/diagram" xmlns:o="urn:schemas-microsoft-com:office:office" xmlns:v="urn:schemas-microsoft-com:vml" xmlns:pvml="urn:schemas-microsoft-com:office:powerpoint" xmlns:com="http://schemas.openxmlformats.org/drawingml/2006/compatibility" xmlns:p14="http://schemas.microsoft.com/office/powerpoint/2010/main" xmlns:p15="http://schemas.microsoft.com/office/powerpoint/2012/main" xmlns:ahyp="http://schemas.microsoft.com/office/drawing/2018/hyperlinkcolor">
-  <p:cSld>
-    <p:spTree>
-      <p:nvGrpSpPr>
-        <p:cNvPr id="162" name="Shape 162"/>
-        <p:cNvGrpSpPr/>
-        <p:nvPr/>
-      </p:nvGrpSpPr>
-      <p:grpSpPr>
-        <a:xfrm>
-          <a:off x="0" y="0"/>
-          <a:ext cx="0" cy="0"/>
-          <a:chOff x="0" y="0"/>
-          <a:chExt cx="0" cy="0"/>
-        </a:xfrm>
-      </p:grpSpPr>
-      <p:pic>
-        <p:nvPicPr>
-          <p:cNvPr id="163" name="Google Shape;163;p34"/>
-          <p:cNvPicPr preferRelativeResize="0"/>
-          <p:nvPr/>
-        </p:nvPicPr>
-        <p:blipFill>
-          <a:blip r:embed="rId3">
-            <a:alphaModFix/>
-          </a:blip>
-          <a:stretch>
-            <a:fillRect/>
-          </a:stretch>
-        </p:blipFill>
-        <p:spPr>
-          <a:xfrm>
-            <a:off x="3288879" y="64025"/>
-            <a:ext cx="5912551" cy="5079475"/>
-          </a:xfrm>
-          <a:prstGeom prst="rect">
-            <a:avLst/>
-          </a:prstGeom>
-          <a:noFill/>
-          <a:ln>
-            <a:noFill/>
-          </a:ln>
-        </p:spPr>
-      </p:pic>
-      <p:sp>
-        <p:nvSpPr>
-          <p:cNvPr id="164" name="Google Shape;164;p34"/>
-          <p:cNvSpPr txBox="1"/>
-          <p:nvPr>
-            <p:ph type="title"/>
-          </p:nvPr>
-        </p:nvSpPr>
-        <p:spPr>
-          <a:xfrm>
-            <a:off x="311700" y="64025"/>
-            <a:ext cx="8520600" cy="572700"/>
-          </a:xfrm>
-          <a:prstGeom prst="rect">
-            <a:avLst/>
-          </a:prstGeom>
-          <a:noFill/>
-          <a:ln>
-            <a:noFill/>
-          </a:ln>
-        </p:spPr>
-        <p:txBody>
-          <a:bodyPr anchorCtr="0" anchor="t" bIns="91425" lIns="91425" spcFirstLastPara="1" rIns="91425" wrap="square" tIns="91425">
-            <a:normAutofit fontScale="90000"/>
-          </a:bodyPr>
-          <a:lstStyle/>
-          <a:p>
-            <a:pPr indent="0" lvl="0" marL="0" rtl="0" algn="l">
-              <a:lnSpc>
-                <a:spcPct val="100000"/>
-              </a:lnSpc>
-              <a:spcBef>
-                <a:spcPts val="0"/>
-              </a:spcBef>
-              <a:spcAft>
-                <a:spcPts val="0"/>
-              </a:spcAft>
-              <a:buSzPct val="111111"/>
-              <a:buNone/>
-            </a:pPr>
-            <a:r>
-              <a:rPr lang="zh-CN"/>
-              <a:t>Inquiry/Response Superclasses</a:t>
-            </a:r>
-            <a:endParaRPr/>
-          </a:p>
-        </p:txBody>
-      </p:sp>
-      <p:sp>
-        <p:nvSpPr>
-          <p:cNvPr id="165" name="Google Shape;165;p34"/>
-          <p:cNvSpPr txBox="1"/>
-          <p:nvPr/>
-        </p:nvSpPr>
-        <p:spPr>
-          <a:xfrm>
-            <a:off x="432800" y="502500"/>
-            <a:ext cx="2757000" cy="532200"/>
-          </a:xfrm>
-          <a:prstGeom prst="rect">
-            <a:avLst/>
-          </a:prstGeom>
-          <a:noFill/>
-          <a:ln>
-            <a:noFill/>
-          </a:ln>
-        </p:spPr>
-        <p:txBody>
-          <a:bodyPr anchorCtr="0" anchor="t" bIns="91425" lIns="91425" spcFirstLastPara="1" rIns="91425" wrap="square" tIns="91425">
-            <a:spAutoFit/>
-          </a:bodyPr>
-          <a:lstStyle/>
-          <a:p>
-            <a:pPr indent="0" lvl="0" marL="0" rtl="0" algn="l">
-              <a:lnSpc>
-                <a:spcPct val="115000"/>
-              </a:lnSpc>
-              <a:spcBef>
-                <a:spcPts val="0"/>
-              </a:spcBef>
-              <a:spcAft>
-                <a:spcPts val="0"/>
-              </a:spcAft>
-              <a:buClr>
-                <a:schemeClr val="dk1"/>
-              </a:buClr>
-              <a:buSzPts val="1100"/>
-              <a:buFont typeface="Arial"/>
-              <a:buNone/>
-            </a:pPr>
-            <a:r>
-              <a:rPr lang="zh-CN" sz="1050">
-                <a:solidFill>
-                  <a:schemeClr val="dk1"/>
-                </a:solidFill>
-              </a:rPr>
-              <a:t>Overall </a:t>
-            </a:r>
-            <a:r>
-              <a:rPr lang="zh-CN" sz="1050">
-                <a:solidFill>
-                  <a:schemeClr val="dk1"/>
-                </a:solidFill>
-              </a:rPr>
-              <a:t>hierarchy</a:t>
-            </a:r>
-            <a:r>
-              <a:rPr lang="zh-CN" sz="1050">
-                <a:solidFill>
-                  <a:schemeClr val="dk1"/>
-                </a:solidFill>
-              </a:rPr>
-              <a:t> structure of Inquiry and Response </a:t>
-            </a:r>
-            <a:endParaRPr sz="1050">
-              <a:solidFill>
-                <a:schemeClr val="dk1"/>
-              </a:solidFill>
-            </a:endParaRPr>
-          </a:p>
-        </p:txBody>
-      </p:sp>
-    </p:spTree>
-  </p:cSld>
-  <p:clrMapOvr>
-    <a:masterClrMapping/>
-  </p:clrMapOvr>
-</p:sld>
-</file>
-
-<file path=ppt/slides/slide11.xml><?xml version="1.0" encoding="utf-8"?>
-<p:sld xmlns:a="http://schemas.openxmlformats.org/drawingml/2006/main" xmlns:r="http://schemas.openxmlformats.org/officeDocument/2006/relationships" xmlns:mc="http://schemas.openxmlformats.org/markup-compatibility/2006" xmlns:mv="urn:schemas-microsoft-com:mac:vml" xmlns:p="http://schemas.openxmlformats.org/presentationml/2006/main" xmlns:c="http://schemas.openxmlformats.org/drawingml/2006/chart" xmlns:dgm="http://schemas.openxmlformats.org/drawingml/2006/diagram" xmlns:o="urn:schemas-microsoft-com:office:office" xmlns:v="urn:schemas-microsoft-com:vml" xmlns:pvml="urn:schemas-microsoft-com:office:powerpoint" xmlns:com="http://schemas.openxmlformats.org/drawingml/2006/compatibility" xmlns:p14="http://schemas.microsoft.com/office/powerpoint/2010/main" xmlns:p15="http://schemas.microsoft.com/office/powerpoint/2012/main" xmlns:ahyp="http://schemas.microsoft.com/office/drawing/2018/hyperlinkcolor">
-  <p:cSld>
-    <p:spTree>
-      <p:nvGrpSpPr>
-        <p:cNvPr id="169" name="Shape 169"/>
-        <p:cNvGrpSpPr/>
-        <p:nvPr/>
-      </p:nvGrpSpPr>
-      <p:grpSpPr>
-        <a:xfrm>
-          <a:off x="0" y="0"/>
-          <a:ext cx="0" cy="0"/>
-          <a:chOff x="0" y="0"/>
-          <a:chExt cx="0" cy="0"/>
-        </a:xfrm>
-      </p:grpSpPr>
-      <p:sp>
-        <p:nvSpPr>
-          <p:cNvPr id="170" name="Google Shape;170;p35"/>
-          <p:cNvSpPr txBox="1"/>
-          <p:nvPr>
-            <p:ph type="title"/>
-          </p:nvPr>
-        </p:nvSpPr>
-        <p:spPr>
-          <a:xfrm>
-            <a:off x="311700" y="64025"/>
-            <a:ext cx="8520600" cy="572700"/>
-          </a:xfrm>
-          <a:prstGeom prst="rect">
-            <a:avLst/>
-          </a:prstGeom>
-          <a:noFill/>
-          <a:ln>
-            <a:noFill/>
-          </a:ln>
-        </p:spPr>
-        <p:txBody>
-          <a:bodyPr anchorCtr="0" anchor="t" bIns="91425" lIns="91425" spcFirstLastPara="1" rIns="91425" wrap="square" tIns="91425">
-            <a:normAutofit fontScale="90000"/>
-          </a:bodyPr>
-          <a:lstStyle/>
-          <a:p>
-            <a:pPr indent="0" lvl="0" marL="0" rtl="0" algn="l">
-              <a:lnSpc>
-                <a:spcPct val="100000"/>
-              </a:lnSpc>
-              <a:spcBef>
-                <a:spcPts val="0"/>
-              </a:spcBef>
-              <a:spcAft>
-                <a:spcPts val="0"/>
-              </a:spcAft>
-              <a:buSzPct val="111111"/>
-              <a:buNone/>
-            </a:pPr>
-            <a:r>
-              <a:rPr lang="zh-CN"/>
-              <a:t>Antitrust Investigation</a:t>
-            </a:r>
-            <a:endParaRPr/>
-          </a:p>
-        </p:txBody>
-      </p:sp>
-      <p:sp>
-        <p:nvSpPr>
-          <p:cNvPr id="171" name="Google Shape;171;p35"/>
-          <p:cNvSpPr txBox="1"/>
-          <p:nvPr/>
-        </p:nvSpPr>
-        <p:spPr>
-          <a:xfrm>
-            <a:off x="432800" y="502500"/>
-            <a:ext cx="8139900" cy="1275600"/>
-          </a:xfrm>
-          <a:prstGeom prst="rect">
-            <a:avLst/>
-          </a:prstGeom>
-          <a:noFill/>
-          <a:ln>
-            <a:noFill/>
-          </a:ln>
-        </p:spPr>
-        <p:txBody>
-          <a:bodyPr anchorCtr="0" anchor="t" bIns="91425" lIns="91425" spcFirstLastPara="1" rIns="91425" wrap="square" tIns="91425">
-            <a:spAutoFit/>
-          </a:bodyPr>
-          <a:lstStyle/>
-          <a:p>
-            <a:pPr indent="0" lvl="0" marL="0" marR="0" rtl="0" algn="l">
-              <a:lnSpc>
-                <a:spcPct val="115000"/>
-              </a:lnSpc>
-              <a:spcBef>
-                <a:spcPts val="0"/>
-              </a:spcBef>
-              <a:spcAft>
-                <a:spcPts val="0"/>
-              </a:spcAft>
-              <a:buClr>
-                <a:schemeClr val="dk1"/>
-              </a:buClr>
-              <a:buSzPts val="1100"/>
-              <a:buFont typeface="Arial"/>
-              <a:buNone/>
-            </a:pPr>
-            <a:r>
-              <a:rPr b="1" lang="zh-CN" sz="1050">
-                <a:solidFill>
-                  <a:schemeClr val="dk1"/>
-                </a:solidFill>
-              </a:rPr>
-              <a:t>10497:Antitrust Investigation</a:t>
-            </a:r>
-            <a:r>
-              <a:rPr b="0" i="0" lang="zh-CN" sz="1050" u="none" cap="none" strike="noStrike">
-                <a:solidFill>
-                  <a:schemeClr val="dk1"/>
-                </a:solidFill>
-                <a:latin typeface="Arial"/>
-                <a:ea typeface="Arial"/>
-                <a:cs typeface="Arial"/>
-                <a:sym typeface="Arial"/>
-              </a:rPr>
-              <a:t>: </a:t>
-            </a:r>
-            <a:r>
-              <a:rPr lang="zh-CN" sz="1050">
-                <a:solidFill>
-                  <a:schemeClr val="dk1"/>
-                </a:solidFill>
-              </a:rPr>
-              <a:t>The government investigates whether a company is a monopoly.</a:t>
-            </a:r>
-            <a:endParaRPr sz="1050">
-              <a:solidFill>
-                <a:schemeClr val="dk1"/>
-              </a:solidFill>
-            </a:endParaRPr>
-          </a:p>
-          <a:p>
-            <a:pPr indent="-295275" lvl="0" marL="457200" marR="0" rtl="0" algn="l">
-              <a:lnSpc>
-                <a:spcPct val="115000"/>
-              </a:lnSpc>
-              <a:spcBef>
-                <a:spcPts val="0"/>
-              </a:spcBef>
-              <a:spcAft>
-                <a:spcPts val="0"/>
-              </a:spcAft>
-              <a:buClr>
-                <a:schemeClr val="dk1"/>
-              </a:buClr>
-              <a:buSzPts val="1050"/>
-              <a:buChar char="-"/>
-            </a:pPr>
-            <a:r>
-              <a:rPr lang="zh-CN" sz="1050">
-                <a:solidFill>
-                  <a:schemeClr val="dk1"/>
-                </a:solidFill>
-              </a:rPr>
-              <a:t>There is also a XOR version (10500) to indicate only one child answer.</a:t>
-            </a:r>
-            <a:endParaRPr sz="1050">
-              <a:solidFill>
-                <a:schemeClr val="dk1"/>
-              </a:solidFill>
-            </a:endParaRPr>
-          </a:p>
-          <a:p>
-            <a:pPr indent="0" lvl="0" marL="0" rtl="0" algn="l">
-              <a:lnSpc>
-                <a:spcPct val="115000"/>
-              </a:lnSpc>
-              <a:spcBef>
-                <a:spcPts val="0"/>
-              </a:spcBef>
-              <a:spcAft>
-                <a:spcPts val="0"/>
-              </a:spcAft>
-              <a:buClr>
-                <a:schemeClr val="dk1"/>
-              </a:buClr>
-              <a:buSzPts val="1100"/>
-              <a:buFont typeface="Arial"/>
-              <a:buNone/>
-            </a:pPr>
-            <a:r>
-              <a:rPr b="1" lang="zh-CN" sz="1050">
-                <a:solidFill>
-                  <a:schemeClr val="dk1"/>
-                </a:solidFill>
-              </a:rPr>
-              <a:t>10498:agreement</a:t>
-            </a:r>
-            <a:r>
-              <a:rPr lang="zh-CN" sz="1050">
-                <a:solidFill>
-                  <a:schemeClr val="dk1"/>
-                </a:solidFill>
-              </a:rPr>
-              <a:t>: A positive response.</a:t>
-            </a:r>
-            <a:endParaRPr sz="1050">
-              <a:solidFill>
-                <a:schemeClr val="dk1"/>
-              </a:solidFill>
-            </a:endParaRPr>
-          </a:p>
-          <a:p>
-            <a:pPr indent="0" lvl="0" marL="0" rtl="0" algn="l">
-              <a:lnSpc>
-                <a:spcPct val="115000"/>
-              </a:lnSpc>
-              <a:spcBef>
-                <a:spcPts val="0"/>
-              </a:spcBef>
-              <a:spcAft>
-                <a:spcPts val="0"/>
-              </a:spcAft>
-              <a:buClr>
-                <a:schemeClr val="dk1"/>
-              </a:buClr>
-              <a:buSzPts val="1100"/>
-              <a:buFont typeface="Arial"/>
-              <a:buNone/>
-            </a:pPr>
-            <a:r>
-              <a:rPr b="1" lang="zh-CN" sz="1050">
-                <a:solidFill>
-                  <a:schemeClr val="dk1"/>
-                </a:solidFill>
-              </a:rPr>
-              <a:t>10499:rejection</a:t>
-            </a:r>
-            <a:r>
-              <a:rPr lang="zh-CN" sz="1050">
-                <a:solidFill>
-                  <a:schemeClr val="dk1"/>
-                </a:solidFill>
-              </a:rPr>
-              <a:t>: A negative response.</a:t>
-            </a:r>
-            <a:endParaRPr sz="1050">
-              <a:solidFill>
-                <a:schemeClr val="dk1"/>
-              </a:solidFill>
-            </a:endParaRPr>
-          </a:p>
-          <a:p>
-            <a:pPr indent="0" lvl="0" marL="0" rtl="0" algn="l">
-              <a:lnSpc>
-                <a:spcPct val="115000"/>
-              </a:lnSpc>
-              <a:spcBef>
-                <a:spcPts val="0"/>
-              </a:spcBef>
-              <a:spcAft>
-                <a:spcPts val="0"/>
-              </a:spcAft>
-              <a:buClr>
-                <a:schemeClr val="dk1"/>
-              </a:buClr>
-              <a:buSzPts val="1100"/>
-              <a:buFont typeface="Arial"/>
-              <a:buNone/>
-            </a:pPr>
-            <a:r>
-              <a:rPr b="1" lang="zh-CN" sz="1050">
-                <a:solidFill>
-                  <a:schemeClr val="dk1"/>
-                </a:solidFill>
-              </a:rPr>
-              <a:t>10458:divestment</a:t>
-            </a:r>
-            <a:r>
-              <a:rPr lang="zh-CN" sz="1050">
-                <a:solidFill>
-                  <a:schemeClr val="dk1"/>
-                </a:solidFill>
-              </a:rPr>
-              <a:t>: The company is forced to sell off parts of its business by the government. </a:t>
-            </a:r>
-            <a:endParaRPr sz="1050">
-              <a:solidFill>
-                <a:schemeClr val="dk1"/>
-              </a:solidFill>
-            </a:endParaRPr>
-          </a:p>
-          <a:p>
-            <a:pPr indent="0" lvl="0" marL="0" rtl="0" algn="l">
-              <a:lnSpc>
-                <a:spcPct val="115000"/>
-              </a:lnSpc>
-              <a:spcBef>
-                <a:spcPts val="0"/>
-              </a:spcBef>
-              <a:spcAft>
-                <a:spcPts val="0"/>
-              </a:spcAft>
-              <a:buClr>
-                <a:schemeClr val="dk1"/>
-              </a:buClr>
-              <a:buSzPts val="1100"/>
-              <a:buFont typeface="Arial"/>
-              <a:buNone/>
-            </a:pPr>
-            <a:r>
-              <a:rPr b="1" lang="zh-CN" sz="1050">
-                <a:solidFill>
-                  <a:schemeClr val="dk1"/>
-                </a:solidFill>
-              </a:rPr>
-              <a:t>10496:breakup</a:t>
-            </a:r>
-            <a:r>
-              <a:rPr lang="zh-CN" sz="1050">
-                <a:solidFill>
-                  <a:schemeClr val="dk1"/>
-                </a:solidFill>
-              </a:rPr>
-              <a:t>: The company is broken up into smaller pieces by the government.</a:t>
-            </a:r>
-            <a:endParaRPr sz="1050">
-              <a:solidFill>
-                <a:schemeClr val="dk1"/>
-              </a:solidFill>
-            </a:endParaRPr>
-          </a:p>
-        </p:txBody>
-      </p:sp>
-      <p:pic>
-        <p:nvPicPr>
-          <p:cNvPr id="172" name="Google Shape;172;p35"/>
-          <p:cNvPicPr preferRelativeResize="0"/>
-          <p:nvPr/>
-        </p:nvPicPr>
-        <p:blipFill>
-          <a:blip r:embed="rId3">
-            <a:alphaModFix/>
-          </a:blip>
-          <a:stretch>
-            <a:fillRect/>
-          </a:stretch>
-        </p:blipFill>
-        <p:spPr>
-          <a:xfrm>
-            <a:off x="571050" y="2396125"/>
-            <a:ext cx="7534275" cy="2609850"/>
-          </a:xfrm>
-          <a:prstGeom prst="rect">
-            <a:avLst/>
-          </a:prstGeom>
-          <a:noFill/>
-          <a:ln>
-            <a:noFill/>
-          </a:ln>
-        </p:spPr>
-      </p:pic>
-    </p:spTree>
-  </p:cSld>
-  <p:clrMapOvr>
-    <a:masterClrMapping/>
-  </p:clrMapOvr>
-</p:sld>
-</file>
-
-<file path=ppt/slides/slide12.xml><?xml version="1.0" encoding="utf-8"?>
-<p:sld xmlns:a="http://schemas.openxmlformats.org/drawingml/2006/main" xmlns:r="http://schemas.openxmlformats.org/officeDocument/2006/relationships" xmlns:mc="http://schemas.openxmlformats.org/markup-compatibility/2006" xmlns:mv="urn:schemas-microsoft-com:mac:vml" xmlns:p="http://schemas.openxmlformats.org/presentationml/2006/main" xmlns:c="http://schemas.openxmlformats.org/drawingml/2006/chart" xmlns:dgm="http://schemas.openxmlformats.org/drawingml/2006/diagram" xmlns:o="urn:schemas-microsoft-com:office:office" xmlns:v="urn:schemas-microsoft-com:vml" xmlns:pvml="urn:schemas-microsoft-com:office:powerpoint" xmlns:com="http://schemas.openxmlformats.org/drawingml/2006/compatibility" xmlns:p14="http://schemas.microsoft.com/office/powerpoint/2010/main" xmlns:p15="http://schemas.microsoft.com/office/powerpoint/2012/main" xmlns:ahyp="http://schemas.microsoft.com/office/drawing/2018/hyperlinkcolor">
-  <p:cSld>
-    <p:spTree>
-      <p:nvGrpSpPr>
-        <p:cNvPr id="176" name="Shape 176"/>
-        <p:cNvGrpSpPr/>
-        <p:nvPr/>
-      </p:nvGrpSpPr>
-      <p:grpSpPr>
-        <a:xfrm>
-          <a:off x="0" y="0"/>
-          <a:ext cx="0" cy="0"/>
-          <a:chOff x="0" y="0"/>
-          <a:chExt cx="0" cy="0"/>
-        </a:xfrm>
-      </p:grpSpPr>
-      <p:pic>
-        <p:nvPicPr>
-          <p:cNvPr id="177" name="Google Shape;177;p36"/>
-          <p:cNvPicPr preferRelativeResize="0"/>
-          <p:nvPr/>
-        </p:nvPicPr>
-        <p:blipFill>
-          <a:blip r:embed="rId3">
-            <a:alphaModFix/>
-          </a:blip>
-          <a:stretch>
-            <a:fillRect/>
-          </a:stretch>
-        </p:blipFill>
-        <p:spPr>
-          <a:xfrm>
-            <a:off x="4772625" y="281213"/>
-            <a:ext cx="4431324" cy="4581076"/>
-          </a:xfrm>
-          <a:prstGeom prst="rect">
-            <a:avLst/>
-          </a:prstGeom>
-          <a:noFill/>
-          <a:ln>
-            <a:noFill/>
-          </a:ln>
-        </p:spPr>
-      </p:pic>
-      <p:sp>
-        <p:nvSpPr>
-          <p:cNvPr id="178" name="Google Shape;178;p36"/>
-          <p:cNvSpPr txBox="1"/>
-          <p:nvPr>
-            <p:ph type="title"/>
-          </p:nvPr>
-        </p:nvSpPr>
-        <p:spPr>
-          <a:xfrm>
-            <a:off x="311700" y="64025"/>
-            <a:ext cx="8520600" cy="572700"/>
-          </a:xfrm>
-          <a:prstGeom prst="rect">
-            <a:avLst/>
-          </a:prstGeom>
-          <a:noFill/>
-          <a:ln>
-            <a:noFill/>
-          </a:ln>
-        </p:spPr>
-        <p:txBody>
-          <a:bodyPr anchorCtr="0" anchor="t" bIns="91425" lIns="91425" spcFirstLastPara="1" rIns="91425" wrap="square" tIns="91425">
-            <a:normAutofit fontScale="90000"/>
-          </a:bodyPr>
-          <a:lstStyle/>
-          <a:p>
-            <a:pPr indent="0" lvl="0" marL="0" rtl="0" algn="l">
-              <a:lnSpc>
-                <a:spcPct val="100000"/>
-              </a:lnSpc>
-              <a:spcBef>
-                <a:spcPts val="0"/>
-              </a:spcBef>
-              <a:spcAft>
-                <a:spcPts val="0"/>
-              </a:spcAft>
-              <a:buSzPct val="111111"/>
-              <a:buNone/>
-            </a:pPr>
-            <a:r>
-              <a:rPr lang="zh-CN"/>
-              <a:t>Other Business Change Events</a:t>
-            </a:r>
-            <a:endParaRPr/>
-          </a:p>
-        </p:txBody>
-      </p:sp>
-      <p:sp>
-        <p:nvSpPr>
-          <p:cNvPr id="179" name="Google Shape;179;p36"/>
-          <p:cNvSpPr txBox="1"/>
-          <p:nvPr/>
-        </p:nvSpPr>
-        <p:spPr>
-          <a:xfrm>
-            <a:off x="311700" y="1120500"/>
-            <a:ext cx="3954600" cy="3134100"/>
-          </a:xfrm>
-          <a:prstGeom prst="rect">
-            <a:avLst/>
-          </a:prstGeom>
-          <a:noFill/>
-          <a:ln>
-            <a:noFill/>
-          </a:ln>
-        </p:spPr>
-        <p:txBody>
-          <a:bodyPr anchorCtr="0" anchor="t" bIns="91425" lIns="91425" spcFirstLastPara="1" rIns="91425" wrap="square" tIns="91425">
-            <a:spAutoFit/>
-          </a:bodyPr>
-          <a:lstStyle/>
-          <a:p>
-            <a:pPr indent="0" lvl="0" marL="0" marR="0" rtl="0" algn="l">
-              <a:lnSpc>
-                <a:spcPct val="115000"/>
-              </a:lnSpc>
-              <a:spcBef>
-                <a:spcPts val="0"/>
-              </a:spcBef>
-              <a:spcAft>
-                <a:spcPts val="0"/>
-              </a:spcAft>
-              <a:buClr>
-                <a:schemeClr val="dk1"/>
-              </a:buClr>
-              <a:buSzPts val="1100"/>
-              <a:buFont typeface="Arial"/>
-              <a:buNone/>
-            </a:pPr>
-            <a:r>
-              <a:rPr b="1" lang="zh-CN" sz="1050">
-                <a:solidFill>
-                  <a:schemeClr val="dk1"/>
-                </a:solidFill>
-              </a:rPr>
-              <a:t>10458:divestment</a:t>
-            </a:r>
-            <a:r>
-              <a:rPr b="0" i="0" lang="zh-CN" sz="1050" u="none" cap="none" strike="noStrike">
-                <a:solidFill>
-                  <a:schemeClr val="dk1"/>
-                </a:solidFill>
-                <a:latin typeface="Arial"/>
-                <a:ea typeface="Arial"/>
-                <a:cs typeface="Arial"/>
-                <a:sym typeface="Arial"/>
-              </a:rPr>
-              <a:t>: </a:t>
-            </a:r>
-            <a:r>
-              <a:rPr lang="zh-CN" sz="1050">
-                <a:solidFill>
-                  <a:schemeClr val="dk1"/>
-                </a:solidFill>
-              </a:rPr>
-              <a:t>A company divests assets.</a:t>
-            </a:r>
-            <a:endParaRPr sz="1050">
-              <a:solidFill>
-                <a:schemeClr val="dk1"/>
-              </a:solidFill>
-            </a:endParaRPr>
-          </a:p>
-          <a:p>
-            <a:pPr indent="0" lvl="0" marL="0" rtl="0" algn="l">
-              <a:lnSpc>
-                <a:spcPct val="115000"/>
-              </a:lnSpc>
-              <a:spcBef>
-                <a:spcPts val="0"/>
-              </a:spcBef>
-              <a:spcAft>
-                <a:spcPts val="0"/>
-              </a:spcAft>
-              <a:buClr>
-                <a:schemeClr val="dk1"/>
-              </a:buClr>
-              <a:buSzPts val="1100"/>
-              <a:buFont typeface="Arial"/>
-              <a:buNone/>
-            </a:pPr>
-            <a:r>
-              <a:rPr b="1" lang="zh-CN" sz="1050">
-                <a:solidFill>
-                  <a:schemeClr val="dk1"/>
-                </a:solidFill>
-              </a:rPr>
-              <a:t>10460:Shutdown</a:t>
-            </a:r>
-            <a:r>
-              <a:rPr lang="zh-CN" sz="1050">
-                <a:solidFill>
-                  <a:schemeClr val="dk1"/>
-                </a:solidFill>
-              </a:rPr>
-              <a:t>: A company shuts down.</a:t>
-            </a:r>
-            <a:endParaRPr sz="1050">
-              <a:solidFill>
-                <a:schemeClr val="dk1"/>
-              </a:solidFill>
-            </a:endParaRPr>
-          </a:p>
-          <a:p>
-            <a:pPr indent="0" lvl="0" marL="0" rtl="0" algn="l">
-              <a:lnSpc>
-                <a:spcPct val="115000"/>
-              </a:lnSpc>
-              <a:spcBef>
-                <a:spcPts val="0"/>
-              </a:spcBef>
-              <a:spcAft>
-                <a:spcPts val="0"/>
-              </a:spcAft>
-              <a:buClr>
-                <a:schemeClr val="dk1"/>
-              </a:buClr>
-              <a:buSzPts val="1100"/>
-              <a:buFont typeface="Arial"/>
-              <a:buNone/>
-            </a:pPr>
-            <a:r>
-              <a:rPr b="1" lang="zh-CN" sz="1050">
-                <a:solidFill>
-                  <a:schemeClr val="dk1"/>
-                </a:solidFill>
-              </a:rPr>
-              <a:t>10473:exchange of goods</a:t>
-            </a:r>
-            <a:r>
-              <a:rPr lang="zh-CN" sz="1050">
-                <a:solidFill>
-                  <a:schemeClr val="dk1"/>
-                </a:solidFill>
-              </a:rPr>
-              <a:t>: A company sells assets.</a:t>
-            </a:r>
-            <a:endParaRPr sz="1050">
-              <a:solidFill>
-                <a:schemeClr val="dk1"/>
-              </a:solidFill>
-            </a:endParaRPr>
-          </a:p>
-          <a:p>
-            <a:pPr indent="0" lvl="0" marL="0" rtl="0" algn="l">
-              <a:lnSpc>
-                <a:spcPct val="115000"/>
-              </a:lnSpc>
-              <a:spcBef>
-                <a:spcPts val="0"/>
-              </a:spcBef>
-              <a:spcAft>
-                <a:spcPts val="0"/>
-              </a:spcAft>
-              <a:buClr>
-                <a:schemeClr val="dk1"/>
-              </a:buClr>
-              <a:buSzPts val="1100"/>
-              <a:buFont typeface="Arial"/>
-              <a:buNone/>
-            </a:pPr>
-            <a:r>
-              <a:rPr b="1" lang="zh-CN" sz="1050">
-                <a:solidFill>
-                  <a:schemeClr val="dk1"/>
-                </a:solidFill>
-              </a:rPr>
-              <a:t>10496:breakup</a:t>
-            </a:r>
-            <a:r>
-              <a:rPr lang="zh-CN" sz="1050">
-                <a:solidFill>
-                  <a:schemeClr val="dk1"/>
-                </a:solidFill>
-              </a:rPr>
-              <a:t>: A company breaks up into smaller companies.</a:t>
-            </a:r>
-            <a:endParaRPr sz="1050">
-              <a:solidFill>
-                <a:schemeClr val="dk1"/>
-              </a:solidFill>
-            </a:endParaRPr>
-          </a:p>
-          <a:p>
-            <a:pPr indent="0" lvl="0" marL="0" rtl="0" algn="l">
-              <a:lnSpc>
-                <a:spcPct val="115000"/>
-              </a:lnSpc>
-              <a:spcBef>
-                <a:spcPts val="0"/>
-              </a:spcBef>
-              <a:spcAft>
-                <a:spcPts val="0"/>
-              </a:spcAft>
-              <a:buClr>
-                <a:schemeClr val="dk1"/>
-              </a:buClr>
-              <a:buSzPts val="1100"/>
-              <a:buFont typeface="Arial"/>
-              <a:buNone/>
-            </a:pPr>
-            <a:r>
-              <a:rPr b="1" lang="zh-CN" sz="1050">
-                <a:solidFill>
-                  <a:schemeClr val="dk1"/>
-                </a:solidFill>
-              </a:rPr>
-              <a:t>10474:Privatize</a:t>
-            </a:r>
-            <a:r>
-              <a:rPr lang="zh-CN" sz="1050">
-                <a:solidFill>
-                  <a:schemeClr val="dk1"/>
-                </a:solidFill>
-              </a:rPr>
-              <a:t>: A public </a:t>
-            </a:r>
-            <a:r>
-              <a:rPr lang="zh-CN" sz="1050">
-                <a:solidFill>
-                  <a:schemeClr val="dk1"/>
-                </a:solidFill>
-              </a:rPr>
-              <a:t>company</a:t>
-            </a:r>
-            <a:r>
-              <a:rPr lang="zh-CN" sz="1050">
-                <a:solidFill>
-                  <a:schemeClr val="dk1"/>
-                </a:solidFill>
-              </a:rPr>
-              <a:t>’s stocks are bought up and it becomes private again.</a:t>
-            </a:r>
-            <a:endParaRPr sz="1050">
-              <a:solidFill>
-                <a:schemeClr val="dk1"/>
-              </a:solidFill>
-            </a:endParaRPr>
-          </a:p>
-          <a:p>
-            <a:pPr indent="0" lvl="0" marL="0" rtl="0" algn="l">
-              <a:lnSpc>
-                <a:spcPct val="115000"/>
-              </a:lnSpc>
-              <a:spcBef>
-                <a:spcPts val="0"/>
-              </a:spcBef>
-              <a:spcAft>
-                <a:spcPts val="0"/>
-              </a:spcAft>
-              <a:buClr>
-                <a:schemeClr val="dk1"/>
-              </a:buClr>
-              <a:buSzPts val="1100"/>
-              <a:buFont typeface="Arial"/>
-              <a:buNone/>
-            </a:pPr>
-            <a:r>
-              <a:rPr b="1" lang="zh-CN" sz="1050">
-                <a:solidFill>
-                  <a:schemeClr val="dk1"/>
-                </a:solidFill>
-              </a:rPr>
-              <a:t>10481:Create Partnership</a:t>
-            </a:r>
-            <a:r>
-              <a:rPr lang="zh-CN" sz="1050">
-                <a:solidFill>
-                  <a:schemeClr val="dk1"/>
-                </a:solidFill>
-              </a:rPr>
-              <a:t>: Two companies partner together to do something mutually beneficial. They remain seperate entities.</a:t>
-            </a:r>
-            <a:endParaRPr sz="1050">
-              <a:solidFill>
-                <a:schemeClr val="dk1"/>
-              </a:solidFill>
-            </a:endParaRPr>
-          </a:p>
-          <a:p>
-            <a:pPr indent="0" lvl="0" marL="0" rtl="0" algn="l">
-              <a:lnSpc>
-                <a:spcPct val="115000"/>
-              </a:lnSpc>
-              <a:spcBef>
-                <a:spcPts val="0"/>
-              </a:spcBef>
-              <a:spcAft>
-                <a:spcPts val="0"/>
-              </a:spcAft>
-              <a:buClr>
-                <a:schemeClr val="dk1"/>
-              </a:buClr>
-              <a:buSzPts val="1100"/>
-              <a:buFont typeface="Arial"/>
-              <a:buNone/>
-            </a:pPr>
-            <a:r>
-              <a:rPr b="1" lang="zh-CN" sz="1050">
-                <a:solidFill>
-                  <a:schemeClr val="dk1"/>
-                </a:solidFill>
-              </a:rPr>
-              <a:t>10482:End Partnership</a:t>
-            </a:r>
-            <a:r>
-              <a:rPr lang="zh-CN" sz="1050">
-                <a:solidFill>
-                  <a:schemeClr val="dk1"/>
-                </a:solidFill>
-              </a:rPr>
-              <a:t>: Two companies stop working together.</a:t>
-            </a:r>
-            <a:endParaRPr sz="1050">
-              <a:solidFill>
-                <a:schemeClr val="dk1"/>
-              </a:solidFill>
-            </a:endParaRPr>
-          </a:p>
-          <a:p>
-            <a:pPr indent="0" lvl="0" marL="0" rtl="0" algn="l">
-              <a:lnSpc>
-                <a:spcPct val="115000"/>
-              </a:lnSpc>
-              <a:spcBef>
-                <a:spcPts val="0"/>
-              </a:spcBef>
-              <a:spcAft>
-                <a:spcPts val="0"/>
-              </a:spcAft>
-              <a:buClr>
-                <a:schemeClr val="dk1"/>
-              </a:buClr>
-              <a:buSzPts val="1100"/>
-              <a:buFont typeface="Arial"/>
-              <a:buNone/>
-            </a:pPr>
-            <a:r>
-              <a:rPr b="1" lang="zh-CN" sz="1050">
-                <a:solidFill>
-                  <a:schemeClr val="dk1"/>
-                </a:solidFill>
-              </a:rPr>
-              <a:t>10477:Transfer Money</a:t>
-            </a:r>
-            <a:r>
-              <a:rPr lang="zh-CN" sz="1050">
-                <a:solidFill>
-                  <a:schemeClr val="dk1"/>
-                </a:solidFill>
-              </a:rPr>
-              <a:t>: Money is transferred between two parties. This can be internal in a company.</a:t>
-            </a:r>
-            <a:endParaRPr sz="1050">
-              <a:solidFill>
-                <a:schemeClr val="dk1"/>
-              </a:solidFill>
-            </a:endParaRPr>
-          </a:p>
-          <a:p>
-            <a:pPr indent="0" lvl="0" marL="0" rtl="0" algn="l">
-              <a:lnSpc>
-                <a:spcPct val="115000"/>
-              </a:lnSpc>
-              <a:spcBef>
-                <a:spcPts val="0"/>
-              </a:spcBef>
-              <a:spcAft>
-                <a:spcPts val="0"/>
-              </a:spcAft>
-              <a:buClr>
-                <a:schemeClr val="dk1"/>
-              </a:buClr>
-              <a:buSzPts val="1100"/>
-              <a:buFont typeface="Arial"/>
-              <a:buNone/>
-            </a:pPr>
-            <a:r>
-              <a:rPr b="1" lang="zh-CN" sz="1050">
-                <a:solidFill>
-                  <a:schemeClr val="dk1"/>
-                </a:solidFill>
-              </a:rPr>
-              <a:t>10461:Reorganization</a:t>
-            </a:r>
-            <a:r>
-              <a:rPr lang="zh-CN" sz="1050">
-                <a:solidFill>
-                  <a:schemeClr val="dk1"/>
-                </a:solidFill>
-              </a:rPr>
-              <a:t>: The structure of a company is reorganized.</a:t>
-            </a:r>
-            <a:endParaRPr sz="1050">
-              <a:solidFill>
-                <a:schemeClr val="dk1"/>
-              </a:solidFill>
-            </a:endParaRPr>
-          </a:p>
-          <a:p>
-            <a:pPr indent="0" lvl="0" marL="0" rtl="0" algn="l">
-              <a:lnSpc>
-                <a:spcPct val="115000"/>
-              </a:lnSpc>
-              <a:spcBef>
-                <a:spcPts val="0"/>
-              </a:spcBef>
-              <a:spcAft>
-                <a:spcPts val="0"/>
-              </a:spcAft>
-              <a:buClr>
-                <a:schemeClr val="dk1"/>
-              </a:buClr>
-              <a:buSzPts val="1100"/>
-              <a:buFont typeface="Arial"/>
-              <a:buNone/>
-            </a:pPr>
-            <a:r>
-              <a:rPr b="1" lang="zh-CN" sz="1050">
-                <a:solidFill>
-                  <a:schemeClr val="dk1"/>
-                </a:solidFill>
-              </a:rPr>
-              <a:t>10504:dismissal</a:t>
-            </a:r>
-            <a:r>
-              <a:rPr lang="zh-CN" sz="1050">
-                <a:solidFill>
-                  <a:schemeClr val="dk1"/>
-                </a:solidFill>
-              </a:rPr>
-              <a:t>: Workers are fired.</a:t>
-            </a:r>
-            <a:endParaRPr sz="1050">
-              <a:solidFill>
-                <a:schemeClr val="dk1"/>
-              </a:solidFill>
-            </a:endParaRPr>
           </a:p>
         </p:txBody>
       </p:sp>
@@ -15659,9 +14061,36 @@
           <a:chExt cx="0" cy="0"/>
         </a:xfrm>
       </p:grpSpPr>
+      <p:pic>
+        <p:nvPicPr>
+          <p:cNvPr id="105" name="Google Shape;105;p26"/>
+          <p:cNvPicPr preferRelativeResize="0"/>
+          <p:nvPr/>
+        </p:nvPicPr>
+        <p:blipFill rotWithShape="1">
+          <a:blip r:embed="rId3">
+            <a:alphaModFix/>
+          </a:blip>
+          <a:srcRect b="13153" l="0" r="0" t="14612"/>
+          <a:stretch/>
+        </p:blipFill>
+        <p:spPr>
+          <a:xfrm>
+            <a:off x="171925" y="32025"/>
+            <a:ext cx="8800148" cy="3715126"/>
+          </a:xfrm>
+          <a:prstGeom prst="rect">
+            <a:avLst/>
+          </a:prstGeom>
+          <a:noFill/>
+          <a:ln>
+            <a:noFill/>
+          </a:ln>
+        </p:spPr>
+      </p:pic>
       <p:sp>
         <p:nvSpPr>
-          <p:cNvPr id="105" name="Google Shape;105;p26"/>
+          <p:cNvPr id="106" name="Google Shape;106;p26"/>
           <p:cNvSpPr txBox="1"/>
           <p:nvPr>
             <p:ph type="title"/>
@@ -15675,10 +14104,6 @@
           <a:prstGeom prst="rect">
             <a:avLst/>
           </a:prstGeom>
-          <a:noFill/>
-          <a:ln>
-            <a:noFill/>
-          </a:ln>
         </p:spPr>
         <p:txBody>
           <a:bodyPr anchorCtr="0" anchor="t" bIns="91425" lIns="91425" spcFirstLastPara="1" rIns="91425" wrap="square" tIns="91425">
@@ -15687,16 +14112,12 @@
           <a:lstStyle/>
           <a:p>
             <a:pPr indent="0" lvl="0" marL="0" rtl="0" algn="l">
-              <a:lnSpc>
-                <a:spcPct val="100000"/>
-              </a:lnSpc>
-              <a:spcBef>
-                <a:spcPts val="0"/>
-              </a:spcBef>
-              <a:spcAft>
-                <a:spcPts val="0"/>
-              </a:spcAft>
-              <a:buSzPct val="111111"/>
+              <a:spcBef>
+                <a:spcPts val="0"/>
+              </a:spcBef>
+              <a:spcAft>
+                <a:spcPts val="0"/>
+              </a:spcAft>
               <a:buNone/>
             </a:pPr>
             <a:r>
@@ -15707,34 +14128,6 @@
           </a:p>
         </p:txBody>
       </p:sp>
-      <p:pic>
-        <p:nvPicPr>
-          <p:cNvPr id="106" name="Google Shape;106;p26"/>
-          <p:cNvPicPr preferRelativeResize="0"/>
-          <p:nvPr/>
-        </p:nvPicPr>
-        <p:blipFill>
-          <a:blip r:embed="rId3">
-            <a:alphaModFix/>
-          </a:blip>
-          <a:stretch>
-            <a:fillRect/>
-          </a:stretch>
-        </p:blipFill>
-        <p:spPr>
-          <a:xfrm>
-            <a:off x="2255625" y="114725"/>
-            <a:ext cx="3366325" cy="4914050"/>
-          </a:xfrm>
-          <a:prstGeom prst="rect">
-            <a:avLst/>
-          </a:prstGeom>
-          <a:noFill/>
-          <a:ln>
-            <a:noFill/>
-          </a:ln>
-        </p:spPr>
-      </p:pic>
       <p:pic>
         <p:nvPicPr>
           <p:cNvPr id="107" name="Google Shape;107;p26"/>
@@ -15751,8 +14144,8 @@
         </p:blipFill>
         <p:spPr>
           <a:xfrm>
-            <a:off x="5422600" y="0"/>
-            <a:ext cx="3005555" cy="5143500"/>
+            <a:off x="233970" y="1017725"/>
+            <a:ext cx="1811175" cy="1191725"/>
           </a:xfrm>
           <a:prstGeom prst="rect">
             <a:avLst/>
@@ -15763,6 +14156,289 @@
           </a:ln>
         </p:spPr>
       </p:pic>
+      <p:sp>
+        <p:nvSpPr>
+          <p:cNvPr id="108" name="Google Shape;108;p26"/>
+          <p:cNvSpPr txBox="1"/>
+          <p:nvPr>
+            <p:ph idx="4294967295" type="body"/>
+          </p:nvPr>
+        </p:nvSpPr>
+        <p:spPr>
+          <a:xfrm>
+            <a:off x="311700" y="3178300"/>
+            <a:ext cx="4296000" cy="1909800"/>
+          </a:xfrm>
+          <a:prstGeom prst="rect">
+            <a:avLst/>
+          </a:prstGeom>
+        </p:spPr>
+        <p:txBody>
+          <a:bodyPr anchorCtr="0" anchor="t" bIns="91425" lIns="91425" spcFirstLastPara="1" rIns="91425" wrap="square" tIns="91425">
+            <a:normAutofit fontScale="40000" lnSpcReduction="10000"/>
+          </a:bodyPr>
+          <a:lstStyle/>
+          <a:p>
+            <a:pPr indent="0" lvl="0" marL="0" rtl="0" algn="l">
+              <a:spcBef>
+                <a:spcPts val="0"/>
+              </a:spcBef>
+              <a:spcAft>
+                <a:spcPts val="0"/>
+              </a:spcAft>
+              <a:buNone/>
+            </a:pPr>
+            <a:r>
+              <a:rPr b="1" lang="zh-CN"/>
+              <a:t>Early Stages:</a:t>
+            </a:r>
+            <a:r>
+              <a:rPr lang="zh-CN"/>
+              <a:t> Events happening in the early stages of a business</a:t>
+            </a:r>
+            <a:endParaRPr/>
+          </a:p>
+          <a:p>
+            <a:pPr indent="0" lvl="0" marL="0" rtl="0" algn="l">
+              <a:spcBef>
+                <a:spcPts val="1200"/>
+              </a:spcBef>
+              <a:spcAft>
+                <a:spcPts val="0"/>
+              </a:spcAft>
+              <a:buNone/>
+            </a:pPr>
+            <a:r>
+              <a:rPr b="1" lang="zh-CN"/>
+              <a:t>Corruption: </a:t>
+            </a:r>
+            <a:r>
+              <a:rPr lang="zh-CN"/>
+              <a:t>Some form of corruption happens amongst the people in the business</a:t>
+            </a:r>
+            <a:endParaRPr/>
+          </a:p>
+          <a:p>
+            <a:pPr indent="0" lvl="0" marL="0" rtl="0" algn="l">
+              <a:spcBef>
+                <a:spcPts val="1200"/>
+              </a:spcBef>
+              <a:spcAft>
+                <a:spcPts val="0"/>
+              </a:spcAft>
+              <a:buNone/>
+            </a:pPr>
+            <a:r>
+              <a:rPr b="1" lang="zh-CN"/>
+              <a:t>Fraud</a:t>
+            </a:r>
+            <a:r>
+              <a:rPr lang="zh-CN"/>
+              <a:t>: Types of business fraud</a:t>
+            </a:r>
+            <a:endParaRPr/>
+          </a:p>
+          <a:p>
+            <a:pPr indent="0" lvl="0" marL="0" rtl="0" algn="l">
+              <a:spcBef>
+                <a:spcPts val="1200"/>
+              </a:spcBef>
+              <a:spcAft>
+                <a:spcPts val="0"/>
+              </a:spcAft>
+              <a:buNone/>
+            </a:pPr>
+            <a:r>
+              <a:rPr b="1" lang="zh-CN"/>
+              <a:t>Audit</a:t>
+            </a:r>
+            <a:r>
+              <a:rPr lang="zh-CN"/>
+              <a:t>:Type of audit conducted to ensure "financial statements" are in accordance with specified criteria</a:t>
+            </a:r>
+            <a:endParaRPr/>
+          </a:p>
+          <a:p>
+            <a:pPr indent="0" lvl="0" marL="0" rtl="0" algn="l">
+              <a:spcBef>
+                <a:spcPts val="1200"/>
+              </a:spcBef>
+              <a:spcAft>
+                <a:spcPts val="0"/>
+              </a:spcAft>
+              <a:buNone/>
+            </a:pPr>
+            <a:r>
+              <a:rPr b="1" lang="zh-CN"/>
+              <a:t>Criminal investigation:</a:t>
+            </a:r>
+            <a:r>
+              <a:rPr lang="zh-CN"/>
+              <a:t> Financial records could not be validated, a criminal investigation case is opened</a:t>
+            </a:r>
+            <a:endParaRPr/>
+          </a:p>
+          <a:p>
+            <a:pPr indent="0" lvl="0" marL="0" rtl="0" algn="l">
+              <a:spcBef>
+                <a:spcPts val="1200"/>
+              </a:spcBef>
+              <a:spcAft>
+                <a:spcPts val="1200"/>
+              </a:spcAft>
+              <a:buNone/>
+            </a:pPr>
+            <a:r>
+              <a:rPr b="1" lang="zh-CN"/>
+              <a:t>Market Shift: </a:t>
+            </a:r>
+            <a:r>
+              <a:rPr lang="zh-CN"/>
+              <a:t>Events leading to the business suffering economically</a:t>
+            </a:r>
+            <a:endParaRPr b="1"/>
+          </a:p>
+        </p:txBody>
+      </p:sp>
+      <p:sp>
+        <p:nvSpPr>
+          <p:cNvPr id="109" name="Google Shape;109;p26"/>
+          <p:cNvSpPr txBox="1"/>
+          <p:nvPr>
+            <p:ph idx="4294967295" type="body"/>
+          </p:nvPr>
+        </p:nvSpPr>
+        <p:spPr>
+          <a:xfrm>
+            <a:off x="4607625" y="3684875"/>
+            <a:ext cx="4536300" cy="1458600"/>
+          </a:xfrm>
+          <a:prstGeom prst="rect">
+            <a:avLst/>
+          </a:prstGeom>
+        </p:spPr>
+        <p:txBody>
+          <a:bodyPr anchorCtr="0" anchor="t" bIns="91425" lIns="91425" spcFirstLastPara="1" rIns="91425" wrap="square" tIns="91425">
+            <a:normAutofit fontScale="40000" lnSpcReduction="20000"/>
+          </a:bodyPr>
+          <a:lstStyle/>
+          <a:p>
+            <a:pPr indent="0" lvl="0" marL="0" rtl="0" algn="l">
+              <a:spcBef>
+                <a:spcPts val="0"/>
+              </a:spcBef>
+              <a:spcAft>
+                <a:spcPts val="0"/>
+              </a:spcAft>
+              <a:buNone/>
+            </a:pPr>
+            <a:r>
+              <a:rPr b="1" lang="zh-CN"/>
+              <a:t>Restructure: </a:t>
+            </a:r>
+            <a:r>
+              <a:rPr lang="zh-CN"/>
+              <a:t>Company restructures to avoid bankruptcy</a:t>
+            </a:r>
+            <a:endParaRPr b="1"/>
+          </a:p>
+          <a:p>
+            <a:pPr indent="0" lvl="0" marL="0" rtl="0" algn="l">
+              <a:spcBef>
+                <a:spcPts val="1200"/>
+              </a:spcBef>
+              <a:spcAft>
+                <a:spcPts val="0"/>
+              </a:spcAft>
+              <a:buClr>
+                <a:schemeClr val="dk1"/>
+              </a:buClr>
+              <a:buSzPct val="61111"/>
+              <a:buFont typeface="Arial"/>
+              <a:buNone/>
+            </a:pPr>
+            <a:r>
+              <a:rPr b="1" lang="zh-CN"/>
+              <a:t>Mergers and Acquisitions: </a:t>
+            </a:r>
+            <a:r>
+              <a:rPr lang="zh-CN"/>
+              <a:t>Process to merge or be acquired by another company</a:t>
+            </a:r>
+            <a:endParaRPr/>
+          </a:p>
+          <a:p>
+            <a:pPr indent="0" lvl="0" marL="0" rtl="0" algn="l">
+              <a:spcBef>
+                <a:spcPts val="1200"/>
+              </a:spcBef>
+              <a:spcAft>
+                <a:spcPts val="0"/>
+              </a:spcAft>
+              <a:buClr>
+                <a:schemeClr val="dk1"/>
+              </a:buClr>
+              <a:buSzPct val="61111"/>
+              <a:buFont typeface="Arial"/>
+              <a:buNone/>
+            </a:pPr>
+            <a:r>
+              <a:rPr b="1" lang="zh-CN"/>
+              <a:t>Bankruptcy: </a:t>
+            </a:r>
+            <a:r>
+              <a:rPr lang="zh-CN"/>
+              <a:t>Process in which a business files bankruptcy</a:t>
+            </a:r>
+            <a:endParaRPr/>
+          </a:p>
+          <a:p>
+            <a:pPr indent="0" lvl="0" marL="0" rtl="0" algn="l">
+              <a:spcBef>
+                <a:spcPts val="1200"/>
+              </a:spcBef>
+              <a:spcAft>
+                <a:spcPts val="0"/>
+              </a:spcAft>
+              <a:buClr>
+                <a:schemeClr val="dk1"/>
+              </a:buClr>
+              <a:buSzPct val="61111"/>
+              <a:buFont typeface="Arial"/>
+              <a:buNone/>
+            </a:pPr>
+            <a:r>
+              <a:rPr b="1" lang="zh-CN"/>
+              <a:t>Reorganization: </a:t>
+            </a:r>
+            <a:r>
+              <a:rPr lang="zh-CN"/>
+              <a:t>Legal process after M&amp;A or filing bankruptcy</a:t>
+            </a:r>
+            <a:endParaRPr/>
+          </a:p>
+          <a:p>
+            <a:pPr indent="0" lvl="0" marL="0" rtl="0" algn="l">
+              <a:spcBef>
+                <a:spcPts val="1200"/>
+              </a:spcBef>
+              <a:spcAft>
+                <a:spcPts val="1200"/>
+              </a:spcAft>
+              <a:buNone/>
+            </a:pPr>
+            <a:r>
+              <a:rPr b="1" lang="zh-CN"/>
+              <a:t>Antitrust investigation: </a:t>
+            </a:r>
+            <a:r>
+              <a:rPr lang="zh-CN"/>
+              <a:t>The government may sue a business if they have reason to believe the business is becoming a monopoly</a:t>
+            </a:r>
+            <a:endParaRPr/>
+          </a:p>
+        </p:txBody>
+      </p:sp>
     </p:spTree>
   </p:cSld>
   <p:clrMapOvr>
@@ -15776,7 +14452,7 @@
   <p:cSld>
     <p:spTree>
       <p:nvGrpSpPr>
-        <p:cNvPr id="111" name="Shape 111"/>
+        <p:cNvPr id="113" name="Shape 113"/>
         <p:cNvGrpSpPr/>
         <p:nvPr/>
       </p:nvGrpSpPr>
@@ -15790,7 +14466,7 @@
       </p:grpSpPr>
       <p:sp>
         <p:nvSpPr>
-          <p:cNvPr id="112" name="Google Shape;112;p27"/>
+          <p:cNvPr id="114" name="Google Shape;114;p27"/>
           <p:cNvSpPr txBox="1"/>
           <p:nvPr>
             <p:ph type="title"/>
@@ -15798,39 +14474,31 @@
         </p:nvSpPr>
         <p:spPr>
           <a:xfrm>
-            <a:off x="311700" y="445025"/>
-            <a:ext cx="8520600" cy="572700"/>
+            <a:off x="311700" y="555600"/>
+            <a:ext cx="2808000" cy="755700"/>
           </a:xfrm>
           <a:prstGeom prst="rect">
             <a:avLst/>
           </a:prstGeom>
-          <a:noFill/>
-          <a:ln>
-            <a:noFill/>
-          </a:ln>
         </p:spPr>
         <p:txBody>
-          <a:bodyPr anchorCtr="0" anchor="t" bIns="91425" lIns="91425" spcFirstLastPara="1" rIns="91425" wrap="square" tIns="91425">
-            <a:normAutofit fontScale="90000"/>
+          <a:bodyPr anchorCtr="0" anchor="b" bIns="91425" lIns="91425" spcFirstLastPara="1" rIns="91425" wrap="square" tIns="91425">
+            <a:normAutofit/>
           </a:bodyPr>
           <a:lstStyle/>
           <a:p>
             <a:pPr indent="0" lvl="0" marL="0" rtl="0" algn="l">
-              <a:lnSpc>
-                <a:spcPct val="100000"/>
-              </a:lnSpc>
-              <a:spcBef>
-                <a:spcPts val="0"/>
-              </a:spcBef>
-              <a:spcAft>
-                <a:spcPts val="0"/>
-              </a:spcAft>
-              <a:buSzPct val="111111"/>
+              <a:spcBef>
+                <a:spcPts val="0"/>
+              </a:spcBef>
+              <a:spcAft>
+                <a:spcPts val="0"/>
+              </a:spcAft>
               <a:buNone/>
             </a:pPr>
             <a:r>
               <a:rPr lang="zh-CN"/>
-              <a:t>Scandal</a:t>
+              <a:t>Early Stages</a:t>
             </a:r>
             <a:endParaRPr/>
           </a:p>
@@ -15838,224 +14506,165 @@
       </p:sp>
       <p:sp>
         <p:nvSpPr>
-          <p:cNvPr id="113" name="Google Shape;113;p27"/>
+          <p:cNvPr id="115" name="Google Shape;115;p27"/>
           <p:cNvSpPr txBox="1"/>
-          <p:nvPr/>
+          <p:nvPr>
+            <p:ph idx="1" type="body"/>
+          </p:nvPr>
         </p:nvSpPr>
         <p:spPr>
           <a:xfrm>
-            <a:off x="432800" y="1035900"/>
-            <a:ext cx="8139900" cy="871800"/>
+            <a:off x="311700" y="1200550"/>
+            <a:ext cx="2808000" cy="3426600"/>
           </a:xfrm>
           <a:prstGeom prst="rect">
             <a:avLst/>
           </a:prstGeom>
-          <a:noFill/>
-          <a:ln>
-            <a:noFill/>
-          </a:ln>
         </p:spPr>
         <p:txBody>
           <a:bodyPr anchorCtr="0" anchor="t" bIns="91425" lIns="91425" spcFirstLastPara="1" rIns="91425" wrap="square" tIns="91425">
-            <a:spAutoFit/>
+            <a:normAutofit lnSpcReduction="10000"/>
           </a:bodyPr>
           <a:lstStyle/>
           <a:p>
-            <a:pPr indent="0" lvl="0" marL="0" marR="0" rtl="0" algn="l">
-              <a:lnSpc>
-                <a:spcPct val="115000"/>
-              </a:lnSpc>
-              <a:spcBef>
-                <a:spcPts val="0"/>
-              </a:spcBef>
-              <a:spcAft>
-                <a:spcPts val="0"/>
-              </a:spcAft>
-              <a:buClr>
-                <a:schemeClr val="dk1"/>
-              </a:buClr>
-              <a:buSzPts val="1100"/>
-              <a:buFont typeface="Arial"/>
+            <a:pPr indent="0" lvl="0" marL="0" rtl="0" algn="l">
+              <a:spcBef>
+                <a:spcPts val="0"/>
+              </a:spcBef>
+              <a:spcAft>
+                <a:spcPts val="0"/>
+              </a:spcAft>
               <a:buNone/>
             </a:pPr>
             <a:r>
-              <a:rPr b="1" lang="zh-CN" sz="1050">
-                <a:solidFill>
-                  <a:schemeClr val="dk1"/>
-                </a:solidFill>
-              </a:rPr>
-              <a:t>10464:Scandal</a:t>
+              <a:rPr b="1" lang="zh-CN"/>
+              <a:t>Create partnership</a:t>
             </a:r>
             <a:r>
-              <a:rPr b="0" i="0" lang="zh-CN" sz="1050" u="none" cap="none" strike="noStrike">
-                <a:solidFill>
-                  <a:schemeClr val="dk1"/>
-                </a:solidFill>
-                <a:latin typeface="Arial"/>
-                <a:ea typeface="Arial"/>
-                <a:cs typeface="Arial"/>
-                <a:sym typeface="Arial"/>
-              </a:rPr>
+              <a:rPr lang="zh-CN"/>
               <a:t>: </a:t>
             </a:r>
             <a:r>
-              <a:rPr lang="zh-CN" sz="1050">
-                <a:solidFill>
-                  <a:schemeClr val="dk1"/>
-                </a:solidFill>
-              </a:rPr>
-              <a:t>A scandal occurs at the company.</a:t>
+              <a:rPr lang="zh-CN"/>
+              <a:t>Two companies form a partnership, but remain separate entities</a:t>
             </a:r>
-            <a:endParaRPr b="0" i="0" sz="1050" u="none" cap="none" strike="noStrike">
-              <a:solidFill>
-                <a:schemeClr val="dk1"/>
-              </a:solidFill>
-              <a:latin typeface="Arial"/>
-              <a:ea typeface="Arial"/>
-              <a:cs typeface="Arial"/>
-              <a:sym typeface="Arial"/>
-            </a:endParaRPr>
+            <a:endParaRPr/>
           </a:p>
           <a:p>
-            <a:pPr indent="0" lvl="0" marL="0" marR="0" rtl="0" algn="l">
-              <a:lnSpc>
-                <a:spcPct val="115000"/>
-              </a:lnSpc>
-              <a:spcBef>
-                <a:spcPts val="600"/>
-              </a:spcBef>
-              <a:spcAft>
-                <a:spcPts val="0"/>
-              </a:spcAft>
-              <a:buClr>
-                <a:schemeClr val="dk1"/>
-              </a:buClr>
-              <a:buSzPts val="1100"/>
-              <a:buFont typeface="Arial"/>
+            <a:pPr indent="0" lvl="0" marL="0" rtl="0" algn="l">
+              <a:spcBef>
+                <a:spcPts val="1200"/>
+              </a:spcBef>
+              <a:spcAft>
+                <a:spcPts val="0"/>
+              </a:spcAft>
               <a:buNone/>
             </a:pPr>
             <a:r>
-              <a:rPr b="1" lang="zh-CN" sz="1050">
-                <a:solidFill>
-                  <a:schemeClr val="dk1"/>
-                </a:solidFill>
-              </a:rPr>
-              <a:t>10494:Investigation-&gt;10523:Justice</a:t>
+              <a:rPr b="1" lang="zh-CN"/>
+              <a:t>Found a business</a:t>
             </a:r>
             <a:r>
-              <a:rPr b="0" i="0" lang="zh-CN" sz="1050" u="none" cap="none" strike="noStrike">
-                <a:solidFill>
-                  <a:schemeClr val="dk1"/>
-                </a:solidFill>
-                <a:latin typeface="Arial"/>
-                <a:ea typeface="Arial"/>
-                <a:cs typeface="Arial"/>
-                <a:sym typeface="Arial"/>
-              </a:rPr>
+              <a:rPr lang="zh-CN"/>
               <a:t>: </a:t>
             </a:r>
             <a:r>
-              <a:rPr lang="zh-CN" sz="1050">
-                <a:solidFill>
-                  <a:schemeClr val="dk1"/>
-                </a:solidFill>
-              </a:rPr>
-              <a:t>This branch involves the investigation and justice of an individual person.</a:t>
+              <a:rPr lang="zh-CN"/>
+              <a:t>A person founds a business</a:t>
             </a:r>
-            <a:endParaRPr b="0" i="0" sz="1050" u="none" cap="none" strike="noStrike">
-              <a:solidFill>
-                <a:schemeClr val="dk1"/>
-              </a:solidFill>
-              <a:latin typeface="Arial"/>
-              <a:ea typeface="Arial"/>
-              <a:cs typeface="Arial"/>
-              <a:sym typeface="Arial"/>
-            </a:endParaRPr>
+            <a:endParaRPr/>
           </a:p>
           <a:p>
-            <a:pPr indent="0" lvl="0" marL="0" marR="0" rtl="0" algn="l">
-              <a:lnSpc>
-                <a:spcPct val="115000"/>
-              </a:lnSpc>
-              <a:spcBef>
-                <a:spcPts val="600"/>
-              </a:spcBef>
-              <a:spcAft>
-                <a:spcPts val="0"/>
-              </a:spcAft>
-              <a:buClr>
-                <a:schemeClr val="dk1"/>
-              </a:buClr>
-              <a:buSzPts val="1100"/>
-              <a:buFont typeface="Arial"/>
+            <a:pPr indent="0" lvl="0" marL="0" rtl="0" algn="l">
+              <a:spcBef>
+                <a:spcPts val="1200"/>
+              </a:spcBef>
+              <a:spcAft>
+                <a:spcPts val="0"/>
+              </a:spcAft>
               <a:buNone/>
             </a:pPr>
             <a:r>
-              <a:rPr b="1" lang="zh-CN" sz="1050">
-                <a:solidFill>
-                  <a:schemeClr val="dk1"/>
-                </a:solidFill>
-              </a:rPr>
-              <a:t>10494:</a:t>
+              <a:rPr b="1" lang="zh-CN"/>
+              <a:t>Private funding</a:t>
             </a:r>
             <a:r>
-              <a:rPr b="1" lang="zh-CN" sz="1050">
-                <a:solidFill>
-                  <a:schemeClr val="dk1"/>
-                </a:solidFill>
-              </a:rPr>
-              <a:t>Corporate Criminal Inquiry</a:t>
-            </a:r>
-            <a:r>
-              <a:rPr b="0" i="0" lang="zh-CN" sz="1050" u="none" cap="none" strike="noStrike">
-                <a:solidFill>
-                  <a:schemeClr val="dk1"/>
-                </a:solidFill>
-                <a:latin typeface="Arial"/>
-                <a:ea typeface="Arial"/>
-                <a:cs typeface="Arial"/>
-                <a:sym typeface="Arial"/>
-              </a:rPr>
+              <a:rPr lang="zh-CN"/>
               <a:t>: </a:t>
             </a:r>
             <a:r>
-              <a:rPr lang="zh-CN" sz="1050">
-                <a:solidFill>
-                  <a:schemeClr val="dk1"/>
-                </a:solidFill>
-              </a:rPr>
-              <a:t>This branch involves the company as a whole being investigated for crimes.</a:t>
+              <a:rPr lang="zh-CN"/>
+              <a:t>Company is funded by private investors</a:t>
             </a:r>
-            <a:endParaRPr b="0" i="0" sz="1400" u="none" cap="none" strike="noStrike">
-              <a:solidFill>
-                <a:srgbClr val="000000"/>
-              </a:solidFill>
-              <a:latin typeface="Arial"/>
-              <a:ea typeface="Arial"/>
-              <a:cs typeface="Arial"/>
-              <a:sym typeface="Arial"/>
-            </a:endParaRPr>
+            <a:endParaRPr/>
+          </a:p>
+          <a:p>
+            <a:pPr indent="0" lvl="0" marL="0" rtl="0" algn="l">
+              <a:spcBef>
+                <a:spcPts val="1200"/>
+              </a:spcBef>
+              <a:spcAft>
+                <a:spcPts val="0"/>
+              </a:spcAft>
+              <a:buNone/>
+            </a:pPr>
+            <a:r>
+              <a:rPr b="1" lang="zh-CN"/>
+              <a:t>Go public and sell IPOs</a:t>
+            </a:r>
+            <a:r>
+              <a:rPr lang="zh-CN"/>
+              <a:t>: </a:t>
+            </a:r>
+            <a:r>
+              <a:rPr lang="zh-CN"/>
+              <a:t>Company goes public and lists stock on the public market</a:t>
+            </a:r>
+            <a:endParaRPr/>
+          </a:p>
+          <a:p>
+            <a:pPr indent="0" lvl="0" marL="0" rtl="0" algn="l">
+              <a:spcBef>
+                <a:spcPts val="1200"/>
+              </a:spcBef>
+              <a:spcAft>
+                <a:spcPts val="1200"/>
+              </a:spcAft>
+              <a:buNone/>
+            </a:pPr>
+            <a:r>
+              <a:rPr b="1" lang="zh-CN"/>
+              <a:t>Privatize</a:t>
+            </a:r>
+            <a:r>
+              <a:rPr lang="zh-CN"/>
+              <a:t>: </a:t>
+            </a:r>
+            <a:r>
+              <a:rPr lang="zh-CN"/>
+              <a:t>Company goes private and sells all their stock to a private equity firm</a:t>
+            </a:r>
+            <a:endParaRPr/>
           </a:p>
         </p:txBody>
       </p:sp>
       <p:pic>
         <p:nvPicPr>
-          <p:cNvPr id="114" name="Google Shape;114;p27"/>
+          <p:cNvPr id="116" name="Google Shape;116;p27"/>
           <p:cNvPicPr preferRelativeResize="0"/>
           <p:nvPr/>
         </p:nvPicPr>
-        <p:blipFill>
+        <p:blipFill rotWithShape="1">
           <a:blip r:embed="rId3">
             <a:alphaModFix/>
           </a:blip>
-          <a:stretch>
-            <a:fillRect/>
-          </a:stretch>
+          <a:srcRect b="24072" l="10475" r="12101" t="20979"/>
+          <a:stretch/>
         </p:blipFill>
         <p:spPr>
           <a:xfrm>
-            <a:off x="1747300" y="2518875"/>
-            <a:ext cx="4933950" cy="2362200"/>
+            <a:off x="3278000" y="1200550"/>
+            <a:ext cx="5179423" cy="2742401"/>
           </a:xfrm>
           <a:prstGeom prst="rect">
             <a:avLst/>
@@ -16079,7 +14688,243 @@
   <p:cSld>
     <p:spTree>
       <p:nvGrpSpPr>
-        <p:cNvPr id="118" name="Shape 118"/>
+        <p:cNvPr id="120" name="Shape 120"/>
+        <p:cNvGrpSpPr/>
+        <p:nvPr/>
+      </p:nvGrpSpPr>
+      <p:grpSpPr>
+        <a:xfrm>
+          <a:off x="0" y="0"/>
+          <a:ext cx="0" cy="0"/>
+          <a:chOff x="0" y="0"/>
+          <a:chExt cx="0" cy="0"/>
+        </a:xfrm>
+      </p:grpSpPr>
+      <p:sp>
+        <p:nvSpPr>
+          <p:cNvPr id="121" name="Google Shape;121;p28"/>
+          <p:cNvSpPr txBox="1"/>
+          <p:nvPr>
+            <p:ph type="title"/>
+          </p:nvPr>
+        </p:nvSpPr>
+        <p:spPr>
+          <a:xfrm>
+            <a:off x="311700" y="555600"/>
+            <a:ext cx="2808000" cy="755700"/>
+          </a:xfrm>
+          <a:prstGeom prst="rect">
+            <a:avLst/>
+          </a:prstGeom>
+        </p:spPr>
+        <p:txBody>
+          <a:bodyPr anchorCtr="0" anchor="b" bIns="91425" lIns="91425" spcFirstLastPara="1" rIns="91425" wrap="square" tIns="91425">
+            <a:normAutofit/>
+          </a:bodyPr>
+          <a:lstStyle/>
+          <a:p>
+            <a:pPr indent="0" lvl="0" marL="0" rtl="0" algn="l">
+              <a:spcBef>
+                <a:spcPts val="0"/>
+              </a:spcBef>
+              <a:spcAft>
+                <a:spcPts val="0"/>
+              </a:spcAft>
+              <a:buNone/>
+            </a:pPr>
+            <a:r>
+              <a:rPr lang="zh-CN"/>
+              <a:t>Fraud</a:t>
+            </a:r>
+            <a:endParaRPr/>
+          </a:p>
+        </p:txBody>
+      </p:sp>
+      <p:sp>
+        <p:nvSpPr>
+          <p:cNvPr id="122" name="Google Shape;122;p28"/>
+          <p:cNvSpPr txBox="1"/>
+          <p:nvPr>
+            <p:ph idx="1" type="body"/>
+          </p:nvPr>
+        </p:nvSpPr>
+        <p:spPr>
+          <a:xfrm>
+            <a:off x="311700" y="1200550"/>
+            <a:ext cx="2808000" cy="3426600"/>
+          </a:xfrm>
+          <a:prstGeom prst="rect">
+            <a:avLst/>
+          </a:prstGeom>
+        </p:spPr>
+        <p:txBody>
+          <a:bodyPr anchorCtr="0" anchor="t" bIns="91425" lIns="91425" spcFirstLastPara="1" rIns="91425" wrap="square" tIns="91425">
+            <a:normAutofit fontScale="62500" lnSpcReduction="10000"/>
+          </a:bodyPr>
+          <a:lstStyle/>
+          <a:p>
+            <a:pPr indent="0" lvl="0" marL="0" rtl="0" algn="l">
+              <a:spcBef>
+                <a:spcPts val="0"/>
+              </a:spcBef>
+              <a:spcAft>
+                <a:spcPts val="0"/>
+              </a:spcAft>
+              <a:buNone/>
+            </a:pPr>
+            <a:r>
+              <a:rPr b="1" lang="zh-CN"/>
+              <a:t>Non-delivery of merchandise: </a:t>
+            </a:r>
+            <a:r>
+              <a:rPr lang="zh-CN"/>
+              <a:t>Fraud occurring when a payment is sent but the goods and services ordered are never received.</a:t>
+            </a:r>
+            <a:endParaRPr/>
+          </a:p>
+          <a:p>
+            <a:pPr indent="0" lvl="0" marL="0" rtl="0" algn="l">
+              <a:spcBef>
+                <a:spcPts val="1200"/>
+              </a:spcBef>
+              <a:spcAft>
+                <a:spcPts val="0"/>
+              </a:spcAft>
+              <a:buNone/>
+            </a:pPr>
+            <a:r>
+              <a:rPr b="1" lang="zh-CN"/>
+              <a:t>Non-payment of funds: </a:t>
+            </a:r>
+            <a:r>
+              <a:rPr lang="zh-CN"/>
+              <a:t>Fraud occurring when goods and services are shipped or rendered but payment for them is never received.</a:t>
+            </a:r>
+            <a:endParaRPr/>
+          </a:p>
+          <a:p>
+            <a:pPr indent="0" lvl="0" marL="0" rtl="0" algn="l">
+              <a:spcBef>
+                <a:spcPts val="1200"/>
+              </a:spcBef>
+              <a:spcAft>
+                <a:spcPts val="0"/>
+              </a:spcAft>
+              <a:buNone/>
+            </a:pPr>
+            <a:r>
+              <a:rPr b="1" lang="zh-CN"/>
+              <a:t>Internet auction fraud: </a:t>
+            </a:r>
+            <a:r>
+              <a:rPr lang="zh-CN"/>
+              <a:t>A fraudulent transaction or exchange that occurs in the context of an online auction site.</a:t>
+            </a:r>
+            <a:endParaRPr/>
+          </a:p>
+          <a:p>
+            <a:pPr indent="0" lvl="0" marL="0" rtl="0" algn="l">
+              <a:spcBef>
+                <a:spcPts val="1200"/>
+              </a:spcBef>
+              <a:spcAft>
+                <a:spcPts val="0"/>
+              </a:spcAft>
+              <a:buNone/>
+            </a:pPr>
+            <a:r>
+              <a:rPr b="1" lang="zh-CN"/>
+              <a:t>Overpayment scheme: </a:t>
+            </a:r>
+            <a:r>
+              <a:rPr lang="zh-CN"/>
+              <a:t>An individual is sent a payment significantly higher than an owed amount and is instructed to deposit the money in their bank account and wire transfer the excess funds back to the bank of the individual or company that sent it. </a:t>
+            </a:r>
+            <a:endParaRPr/>
+          </a:p>
+          <a:p>
+            <a:pPr indent="0" lvl="0" marL="0" rtl="0" algn="l">
+              <a:spcBef>
+                <a:spcPts val="1200"/>
+              </a:spcBef>
+              <a:spcAft>
+                <a:spcPts val="0"/>
+              </a:spcAft>
+              <a:buNone/>
+            </a:pPr>
+            <a:r>
+              <a:rPr b="1" lang="zh-CN"/>
+              <a:t>Reshipment scheme: </a:t>
+            </a:r>
+            <a:r>
+              <a:rPr lang="zh-CN"/>
+              <a:t>An individual is recruited to receive merchandise at their place of residence and subsequently repackage the items for shipment, usually abroad.</a:t>
+            </a:r>
+            <a:endParaRPr/>
+          </a:p>
+          <a:p>
+            <a:pPr indent="0" lvl="0" marL="0" rtl="0" algn="l">
+              <a:spcBef>
+                <a:spcPts val="1200"/>
+              </a:spcBef>
+              <a:spcAft>
+                <a:spcPts val="1200"/>
+              </a:spcAft>
+              <a:buNone/>
+            </a:pPr>
+            <a:r>
+              <a:rPr b="1" lang="zh-CN"/>
+              <a:t>Charity fraud: </a:t>
+            </a:r>
+            <a:r>
+              <a:rPr lang="zh-CN"/>
+              <a:t>Using deception to get money from individuals believing they are making donations to legitimate charity organizations, especially charities representing victims of natural disasters shortly after the incident occurs.</a:t>
+            </a:r>
+            <a:endParaRPr/>
+          </a:p>
+        </p:txBody>
+      </p:sp>
+      <p:pic>
+        <p:nvPicPr>
+          <p:cNvPr id="123" name="Google Shape;123;p28"/>
+          <p:cNvPicPr preferRelativeResize="0"/>
+          <p:nvPr/>
+        </p:nvPicPr>
+        <p:blipFill rotWithShape="1">
+          <a:blip r:embed="rId3">
+            <a:alphaModFix/>
+          </a:blip>
+          <a:srcRect b="0" l="0" r="0" t="42082"/>
+          <a:stretch/>
+        </p:blipFill>
+        <p:spPr>
+          <a:xfrm>
+            <a:off x="3290050" y="1678079"/>
+            <a:ext cx="5719501" cy="2471551"/>
+          </a:xfrm>
+          <a:prstGeom prst="rect">
+            <a:avLst/>
+          </a:prstGeom>
+          <a:noFill/>
+          <a:ln>
+            <a:noFill/>
+          </a:ln>
+        </p:spPr>
+      </p:pic>
+    </p:spTree>
+  </p:cSld>
+  <p:clrMapOvr>
+    <a:masterClrMapping/>
+  </p:clrMapOvr>
+</p:sld>
+</file>
+
+<file path=ppt/slides/slide5.xml><?xml version="1.0" encoding="utf-8"?>
+<p:sld xmlns:a="http://schemas.openxmlformats.org/drawingml/2006/main" xmlns:r="http://schemas.openxmlformats.org/officeDocument/2006/relationships" xmlns:mc="http://schemas.openxmlformats.org/markup-compatibility/2006" xmlns:mv="urn:schemas-microsoft-com:mac:vml" xmlns:p="http://schemas.openxmlformats.org/presentationml/2006/main" xmlns:c="http://schemas.openxmlformats.org/drawingml/2006/chart" xmlns:dgm="http://schemas.openxmlformats.org/drawingml/2006/diagram" xmlns:o="urn:schemas-microsoft-com:office:office" xmlns:v="urn:schemas-microsoft-com:vml" xmlns:pvml="urn:schemas-microsoft-com:office:powerpoint" xmlns:com="http://schemas.openxmlformats.org/drawingml/2006/compatibility" xmlns:p14="http://schemas.microsoft.com/office/powerpoint/2010/main" xmlns:p15="http://schemas.microsoft.com/office/powerpoint/2012/main" xmlns:ahyp="http://schemas.microsoft.com/office/drawing/2018/hyperlinkcolor">
+  <p:cSld>
+    <p:spTree>
+      <p:nvGrpSpPr>
+        <p:cNvPr id="127" name="Shape 127"/>
         <p:cNvGrpSpPr/>
         <p:nvPr/>
       </p:nvGrpSpPr>
@@ -16093,22 +14938,21 @@
       </p:grpSpPr>
       <p:pic>
         <p:nvPicPr>
-          <p:cNvPr id="119" name="Google Shape;119;p28"/>
+          <p:cNvPr id="128" name="Google Shape;128;p29"/>
           <p:cNvPicPr preferRelativeResize="0"/>
           <p:nvPr/>
         </p:nvPicPr>
-        <p:blipFill>
+        <p:blipFill rotWithShape="1">
           <a:blip r:embed="rId3">
             <a:alphaModFix/>
           </a:blip>
-          <a:stretch>
-            <a:fillRect/>
-          </a:stretch>
+          <a:srcRect b="18908" l="0" r="0" t="19700"/>
+          <a:stretch/>
         </p:blipFill>
         <p:spPr>
           <a:xfrm>
-            <a:off x="152400" y="2316600"/>
-            <a:ext cx="8623571" cy="2979300"/>
+            <a:off x="1256312" y="0"/>
+            <a:ext cx="7887688" cy="3612727"/>
           </a:xfrm>
           <a:prstGeom prst="rect">
             <a:avLst/>
@@ -16121,7 +14965,7 @@
       </p:pic>
       <p:sp>
         <p:nvSpPr>
-          <p:cNvPr id="120" name="Google Shape;120;p28"/>
+          <p:cNvPr id="129" name="Google Shape;129;p29"/>
           <p:cNvSpPr txBox="1"/>
           <p:nvPr>
             <p:ph type="title"/>
@@ -16129,39 +14973,31 @@
         </p:nvSpPr>
         <p:spPr>
           <a:xfrm>
-            <a:off x="311700" y="64025"/>
-            <a:ext cx="8520600" cy="572700"/>
+            <a:off x="311700" y="555600"/>
+            <a:ext cx="2808000" cy="755700"/>
           </a:xfrm>
           <a:prstGeom prst="rect">
             <a:avLst/>
           </a:prstGeom>
-          <a:noFill/>
-          <a:ln>
-            <a:noFill/>
-          </a:ln>
         </p:spPr>
         <p:txBody>
-          <a:bodyPr anchorCtr="0" anchor="t" bIns="91425" lIns="91425" spcFirstLastPara="1" rIns="91425" wrap="square" tIns="91425">
+          <a:bodyPr anchorCtr="0" anchor="b" bIns="91425" lIns="91425" spcFirstLastPara="1" rIns="91425" wrap="square" tIns="91425">
             <a:normAutofit fontScale="90000"/>
           </a:bodyPr>
           <a:lstStyle/>
           <a:p>
             <a:pPr indent="0" lvl="0" marL="0" rtl="0" algn="l">
-              <a:lnSpc>
-                <a:spcPct val="100000"/>
-              </a:lnSpc>
-              <a:spcBef>
-                <a:spcPts val="0"/>
-              </a:spcBef>
-              <a:spcAft>
-                <a:spcPts val="0"/>
-              </a:spcAft>
-              <a:buSzPct val="111111"/>
+              <a:spcBef>
+                <a:spcPts val="0"/>
+              </a:spcBef>
+              <a:spcAft>
+                <a:spcPts val="0"/>
+              </a:spcAft>
               <a:buNone/>
             </a:pPr>
             <a:r>
               <a:rPr lang="zh-CN"/>
-              <a:t>Investigation</a:t>
+              <a:t>Criminal Investigation</a:t>
             </a:r>
             <a:endParaRPr/>
           </a:p>
@@ -16169,373 +15005,24 @@
       </p:sp>
       <p:sp>
         <p:nvSpPr>
-          <p:cNvPr id="121" name="Google Shape;121;p28"/>
+          <p:cNvPr id="130" name="Google Shape;130;p29"/>
           <p:cNvSpPr txBox="1"/>
-          <p:nvPr/>
+          <p:nvPr>
+            <p:ph idx="1" type="body"/>
+          </p:nvPr>
         </p:nvSpPr>
         <p:spPr>
           <a:xfrm>
-            <a:off x="2386525" y="179975"/>
-            <a:ext cx="8139900" cy="2016300"/>
+            <a:off x="144025" y="2459175"/>
+            <a:ext cx="4187700" cy="2684400"/>
           </a:xfrm>
           <a:prstGeom prst="rect">
             <a:avLst/>
           </a:prstGeom>
-          <a:noFill/>
-          <a:ln>
-            <a:noFill/>
-          </a:ln>
         </p:spPr>
         <p:txBody>
           <a:bodyPr anchorCtr="0" anchor="t" bIns="91425" lIns="91425" spcFirstLastPara="1" rIns="91425" wrap="square" tIns="91425">
-            <a:spAutoFit/>
-          </a:bodyPr>
-          <a:lstStyle/>
-          <a:p>
-            <a:pPr indent="0" lvl="0" marL="0" marR="0" rtl="0" algn="l">
-              <a:lnSpc>
-                <a:spcPct val="100000"/>
-              </a:lnSpc>
-              <a:spcBef>
-                <a:spcPts val="600"/>
-              </a:spcBef>
-              <a:spcAft>
-                <a:spcPts val="0"/>
-              </a:spcAft>
-              <a:buClr>
-                <a:schemeClr val="dk1"/>
-              </a:buClr>
-              <a:buSzPts val="1100"/>
-              <a:buFont typeface="Arial"/>
-              <a:buNone/>
-            </a:pPr>
-            <a:r>
-              <a:rPr lang="zh-CN" sz="1050">
-                <a:solidFill>
-                  <a:schemeClr val="dk1"/>
-                </a:solidFill>
-              </a:rPr>
-              <a:t>This is the same as Criminal Justice in Quizlet 8.</a:t>
-            </a:r>
-            <a:endParaRPr sz="1050">
-              <a:solidFill>
-                <a:schemeClr val="dk1"/>
-              </a:solidFill>
-            </a:endParaRPr>
-          </a:p>
-          <a:p>
-            <a:pPr indent="0" lvl="0" marL="0" marR="0" rtl="0" algn="l">
-              <a:lnSpc>
-                <a:spcPct val="100000"/>
-              </a:lnSpc>
-              <a:spcBef>
-                <a:spcPts val="600"/>
-              </a:spcBef>
-              <a:spcAft>
-                <a:spcPts val="0"/>
-              </a:spcAft>
-              <a:buClr>
-                <a:schemeClr val="dk1"/>
-              </a:buClr>
-              <a:buSzPts val="1100"/>
-              <a:buFont typeface="Arial"/>
-              <a:buNone/>
-            </a:pPr>
-            <a:r>
-              <a:rPr b="1" lang="zh-CN" sz="1050">
-                <a:solidFill>
-                  <a:schemeClr val="dk1"/>
-                </a:solidFill>
-              </a:rPr>
-              <a:t>10510:Identifycategorize</a:t>
-            </a:r>
-            <a:r>
-              <a:rPr lang="zh-CN" sz="1050">
-                <a:solidFill>
-                  <a:schemeClr val="dk1"/>
-                </a:solidFill>
-              </a:rPr>
-              <a:t>: Identification of the suspect.</a:t>
-            </a:r>
-            <a:endParaRPr sz="1050">
-              <a:solidFill>
-                <a:schemeClr val="dk1"/>
-              </a:solidFill>
-            </a:endParaRPr>
-          </a:p>
-          <a:p>
-            <a:pPr indent="0" lvl="0" marL="0" marR="0" rtl="0" algn="l">
-              <a:lnSpc>
-                <a:spcPct val="100000"/>
-              </a:lnSpc>
-              <a:spcBef>
-                <a:spcPts val="600"/>
-              </a:spcBef>
-              <a:spcAft>
-                <a:spcPts val="0"/>
-              </a:spcAft>
-              <a:buClr>
-                <a:schemeClr val="dk1"/>
-              </a:buClr>
-              <a:buSzPts val="1100"/>
-              <a:buFont typeface="Arial"/>
-              <a:buNone/>
-            </a:pPr>
-            <a:r>
-              <a:rPr b="1" lang="zh-CN" sz="1050">
-                <a:solidFill>
-                  <a:schemeClr val="dk1"/>
-                </a:solidFill>
-              </a:rPr>
-              <a:t>10511:Contact</a:t>
-            </a:r>
-            <a:r>
-              <a:rPr lang="zh-CN" sz="1050">
-                <a:solidFill>
-                  <a:schemeClr val="dk1"/>
-                </a:solidFill>
-              </a:rPr>
-              <a:t>: Make contact with the suspect</a:t>
-            </a:r>
-            <a:endParaRPr sz="1050">
-              <a:solidFill>
-                <a:schemeClr val="dk1"/>
-              </a:solidFill>
-            </a:endParaRPr>
-          </a:p>
-          <a:p>
-            <a:pPr indent="0" lvl="0" marL="0" marR="0" rtl="0" algn="l">
-              <a:lnSpc>
-                <a:spcPct val="100000"/>
-              </a:lnSpc>
-              <a:spcBef>
-                <a:spcPts val="600"/>
-              </a:spcBef>
-              <a:spcAft>
-                <a:spcPts val="0"/>
-              </a:spcAft>
-              <a:buClr>
-                <a:schemeClr val="dk1"/>
-              </a:buClr>
-              <a:buSzPts val="1100"/>
-              <a:buFont typeface="Arial"/>
-              <a:buNone/>
-            </a:pPr>
-            <a:r>
-              <a:rPr b="1" lang="zh-CN" sz="1050">
-                <a:solidFill>
-                  <a:schemeClr val="dk1"/>
-                </a:solidFill>
-              </a:rPr>
-              <a:t>10512:Arrest</a:t>
-            </a:r>
-            <a:r>
-              <a:rPr lang="zh-CN" sz="1050">
-                <a:solidFill>
-                  <a:schemeClr val="dk1"/>
-                </a:solidFill>
-              </a:rPr>
-              <a:t>: Taking the suspect who violated laws during the outbreak into custody</a:t>
-            </a:r>
-            <a:endParaRPr sz="1050">
-              <a:solidFill>
-                <a:schemeClr val="dk1"/>
-              </a:solidFill>
-            </a:endParaRPr>
-          </a:p>
-          <a:p>
-            <a:pPr indent="0" lvl="0" marL="0" marR="0" rtl="0" algn="l">
-              <a:lnSpc>
-                <a:spcPct val="100000"/>
-              </a:lnSpc>
-              <a:spcBef>
-                <a:spcPts val="600"/>
-              </a:spcBef>
-              <a:spcAft>
-                <a:spcPts val="0"/>
-              </a:spcAft>
-              <a:buClr>
-                <a:schemeClr val="dk1"/>
-              </a:buClr>
-              <a:buSzPts val="1100"/>
-              <a:buFont typeface="Arial"/>
-              <a:buNone/>
-            </a:pPr>
-            <a:r>
-              <a:rPr b="1" lang="zh-CN" sz="1050">
-                <a:solidFill>
-                  <a:schemeClr val="dk1"/>
-                </a:solidFill>
-              </a:rPr>
-              <a:t>10524:Handcuffing</a:t>
-            </a:r>
-            <a:r>
-              <a:rPr lang="zh-CN" sz="1050">
-                <a:solidFill>
-                  <a:schemeClr val="dk1"/>
-                </a:solidFill>
-              </a:rPr>
-              <a:t>: Using handcuffs to secure a suspect who violated law</a:t>
-            </a:r>
-            <a:endParaRPr sz="1050">
-              <a:solidFill>
-                <a:schemeClr val="dk1"/>
-              </a:solidFill>
-            </a:endParaRPr>
-          </a:p>
-          <a:p>
-            <a:pPr indent="0" lvl="0" marL="0" marR="0" rtl="0" algn="l">
-              <a:lnSpc>
-                <a:spcPct val="100000"/>
-              </a:lnSpc>
-              <a:spcBef>
-                <a:spcPts val="600"/>
-              </a:spcBef>
-              <a:spcAft>
-                <a:spcPts val="0"/>
-              </a:spcAft>
-              <a:buClr>
-                <a:schemeClr val="dk1"/>
-              </a:buClr>
-              <a:buSzPts val="1100"/>
-              <a:buFont typeface="Arial"/>
-              <a:buNone/>
-            </a:pPr>
-            <a:r>
-              <a:rPr b="1" lang="zh-CN" sz="1050">
-                <a:solidFill>
-                  <a:schemeClr val="dk1"/>
-                </a:solidFill>
-              </a:rPr>
-              <a:t>10526:Restrain</a:t>
-            </a:r>
-            <a:r>
-              <a:rPr lang="zh-CN" sz="1050">
-                <a:solidFill>
-                  <a:schemeClr val="dk1"/>
-                </a:solidFill>
-              </a:rPr>
-              <a:t>:Physical restraint on the suspect</a:t>
-            </a:r>
-            <a:endParaRPr sz="1050">
-              <a:solidFill>
-                <a:schemeClr val="dk1"/>
-              </a:solidFill>
-            </a:endParaRPr>
-          </a:p>
-          <a:p>
-            <a:pPr indent="0" lvl="0" marL="0" marR="0" rtl="0" algn="l">
-              <a:lnSpc>
-                <a:spcPct val="100000"/>
-              </a:lnSpc>
-              <a:spcBef>
-                <a:spcPts val="600"/>
-              </a:spcBef>
-              <a:spcAft>
-                <a:spcPts val="0"/>
-              </a:spcAft>
-              <a:buClr>
-                <a:schemeClr val="dk1"/>
-              </a:buClr>
-              <a:buSzPts val="1100"/>
-              <a:buFont typeface="Arial"/>
-              <a:buNone/>
-            </a:pPr>
-            <a:r>
-              <a:rPr b="1" lang="zh-CN" sz="1050">
-                <a:solidFill>
-                  <a:schemeClr val="dk1"/>
-                </a:solidFill>
-              </a:rPr>
-              <a:t>10525:Interrogation</a:t>
-            </a:r>
-            <a:r>
-              <a:rPr lang="zh-CN" sz="1050">
-                <a:solidFill>
-                  <a:schemeClr val="dk1"/>
-                </a:solidFill>
-              </a:rPr>
-              <a:t>: Interviewing with the goal of eliciting useful information related to suspected crime</a:t>
-            </a:r>
-            <a:endParaRPr sz="1050">
-              <a:solidFill>
-                <a:schemeClr val="dk1"/>
-              </a:solidFill>
-            </a:endParaRPr>
-          </a:p>
-          <a:p>
-            <a:pPr indent="0" lvl="0" marL="0" marR="0" rtl="0" algn="l">
-              <a:lnSpc>
-                <a:spcPct val="100000"/>
-              </a:lnSpc>
-              <a:spcBef>
-                <a:spcPts val="600"/>
-              </a:spcBef>
-              <a:spcAft>
-                <a:spcPts val="0"/>
-              </a:spcAft>
-              <a:buClr>
-                <a:schemeClr val="dk1"/>
-              </a:buClr>
-              <a:buSzPts val="1100"/>
-              <a:buFont typeface="Arial"/>
-              <a:buNone/>
-            </a:pPr>
-            <a:r>
-              <a:rPr b="1" lang="zh-CN" sz="1050">
-                <a:solidFill>
-                  <a:schemeClr val="dk1"/>
-                </a:solidFill>
-              </a:rPr>
-              <a:t>10513:Inspect</a:t>
-            </a:r>
-            <a:r>
-              <a:rPr lang="zh-CN" sz="1050">
-                <a:solidFill>
-                  <a:schemeClr val="dk1"/>
-                </a:solidFill>
-              </a:rPr>
-              <a:t>: Organized examination or formal evaluation on the suspect</a:t>
-            </a:r>
-            <a:endParaRPr sz="1050">
-              <a:solidFill>
-                <a:schemeClr val="dk1"/>
-              </a:solidFill>
-            </a:endParaRPr>
-          </a:p>
-        </p:txBody>
-      </p:sp>
-      <p:sp>
-        <p:nvSpPr>
-          <p:cNvPr id="122" name="Google Shape;122;p28"/>
-          <p:cNvSpPr/>
-          <p:nvPr/>
-        </p:nvSpPr>
-        <p:spPr>
-          <a:xfrm>
-            <a:off x="109650" y="2238600"/>
-            <a:ext cx="3867600" cy="2591700"/>
-          </a:xfrm>
-          <a:prstGeom prst="snip2DiagRect">
-            <a:avLst>
-              <a:gd fmla="val 50000" name="adj1"/>
-              <a:gd fmla="val 16667" name="adj2"/>
-            </a:avLst>
-          </a:prstGeom>
-          <a:noFill/>
-          <a:ln cap="flat" cmpd="sng" w="76200">
-            <a:solidFill>
-              <a:srgbClr val="FF0000"/>
-            </a:solidFill>
-            <a:prstDash val="solid"/>
-            <a:round/>
-            <a:headEnd len="sm" w="sm" type="none"/>
-            <a:tailEnd len="sm" w="sm" type="none"/>
-          </a:ln>
-        </p:spPr>
-        <p:txBody>
-          <a:bodyPr anchorCtr="0" anchor="ctr" bIns="91425" lIns="91425" spcFirstLastPara="1" rIns="91425" wrap="square" tIns="91425">
-            <a:noAutofit/>
+            <a:normAutofit fontScale="70000" lnSpcReduction="10000"/>
           </a:bodyPr>
           <a:lstStyle/>
           <a:p>
@@ -16549,108 +15036,152 @@
               <a:buNone/>
             </a:pPr>
             <a:r>
-              <a:t/>
+              <a:rPr b="1" lang="zh-CN"/>
+              <a:t>Accusation: </a:t>
+            </a:r>
+            <a:r>
+              <a:rPr lang="zh-CN"/>
+              <a:t>act of accusing or charging another with a crime</a:t>
             </a:r>
             <a:endParaRPr/>
           </a:p>
-        </p:txBody>
-      </p:sp>
-    </p:spTree>
-  </p:cSld>
-  <p:clrMapOvr>
-    <a:masterClrMapping/>
-  </p:clrMapOvr>
-</p:sld>
-</file>
-
-<file path=ppt/slides/slide5.xml><?xml version="1.0" encoding="utf-8"?>
-<p:sld xmlns:a="http://schemas.openxmlformats.org/drawingml/2006/main" xmlns:r="http://schemas.openxmlformats.org/officeDocument/2006/relationships" xmlns:mc="http://schemas.openxmlformats.org/markup-compatibility/2006" xmlns:mv="urn:schemas-microsoft-com:mac:vml" xmlns:p="http://schemas.openxmlformats.org/presentationml/2006/main" xmlns:c="http://schemas.openxmlformats.org/drawingml/2006/chart" xmlns:dgm="http://schemas.openxmlformats.org/drawingml/2006/diagram" xmlns:o="urn:schemas-microsoft-com:office:office" xmlns:v="urn:schemas-microsoft-com:vml" xmlns:pvml="urn:schemas-microsoft-com:office:powerpoint" xmlns:com="http://schemas.openxmlformats.org/drawingml/2006/compatibility" xmlns:p14="http://schemas.microsoft.com/office/powerpoint/2010/main" xmlns:p15="http://schemas.microsoft.com/office/powerpoint/2012/main" xmlns:ahyp="http://schemas.microsoft.com/office/drawing/2018/hyperlinkcolor">
-  <p:cSld>
-    <p:spTree>
-      <p:nvGrpSpPr>
-        <p:cNvPr id="126" name="Shape 126"/>
-        <p:cNvGrpSpPr/>
-        <p:nvPr/>
-      </p:nvGrpSpPr>
-      <p:grpSpPr>
-        <a:xfrm>
-          <a:off x="0" y="0"/>
-          <a:ext cx="0" cy="0"/>
-          <a:chOff x="0" y="0"/>
-          <a:chExt cx="0" cy="0"/>
-        </a:xfrm>
-      </p:grpSpPr>
-      <p:pic>
-        <p:nvPicPr>
-          <p:cNvPr id="127" name="Google Shape;127;p29"/>
-          <p:cNvPicPr preferRelativeResize="0"/>
-          <p:nvPr/>
-        </p:nvPicPr>
-        <p:blipFill>
-          <a:blip r:embed="rId3">
-            <a:alphaModFix/>
-          </a:blip>
-          <a:stretch>
-            <a:fillRect/>
-          </a:stretch>
-        </p:blipFill>
-        <p:spPr>
-          <a:xfrm>
-            <a:off x="2762113" y="1950475"/>
-            <a:ext cx="5810579" cy="2931000"/>
-          </a:xfrm>
-          <a:prstGeom prst="rect">
-            <a:avLst/>
-          </a:prstGeom>
-          <a:noFill/>
-          <a:ln>
-            <a:noFill/>
-          </a:ln>
-        </p:spPr>
-      </p:pic>
-      <p:sp>
-        <p:nvSpPr>
-          <p:cNvPr id="128" name="Google Shape;128;p29"/>
-          <p:cNvSpPr txBox="1"/>
-          <p:nvPr>
-            <p:ph type="title"/>
-          </p:nvPr>
-        </p:nvSpPr>
-        <p:spPr>
-          <a:xfrm>
-            <a:off x="311700" y="-88375"/>
-            <a:ext cx="8520600" cy="572700"/>
-          </a:xfrm>
-          <a:prstGeom prst="rect">
-            <a:avLst/>
-          </a:prstGeom>
-          <a:noFill/>
-          <a:ln>
-            <a:noFill/>
-          </a:ln>
-        </p:spPr>
-        <p:txBody>
-          <a:bodyPr anchorCtr="0" anchor="t" bIns="91425" lIns="91425" spcFirstLastPara="1" rIns="91425" wrap="square" tIns="91425">
-            <a:normAutofit fontScale="90000"/>
-          </a:bodyPr>
-          <a:lstStyle/>
           <a:p>
             <a:pPr indent="0" lvl="0" marL="0" rtl="0" algn="l">
-              <a:lnSpc>
-                <a:spcPct val="100000"/>
-              </a:lnSpc>
-              <a:spcBef>
-                <a:spcPts val="0"/>
-              </a:spcBef>
-              <a:spcAft>
-                <a:spcPts val="0"/>
-              </a:spcAft>
-              <a:buSzPct val="111111"/>
+              <a:spcBef>
+                <a:spcPts val="1200"/>
+              </a:spcBef>
+              <a:spcAft>
+                <a:spcPts val="0"/>
+              </a:spcAft>
               <a:buNone/>
             </a:pPr>
             <a:r>
+              <a:rPr b="1" lang="zh-CN"/>
+              <a:t>Detention: </a:t>
+            </a:r>
+            <a:r>
               <a:rPr lang="zh-CN"/>
-              <a:t>Justice</a:t>
+              <a:t>removal of the freedom of liberty by a state</a:t>
+            </a:r>
+            <a:endParaRPr/>
+          </a:p>
+          <a:p>
+            <a:pPr indent="0" lvl="0" marL="0" rtl="0" algn="l">
+              <a:spcBef>
+                <a:spcPts val="1200"/>
+              </a:spcBef>
+              <a:spcAft>
+                <a:spcPts val="0"/>
+              </a:spcAft>
+              <a:buNone/>
+            </a:pPr>
+            <a:r>
+              <a:rPr b="1" lang="zh-CN"/>
+              <a:t>Conviction: </a:t>
+            </a:r>
+            <a:r>
+              <a:rPr lang="zh-CN"/>
+              <a:t>verdict that results when a court of law finds a defendant guilty of a crime</a:t>
+            </a:r>
+            <a:endParaRPr/>
+          </a:p>
+          <a:p>
+            <a:pPr indent="0" lvl="0" marL="0" rtl="0" algn="l">
+              <a:spcBef>
+                <a:spcPts val="1200"/>
+              </a:spcBef>
+              <a:spcAft>
+                <a:spcPts val="0"/>
+              </a:spcAft>
+              <a:buNone/>
+            </a:pPr>
+            <a:r>
+              <a:rPr b="1" lang="zh-CN"/>
+              <a:t>Plea: </a:t>
+            </a:r>
+            <a:r>
+              <a:rPr lang="zh-CN"/>
+              <a:t>answer to a claim made by someone in a criminal case under common law using the adversarial system</a:t>
+            </a:r>
+            <a:endParaRPr/>
+          </a:p>
+          <a:p>
+            <a:pPr indent="0" lvl="0" marL="0" rtl="0" algn="l">
+              <a:spcBef>
+                <a:spcPts val="1200"/>
+              </a:spcBef>
+              <a:spcAft>
+                <a:spcPts val="0"/>
+              </a:spcAft>
+              <a:buNone/>
+            </a:pPr>
+            <a:r>
+              <a:rPr b="1" lang="zh-CN"/>
+              <a:t>Trial: </a:t>
+            </a:r>
+            <a:r>
+              <a:rPr lang="zh-CN"/>
+              <a:t>coming together of parties to a dispute, to present information in a tribunal</a:t>
+            </a:r>
+            <a:endParaRPr/>
+          </a:p>
+          <a:p>
+            <a:pPr indent="0" lvl="0" marL="0" rtl="0" algn="l">
+              <a:spcBef>
+                <a:spcPts val="1200"/>
+              </a:spcBef>
+              <a:spcAft>
+                <a:spcPts val="0"/>
+              </a:spcAft>
+              <a:buNone/>
+            </a:pPr>
+            <a:r>
+              <a:rPr b="1" lang="zh-CN"/>
+              <a:t>Legal hearing: </a:t>
+            </a:r>
+            <a:r>
+              <a:rPr lang="zh-CN"/>
+              <a:t>A legal hearing</a:t>
+            </a:r>
+            <a:endParaRPr/>
+          </a:p>
+          <a:p>
+            <a:pPr indent="0" lvl="0" marL="0" rtl="0" algn="l">
+              <a:spcBef>
+                <a:spcPts val="1200"/>
+              </a:spcBef>
+              <a:spcAft>
+                <a:spcPts val="0"/>
+              </a:spcAft>
+              <a:buNone/>
+            </a:pPr>
+            <a:r>
+              <a:rPr b="1" lang="zh-CN"/>
+              <a:t>Court decision: </a:t>
+            </a:r>
+            <a:r>
+              <a:rPr lang="zh-CN"/>
+              <a:t>formal decision made by a court</a:t>
+            </a:r>
+            <a:endParaRPr/>
+          </a:p>
+          <a:p>
+            <a:pPr indent="0" lvl="0" marL="0" rtl="0" algn="l">
+              <a:spcBef>
+                <a:spcPts val="1200"/>
+              </a:spcBef>
+              <a:spcAft>
+                <a:spcPts val="1200"/>
+              </a:spcAft>
+              <a:buNone/>
+            </a:pPr>
+            <a:r>
+              <a:rPr b="1" lang="zh-CN"/>
+              <a:t>Acquittal: </a:t>
+            </a:r>
+            <a:r>
+              <a:rPr lang="zh-CN"/>
+              <a:t>the legal result of a verdict of not guilty</a:t>
             </a:r>
             <a:endParaRPr/>
           </a:p>
@@ -16658,35 +15189,30 @@
       </p:sp>
       <p:sp>
         <p:nvSpPr>
-          <p:cNvPr id="129" name="Google Shape;129;p29"/>
+          <p:cNvPr id="131" name="Google Shape;131;p29"/>
           <p:cNvSpPr txBox="1"/>
-          <p:nvPr/>
+          <p:nvPr>
+            <p:ph idx="1" type="body"/>
+          </p:nvPr>
         </p:nvSpPr>
         <p:spPr>
           <a:xfrm>
-            <a:off x="432800" y="502500"/>
-            <a:ext cx="8139900" cy="2416500"/>
+            <a:off x="4613600" y="3333400"/>
+            <a:ext cx="4187700" cy="1809900"/>
           </a:xfrm>
           <a:prstGeom prst="rect">
             <a:avLst/>
           </a:prstGeom>
-          <a:noFill/>
-          <a:ln>
-            <a:noFill/>
-          </a:ln>
         </p:spPr>
         <p:txBody>
           <a:bodyPr anchorCtr="0" anchor="t" bIns="91425" lIns="91425" spcFirstLastPara="1" rIns="91425" wrap="square" tIns="91425">
-            <a:spAutoFit/>
+            <a:normAutofit fontScale="70000" lnSpcReduction="20000"/>
           </a:bodyPr>
           <a:lstStyle/>
           <a:p>
-            <a:pPr indent="0" lvl="0" marL="0" marR="0" rtl="0" algn="l">
-              <a:lnSpc>
-                <a:spcPct val="100000"/>
-              </a:lnSpc>
-              <a:spcBef>
-                <a:spcPts val="600"/>
+            <a:pPr indent="0" lvl="0" marL="0" rtl="0" algn="l">
+              <a:spcBef>
+                <a:spcPts val="0"/>
               </a:spcBef>
               <a:spcAft>
                 <a:spcPts val="0"/>
@@ -16694,407 +15220,119 @@
               <a:buClr>
                 <a:schemeClr val="dk1"/>
               </a:buClr>
-              <a:buSzPts val="1100"/>
+              <a:buSzPct val="91666"/>
               <a:buFont typeface="Arial"/>
               <a:buNone/>
             </a:pPr>
             <a:r>
-              <a:rPr lang="zh-CN" sz="1050">
-                <a:solidFill>
-                  <a:schemeClr val="dk1"/>
-                </a:solidFill>
-              </a:rPr>
-              <a:t>This is the same as Criminal Justice in Quizlet 8.</a:t>
+              <a:rPr b="1" lang="zh-CN"/>
+              <a:t>Sentence: </a:t>
             </a:r>
-            <a:endParaRPr sz="1050">
-              <a:solidFill>
-                <a:schemeClr val="dk1"/>
-              </a:solidFill>
-            </a:endParaRPr>
+            <a:r>
+              <a:rPr lang="zh-CN"/>
+              <a:t>decree of punishment in law</a:t>
+            </a:r>
+            <a:endParaRPr b="1"/>
           </a:p>
           <a:p>
-            <a:pPr indent="0" lvl="0" marL="0" marR="0" rtl="0" algn="l">
-              <a:lnSpc>
-                <a:spcPct val="100000"/>
-              </a:lnSpc>
-              <a:spcBef>
-                <a:spcPts val="600"/>
-              </a:spcBef>
-              <a:spcAft>
-                <a:spcPts val="0"/>
-              </a:spcAft>
-              <a:buClr>
-                <a:schemeClr val="dk1"/>
-              </a:buClr>
-              <a:buSzPts val="1100"/>
-              <a:buFont typeface="Arial"/>
+            <a:pPr indent="0" lvl="0" marL="0" rtl="0" algn="l">
+              <a:spcBef>
+                <a:spcPts val="1200"/>
+              </a:spcBef>
+              <a:spcAft>
+                <a:spcPts val="0"/>
+              </a:spcAft>
               <a:buNone/>
             </a:pPr>
             <a:r>
-              <a:rPr b="1" lang="zh-CN" sz="1050">
-                <a:solidFill>
-                  <a:schemeClr val="dk1"/>
-                </a:solidFill>
-              </a:rPr>
-              <a:t>10514:</a:t>
+              <a:rPr b="1" lang="zh-CN"/>
+              <a:t>Break up the business: </a:t>
             </a:r>
             <a:r>
-              <a:rPr b="1" lang="zh-CN" sz="1050">
-                <a:solidFill>
-                  <a:schemeClr val="dk1"/>
-                </a:solidFill>
-              </a:rPr>
-              <a:t>Initiate Judicial Process</a:t>
+              <a:rPr lang="zh-CN"/>
+              <a:t>Government breaks company up into multiple, smaller companies</a:t>
+            </a:r>
+            <a:endParaRPr/>
+          </a:p>
+          <a:p>
+            <a:pPr indent="0" lvl="0" marL="0" rtl="0" algn="l">
+              <a:spcBef>
+                <a:spcPts val="1200"/>
+              </a:spcBef>
+              <a:spcAft>
+                <a:spcPts val="0"/>
+              </a:spcAft>
+              <a:buNone/>
+            </a:pPr>
+            <a:r>
+              <a:rPr b="1" lang="zh-CN"/>
+              <a:t>Fine the business: </a:t>
             </a:r>
             <a:r>
-              <a:rPr lang="zh-CN" sz="1050">
-                <a:solidFill>
-                  <a:schemeClr val="dk1"/>
-                </a:solidFill>
-              </a:rPr>
-              <a:t>: Initiate a legal proceeding on the suspect.</a:t>
+              <a:rPr lang="zh-CN"/>
+              <a:t>Government fines the business</a:t>
             </a:r>
-            <a:endParaRPr sz="1050">
-              <a:solidFill>
-                <a:schemeClr val="dk1"/>
-              </a:solidFill>
-            </a:endParaRPr>
+            <a:endParaRPr/>
           </a:p>
           <a:p>
-            <a:pPr indent="0" lvl="0" marL="0" marR="0" rtl="0" algn="l">
-              <a:lnSpc>
-                <a:spcPct val="100000"/>
-              </a:lnSpc>
-              <a:spcBef>
-                <a:spcPts val="600"/>
-              </a:spcBef>
-              <a:spcAft>
-                <a:spcPts val="0"/>
-              </a:spcAft>
-              <a:buClr>
-                <a:schemeClr val="dk1"/>
-              </a:buClr>
-              <a:buSzPts val="1100"/>
-              <a:buFont typeface="Arial"/>
+            <a:pPr indent="0" lvl="0" marL="0" rtl="0" algn="l">
+              <a:spcBef>
+                <a:spcPts val="1200"/>
+              </a:spcBef>
+              <a:spcAft>
+                <a:spcPts val="0"/>
+              </a:spcAft>
               <a:buNone/>
             </a:pPr>
             <a:r>
-              <a:rPr b="1" lang="zh-CN" sz="1050">
-                <a:solidFill>
-                  <a:schemeClr val="dk1"/>
-                </a:solidFill>
-              </a:rPr>
-              <a:t>10515:</a:t>
+              <a:rPr b="1" lang="zh-CN"/>
+              <a:t>Arrest executive: </a:t>
             </a:r>
             <a:r>
-              <a:rPr b="1" lang="zh-CN" sz="1050">
-                <a:solidFill>
-                  <a:schemeClr val="dk1"/>
-                </a:solidFill>
-              </a:rPr>
-              <a:t>ChargeIndict</a:t>
+              <a:rPr lang="zh-CN"/>
+              <a:t>Goverment arrests an executive of the company</a:t>
+            </a:r>
+            <a:endParaRPr/>
+          </a:p>
+          <a:p>
+            <a:pPr indent="0" lvl="0" marL="0" rtl="0" algn="l">
+              <a:spcBef>
+                <a:spcPts val="1200"/>
+              </a:spcBef>
+              <a:spcAft>
+                <a:spcPts val="0"/>
+              </a:spcAft>
+              <a:buNone/>
+            </a:pPr>
+            <a:r>
+              <a:rPr b="1" lang="zh-CN"/>
+              <a:t>Parole: </a:t>
             </a:r>
             <a:r>
-              <a:rPr lang="zh-CN" sz="1050">
-                <a:solidFill>
-                  <a:schemeClr val="dk1"/>
-                </a:solidFill>
-              </a:rPr>
-              <a:t>: Formal accusation made by a governmental authority on the suspect.</a:t>
+              <a:rPr lang="zh-CN"/>
+              <a:t>Executive goes on parole</a:t>
             </a:r>
-            <a:endParaRPr sz="1050">
-              <a:solidFill>
-                <a:schemeClr val="dk1"/>
-              </a:solidFill>
-            </a:endParaRPr>
+            <a:endParaRPr/>
           </a:p>
           <a:p>
-            <a:pPr indent="0" lvl="0" marL="0" marR="0" rtl="0" algn="l">
-              <a:lnSpc>
-                <a:spcPct val="100000"/>
-              </a:lnSpc>
-              <a:spcBef>
-                <a:spcPts val="600"/>
-              </a:spcBef>
-              <a:spcAft>
-                <a:spcPts val="0"/>
-              </a:spcAft>
-              <a:buClr>
-                <a:schemeClr val="dk1"/>
-              </a:buClr>
-              <a:buSzPts val="1100"/>
-              <a:buFont typeface="Arial"/>
+            <a:pPr indent="0" lvl="0" marL="0" rtl="0" algn="l">
+              <a:spcBef>
+                <a:spcPts val="1200"/>
+              </a:spcBef>
+              <a:spcAft>
+                <a:spcPts val="1200"/>
+              </a:spcAft>
               <a:buNone/>
             </a:pPr>
             <a:r>
-              <a:rPr b="1" lang="zh-CN" sz="1050">
-                <a:solidFill>
-                  <a:schemeClr val="dk1"/>
-                </a:solidFill>
-              </a:rPr>
-              <a:t>10516:</a:t>
+              <a:rPr b="1" lang="zh-CN"/>
+              <a:t>Release from Jail: </a:t>
             </a:r>
             <a:r>
-              <a:rPr b="1" lang="zh-CN" sz="1050">
-                <a:solidFill>
-                  <a:schemeClr val="dk1"/>
-                </a:solidFill>
-              </a:rPr>
-              <a:t>Trial</a:t>
+              <a:rPr lang="zh-CN"/>
+              <a:t>Executive is officially released</a:t>
             </a:r>
-            <a:r>
-              <a:rPr lang="zh-CN" sz="1050">
-                <a:solidFill>
-                  <a:schemeClr val="dk1"/>
-                </a:solidFill>
-              </a:rPr>
-              <a:t>: Coming together of parties to a dispute, to present information in a tribunals on the case.</a:t>
-            </a:r>
-            <a:endParaRPr sz="1050">
-              <a:solidFill>
-                <a:schemeClr val="dk1"/>
-              </a:solidFill>
-            </a:endParaRPr>
-          </a:p>
-          <a:p>
-            <a:pPr indent="0" lvl="0" marL="0" marR="0" rtl="0" algn="l">
-              <a:lnSpc>
-                <a:spcPct val="100000"/>
-              </a:lnSpc>
-              <a:spcBef>
-                <a:spcPts val="600"/>
-              </a:spcBef>
-              <a:spcAft>
-                <a:spcPts val="0"/>
-              </a:spcAft>
-              <a:buClr>
-                <a:schemeClr val="dk1"/>
-              </a:buClr>
-              <a:buSzPts val="1100"/>
-              <a:buFont typeface="Arial"/>
-              <a:buNone/>
-            </a:pPr>
-            <a:r>
-              <a:rPr b="1" lang="zh-CN" sz="1050">
-                <a:solidFill>
-                  <a:schemeClr val="dk1"/>
-                </a:solidFill>
-              </a:rPr>
-              <a:t>10521:</a:t>
-            </a:r>
-            <a:r>
-              <a:rPr b="1" lang="zh-CN" sz="1050">
-                <a:solidFill>
-                  <a:schemeClr val="dk1"/>
-                </a:solidFill>
-              </a:rPr>
-              <a:t>Acquit</a:t>
-            </a:r>
-            <a:r>
-              <a:rPr lang="zh-CN" sz="1050">
-                <a:solidFill>
-                  <a:schemeClr val="dk1"/>
-                </a:solidFill>
-              </a:rPr>
-              <a:t>: In common law jurisdictions, an acquittal certifies that the accused is free from the charge of an offense, as far as the criminal law is concerned</a:t>
-            </a:r>
-            <a:endParaRPr sz="1050">
-              <a:solidFill>
-                <a:schemeClr val="dk1"/>
-              </a:solidFill>
-            </a:endParaRPr>
-          </a:p>
-          <a:p>
-            <a:pPr indent="0" lvl="0" marL="0" marR="0" rtl="0" algn="l">
-              <a:lnSpc>
-                <a:spcPct val="100000"/>
-              </a:lnSpc>
-              <a:spcBef>
-                <a:spcPts val="600"/>
-              </a:spcBef>
-              <a:spcAft>
-                <a:spcPts val="0"/>
-              </a:spcAft>
-              <a:buClr>
-                <a:schemeClr val="dk1"/>
-              </a:buClr>
-              <a:buSzPts val="1100"/>
-              <a:buFont typeface="Arial"/>
-              <a:buNone/>
-            </a:pPr>
-            <a:r>
-              <a:rPr b="1" lang="zh-CN" sz="1050">
-                <a:solidFill>
-                  <a:schemeClr val="dk1"/>
-                </a:solidFill>
-              </a:rPr>
-              <a:t>10517:</a:t>
-            </a:r>
-            <a:r>
-              <a:rPr b="1" lang="zh-CN" sz="1050">
-                <a:solidFill>
-                  <a:schemeClr val="dk1"/>
-                </a:solidFill>
-              </a:rPr>
-              <a:t>Convict</a:t>
-            </a:r>
-            <a:r>
-              <a:rPr lang="zh-CN" sz="1050">
-                <a:solidFill>
-                  <a:schemeClr val="dk1"/>
-                </a:solidFill>
-              </a:rPr>
-              <a:t>: A state or private citizen lawfully holds the criminal responsible by removing their freedom or liberty at that time.</a:t>
-            </a:r>
-            <a:endParaRPr sz="1050">
-              <a:solidFill>
-                <a:schemeClr val="dk1"/>
-              </a:solidFill>
-            </a:endParaRPr>
-          </a:p>
-          <a:p>
-            <a:pPr indent="0" lvl="0" marL="0" marR="0" rtl="0" algn="l">
-              <a:lnSpc>
-                <a:spcPct val="100000"/>
-              </a:lnSpc>
-              <a:spcBef>
-                <a:spcPts val="600"/>
-              </a:spcBef>
-              <a:spcAft>
-                <a:spcPts val="0"/>
-              </a:spcAft>
-              <a:buClr>
-                <a:schemeClr val="dk1"/>
-              </a:buClr>
-              <a:buSzPts val="1100"/>
-              <a:buFont typeface="Arial"/>
-              <a:buNone/>
-            </a:pPr>
-            <a:r>
-              <a:rPr b="1" lang="zh-CN" sz="1050">
-                <a:solidFill>
-                  <a:schemeClr val="dk1"/>
-                </a:solidFill>
-              </a:rPr>
-              <a:t>10518:</a:t>
-            </a:r>
-            <a:r>
-              <a:rPr b="1" lang="zh-CN" sz="1050">
-                <a:solidFill>
-                  <a:schemeClr val="dk1"/>
-                </a:solidFill>
-              </a:rPr>
-              <a:t>Sentence</a:t>
-            </a:r>
-            <a:r>
-              <a:rPr lang="zh-CN" sz="1050">
-                <a:solidFill>
-                  <a:schemeClr val="dk1"/>
-                </a:solidFill>
-              </a:rPr>
-              <a:t>: </a:t>
-            </a:r>
-            <a:endParaRPr sz="1050">
-              <a:solidFill>
-                <a:schemeClr val="dk1"/>
-              </a:solidFill>
-            </a:endParaRPr>
-          </a:p>
-          <a:p>
-            <a:pPr indent="0" lvl="0" marL="0" marR="0" rtl="0" algn="l">
-              <a:lnSpc>
-                <a:spcPct val="100000"/>
-              </a:lnSpc>
-              <a:spcBef>
-                <a:spcPts val="600"/>
-              </a:spcBef>
-              <a:spcAft>
-                <a:spcPts val="0"/>
-              </a:spcAft>
-              <a:buClr>
-                <a:schemeClr val="dk1"/>
-              </a:buClr>
-              <a:buSzPts val="1100"/>
-              <a:buFont typeface="Arial"/>
-              <a:buNone/>
-            </a:pPr>
-            <a:r>
-              <a:rPr b="1" lang="zh-CN" sz="1050">
-                <a:solidFill>
-                  <a:schemeClr val="dk1"/>
-                </a:solidFill>
-              </a:rPr>
-              <a:t>10519:</a:t>
-            </a:r>
-            <a:r>
-              <a:rPr b="1" lang="zh-CN" sz="1050">
-                <a:solidFill>
-                  <a:schemeClr val="dk1"/>
-                </a:solidFill>
-              </a:rPr>
-              <a:t>Detain</a:t>
-            </a:r>
-            <a:r>
-              <a:rPr lang="zh-CN" sz="1050">
-                <a:solidFill>
-                  <a:schemeClr val="dk1"/>
-                </a:solidFill>
-              </a:rPr>
-              <a:t>: </a:t>
-            </a:r>
-            <a:endParaRPr sz="1050">
-              <a:solidFill>
-                <a:schemeClr val="dk1"/>
-              </a:solidFill>
-            </a:endParaRPr>
-          </a:p>
-          <a:p>
-            <a:pPr indent="0" lvl="0" marL="0" marR="0" rtl="0" algn="l">
-              <a:lnSpc>
-                <a:spcPct val="100000"/>
-              </a:lnSpc>
-              <a:spcBef>
-                <a:spcPts val="600"/>
-              </a:spcBef>
-              <a:spcAft>
-                <a:spcPts val="0"/>
-              </a:spcAft>
-              <a:buClr>
-                <a:schemeClr val="dk1"/>
-              </a:buClr>
-              <a:buSzPts val="1100"/>
-              <a:buFont typeface="Arial"/>
-              <a:buNone/>
-            </a:pPr>
-            <a:r>
-              <a:rPr b="1" lang="zh-CN" sz="1050">
-                <a:solidFill>
-                  <a:schemeClr val="dk1"/>
-                </a:solidFill>
-              </a:rPr>
-              <a:t>10520:</a:t>
-            </a:r>
-            <a:r>
-              <a:rPr b="1" lang="zh-CN" sz="1050">
-                <a:solidFill>
-                  <a:schemeClr val="dk1"/>
-                </a:solidFill>
-              </a:rPr>
-              <a:t>Release Parole</a:t>
-            </a:r>
-            <a:r>
-              <a:rPr lang="zh-CN" sz="1050">
-                <a:solidFill>
-                  <a:schemeClr val="dk1"/>
-                </a:solidFill>
-              </a:rPr>
-              <a:t>: Release or early release of the criminal responsible. </a:t>
-            </a:r>
-            <a:endParaRPr sz="1050">
-              <a:solidFill>
-                <a:schemeClr val="dk1"/>
-              </a:solidFill>
-            </a:endParaRPr>
+            <a:endParaRPr/>
           </a:p>
         </p:txBody>
       </p:sp>
@@ -17111,7 +15349,7 @@
   <p:cSld>
     <p:spTree>
       <p:nvGrpSpPr>
-        <p:cNvPr id="133" name="Shape 133"/>
+        <p:cNvPr id="135" name="Shape 135"/>
         <p:cNvGrpSpPr/>
         <p:nvPr/>
       </p:nvGrpSpPr>
@@ -17125,22 +15363,21 @@
       </p:grpSpPr>
       <p:pic>
         <p:nvPicPr>
-          <p:cNvPr id="134" name="Google Shape;134;p30"/>
+          <p:cNvPr id="136" name="Google Shape;136;p30"/>
           <p:cNvPicPr preferRelativeResize="0"/>
           <p:nvPr/>
         </p:nvPicPr>
-        <p:blipFill>
+        <p:blipFill rotWithShape="1">
           <a:blip r:embed="rId3">
             <a:alphaModFix/>
           </a:blip>
-          <a:stretch>
-            <a:fillRect/>
-          </a:stretch>
+          <a:srcRect b="8816" l="0" r="0" t="10225"/>
+          <a:stretch/>
         </p:blipFill>
         <p:spPr>
           <a:xfrm>
-            <a:off x="2085200" y="1907700"/>
-            <a:ext cx="4835080" cy="3253975"/>
+            <a:off x="2697975" y="0"/>
+            <a:ext cx="6413373" cy="3874099"/>
           </a:xfrm>
           <a:prstGeom prst="rect">
             <a:avLst/>
@@ -17153,7 +15390,7 @@
       </p:pic>
       <p:sp>
         <p:nvSpPr>
-          <p:cNvPr id="135" name="Google Shape;135;p30"/>
+          <p:cNvPr id="137" name="Google Shape;137;p30"/>
           <p:cNvSpPr txBox="1"/>
           <p:nvPr>
             <p:ph type="title"/>
@@ -17161,39 +15398,31 @@
         </p:nvSpPr>
         <p:spPr>
           <a:xfrm>
-            <a:off x="311700" y="64025"/>
-            <a:ext cx="8520600" cy="572700"/>
+            <a:off x="311700" y="118500"/>
+            <a:ext cx="2808000" cy="755700"/>
           </a:xfrm>
           <a:prstGeom prst="rect">
             <a:avLst/>
           </a:prstGeom>
-          <a:noFill/>
-          <a:ln>
-            <a:noFill/>
-          </a:ln>
         </p:spPr>
         <p:txBody>
-          <a:bodyPr anchorCtr="0" anchor="t" bIns="91425" lIns="91425" spcFirstLastPara="1" rIns="91425" wrap="square" tIns="91425">
-            <a:normAutofit fontScale="90000"/>
+          <a:bodyPr anchorCtr="0" anchor="b" bIns="91425" lIns="91425" spcFirstLastPara="1" rIns="91425" wrap="square" tIns="91425">
+            <a:normAutofit/>
           </a:bodyPr>
           <a:lstStyle/>
           <a:p>
             <a:pPr indent="0" lvl="0" marL="0" rtl="0" algn="l">
-              <a:lnSpc>
-                <a:spcPct val="100000"/>
-              </a:lnSpc>
-              <a:spcBef>
-                <a:spcPts val="0"/>
-              </a:spcBef>
-              <a:spcAft>
-                <a:spcPts val="0"/>
-              </a:spcAft>
-              <a:buSzPct val="111111"/>
+              <a:spcBef>
+                <a:spcPts val="0"/>
+              </a:spcBef>
+              <a:spcAft>
+                <a:spcPts val="0"/>
+              </a:spcAft>
               <a:buNone/>
             </a:pPr>
             <a:r>
               <a:rPr lang="zh-CN"/>
-              <a:t>Corporate Criminal Inquiry</a:t>
+              <a:t>Bankruptcy</a:t>
             </a:r>
             <a:endParaRPr/>
           </a:p>
@@ -17201,35 +15430,70 @@
       </p:sp>
       <p:sp>
         <p:nvSpPr>
-          <p:cNvPr id="136" name="Google Shape;136;p30"/>
+          <p:cNvPr id="138" name="Google Shape;138;p30"/>
           <p:cNvSpPr txBox="1"/>
-          <p:nvPr/>
+          <p:nvPr>
+            <p:ph idx="1" type="body"/>
+          </p:nvPr>
         </p:nvSpPr>
         <p:spPr>
           <a:xfrm>
-            <a:off x="432800" y="502500"/>
-            <a:ext cx="8139900" cy="2019000"/>
+            <a:off x="0" y="874200"/>
+            <a:ext cx="2808000" cy="4269300"/>
           </a:xfrm>
           <a:prstGeom prst="rect">
             <a:avLst/>
           </a:prstGeom>
-          <a:noFill/>
-          <a:ln>
-            <a:noFill/>
-          </a:ln>
         </p:spPr>
         <p:txBody>
           <a:bodyPr anchorCtr="0" anchor="t" bIns="91425" lIns="91425" spcFirstLastPara="1" rIns="91425" wrap="square" tIns="91425">
-            <a:spAutoFit/>
+            <a:normAutofit fontScale="77500" lnSpcReduction="20000"/>
           </a:bodyPr>
           <a:lstStyle/>
           <a:p>
-            <a:pPr indent="0" lvl="0" marL="0" marR="0" rtl="0" algn="l">
-              <a:lnSpc>
-                <a:spcPct val="115000"/>
-              </a:lnSpc>
-              <a:spcBef>
-                <a:spcPts val="0"/>
+            <a:pPr indent="0" lvl="0" marL="0" rtl="0" algn="l">
+              <a:spcBef>
+                <a:spcPts val="0"/>
+              </a:spcBef>
+              <a:spcAft>
+                <a:spcPts val="0"/>
+              </a:spcAft>
+              <a:buNone/>
+            </a:pPr>
+            <a:r>
+              <a:rPr b="1" lang="zh-CN"/>
+              <a:t>Apply for bankruptcy: </a:t>
+            </a:r>
+            <a:r>
+              <a:rPr lang="zh-CN"/>
+              <a:t>Company officially applies for bankruptcy</a:t>
+            </a:r>
+            <a:endParaRPr/>
+          </a:p>
+          <a:p>
+            <a:pPr indent="0" lvl="0" marL="0" rtl="0" algn="l">
+              <a:spcBef>
+                <a:spcPts val="1200"/>
+              </a:spcBef>
+              <a:spcAft>
+                <a:spcPts val="0"/>
+              </a:spcAft>
+              <a:buNone/>
+            </a:pPr>
+            <a:r>
+              <a:rPr b="1" lang="zh-CN"/>
+              <a:t>Bankruptcy approval: </a:t>
+            </a:r>
+            <a:r>
+              <a:rPr lang="zh-CN"/>
+              <a:t>Government approves the bankruptcy</a:t>
+            </a:r>
+            <a:endParaRPr/>
+          </a:p>
+          <a:p>
+            <a:pPr indent="0" lvl="0" marL="0" rtl="0" algn="l">
+              <a:spcBef>
+                <a:spcPts val="1200"/>
               </a:spcBef>
               <a:spcAft>
                 <a:spcPts val="0"/>
@@ -17237,363 +15501,159 @@
               <a:buClr>
                 <a:schemeClr val="dk1"/>
               </a:buClr>
-              <a:buSzPts val="1100"/>
+              <a:buSzPct val="91666"/>
               <a:buFont typeface="Arial"/>
               <a:buNone/>
             </a:pPr>
             <a:r>
-              <a:rPr b="1" lang="zh-CN" sz="1050">
-                <a:solidFill>
-                  <a:schemeClr val="dk1"/>
-                </a:solidFill>
-              </a:rPr>
-              <a:t>10492:Corporate Criminal Response</a:t>
+              <a:rPr b="1" lang="zh-CN"/>
+              <a:t>Bankruptcy rejection: </a:t>
             </a:r>
             <a:r>
-              <a:rPr b="0" i="0" lang="zh-CN" sz="1050" u="none" cap="none" strike="noStrike">
-                <a:solidFill>
-                  <a:schemeClr val="dk1"/>
-                </a:solidFill>
-                <a:latin typeface="Arial"/>
-                <a:ea typeface="Arial"/>
-                <a:cs typeface="Arial"/>
-                <a:sym typeface="Arial"/>
-              </a:rPr>
-              <a:t>: A response to a corporate criminal investigation. </a:t>
+              <a:rPr lang="zh-CN"/>
+              <a:t>Government rejects the bankruptcy</a:t>
             </a:r>
-            <a:r>
-              <a:rPr lang="zh-CN" sz="1050">
-                <a:solidFill>
-                  <a:schemeClr val="dk1"/>
-                </a:solidFill>
-              </a:rPr>
-              <a:t>Created to distinguish from criminal response against people.</a:t>
-            </a:r>
-            <a:endParaRPr sz="1050">
-              <a:solidFill>
-                <a:schemeClr val="dk1"/>
-              </a:solidFill>
-            </a:endParaRPr>
+            <a:endParaRPr/>
           </a:p>
           <a:p>
             <a:pPr indent="0" lvl="0" marL="0" rtl="0" algn="l">
-              <a:lnSpc>
-                <a:spcPct val="115000"/>
-              </a:lnSpc>
-              <a:spcBef>
-                <a:spcPts val="0"/>
-              </a:spcBef>
-              <a:spcAft>
-                <a:spcPts val="0"/>
-              </a:spcAft>
-              <a:buClr>
-                <a:schemeClr val="dk1"/>
-              </a:buClr>
-              <a:buSzPts val="1100"/>
-              <a:buFont typeface="Arial"/>
+              <a:spcBef>
+                <a:spcPts val="1200"/>
+              </a:spcBef>
+              <a:spcAft>
+                <a:spcPts val="0"/>
+              </a:spcAft>
               <a:buNone/>
             </a:pPr>
             <a:r>
-              <a:rPr b="1" lang="zh-CN" sz="1050">
-                <a:solidFill>
-                  <a:schemeClr val="dk1"/>
-                </a:solidFill>
-              </a:rPr>
-              <a:t>10503:CorporateCriminalXOR</a:t>
+              <a:rPr b="1" lang="zh-CN"/>
+              <a:t>Appoint trustee: </a:t>
             </a:r>
             <a:r>
-              <a:rPr lang="zh-CN" sz="1050">
-                <a:solidFill>
-                  <a:schemeClr val="dk1"/>
-                </a:solidFill>
-              </a:rPr>
-              <a:t>: Node to enable XOR children.</a:t>
+              <a:rPr lang="zh-CN"/>
+              <a:t>Government appoints a trustee to oversee the reorganization</a:t>
             </a:r>
-            <a:endParaRPr sz="1050">
-              <a:solidFill>
-                <a:schemeClr val="dk1"/>
-              </a:solidFill>
-            </a:endParaRPr>
+            <a:endParaRPr/>
           </a:p>
           <a:p>
             <a:pPr indent="0" lvl="0" marL="0" rtl="0" algn="l">
-              <a:lnSpc>
-                <a:spcPct val="115000"/>
-              </a:lnSpc>
-              <a:spcBef>
-                <a:spcPts val="0"/>
-              </a:spcBef>
-              <a:spcAft>
-                <a:spcPts val="0"/>
-              </a:spcAft>
-              <a:buClr>
-                <a:schemeClr val="dk1"/>
-              </a:buClr>
-              <a:buSzPts val="1100"/>
-              <a:buFont typeface="Arial"/>
+              <a:spcBef>
+                <a:spcPts val="1200"/>
+              </a:spcBef>
+              <a:spcAft>
+                <a:spcPts val="0"/>
+              </a:spcAft>
               <a:buNone/>
             </a:pPr>
             <a:r>
-              <a:rPr b="1" lang="zh-CN" sz="1050">
-                <a:solidFill>
-                  <a:schemeClr val="dk1"/>
-                </a:solidFill>
-              </a:rPr>
-              <a:t>10501:agreement</a:t>
+              <a:rPr b="1" lang="zh-CN"/>
+              <a:t>Divestment: </a:t>
             </a:r>
             <a:r>
-              <a:rPr lang="zh-CN" sz="1050">
-                <a:solidFill>
-                  <a:schemeClr val="dk1"/>
-                </a:solidFill>
-              </a:rPr>
-              <a:t>: The government decides a corporation broke the law.</a:t>
+              <a:rPr lang="zh-CN"/>
+              <a:t>Trustee liquidates assets</a:t>
             </a:r>
-            <a:endParaRPr sz="1050">
-              <a:solidFill>
-                <a:schemeClr val="dk1"/>
-              </a:solidFill>
-            </a:endParaRPr>
+            <a:endParaRPr/>
           </a:p>
           <a:p>
             <a:pPr indent="0" lvl="0" marL="0" rtl="0" algn="l">
-              <a:lnSpc>
-                <a:spcPct val="115000"/>
-              </a:lnSpc>
-              <a:spcBef>
-                <a:spcPts val="0"/>
-              </a:spcBef>
-              <a:spcAft>
-                <a:spcPts val="0"/>
-              </a:spcAft>
-              <a:buClr>
-                <a:schemeClr val="dk1"/>
-              </a:buClr>
-              <a:buSzPts val="1100"/>
-              <a:buFont typeface="Arial"/>
+              <a:spcBef>
+                <a:spcPts val="1200"/>
+              </a:spcBef>
+              <a:spcAft>
+                <a:spcPts val="0"/>
+              </a:spcAft>
               <a:buNone/>
             </a:pPr>
             <a:r>
-              <a:rPr b="1" lang="zh-CN" sz="1050">
-                <a:solidFill>
-                  <a:schemeClr val="dk1"/>
-                </a:solidFill>
-              </a:rPr>
-              <a:t>10502:rejection</a:t>
+              <a:rPr b="1" lang="zh-CN"/>
+              <a:t>Transfer assets: </a:t>
             </a:r>
             <a:r>
-              <a:rPr lang="zh-CN" sz="1050">
-                <a:solidFill>
-                  <a:schemeClr val="dk1"/>
-                </a:solidFill>
-              </a:rPr>
-              <a:t>: The government decides a corporation did not break the law.</a:t>
+              <a:rPr lang="zh-CN"/>
+              <a:t>Trustee distributes assets to creditors</a:t>
             </a:r>
-            <a:endParaRPr sz="1050">
-              <a:solidFill>
-                <a:schemeClr val="dk1"/>
-              </a:solidFill>
-            </a:endParaRPr>
+            <a:endParaRPr/>
           </a:p>
           <a:p>
             <a:pPr indent="0" lvl="0" marL="0" rtl="0" algn="l">
-              <a:lnSpc>
-                <a:spcPct val="115000"/>
-              </a:lnSpc>
-              <a:spcBef>
-                <a:spcPts val="0"/>
-              </a:spcBef>
-              <a:spcAft>
-                <a:spcPts val="0"/>
-              </a:spcAft>
-              <a:buClr>
-                <a:schemeClr val="dk1"/>
-              </a:buClr>
-              <a:buSzPts val="1100"/>
-              <a:buFont typeface="Arial"/>
+              <a:spcBef>
+                <a:spcPts val="1200"/>
+              </a:spcBef>
+              <a:spcAft>
+                <a:spcPts val="0"/>
+              </a:spcAft>
               <a:buNone/>
             </a:pPr>
             <a:r>
-              <a:rPr b="1" lang="zh-CN" sz="1050">
-                <a:solidFill>
-                  <a:schemeClr val="dk1"/>
-                </a:solidFill>
-              </a:rPr>
-              <a:t>10465:Corporate Justice</a:t>
+              <a:rPr b="1" lang="zh-CN"/>
+              <a:t>Government bail out:</a:t>
             </a:r>
             <a:r>
-              <a:rPr lang="zh-CN" sz="1050">
-                <a:solidFill>
-                  <a:schemeClr val="dk1"/>
-                </a:solidFill>
-              </a:rPr>
-              <a:t>: Government actions taken as a result of investigating a corporation.</a:t>
+              <a:rPr lang="zh-CN"/>
+              <a:t> Government lends company money, because the company bankruptcy would damage the economy</a:t>
             </a:r>
-            <a:endParaRPr sz="1050">
-              <a:solidFill>
-                <a:schemeClr val="dk1"/>
-              </a:solidFill>
-            </a:endParaRPr>
+            <a:endParaRPr/>
           </a:p>
           <a:p>
             <a:pPr indent="0" lvl="0" marL="0" rtl="0" algn="l">
-              <a:lnSpc>
-                <a:spcPct val="115000"/>
-              </a:lnSpc>
-              <a:spcBef>
-                <a:spcPts val="0"/>
-              </a:spcBef>
-              <a:spcAft>
-                <a:spcPts val="0"/>
-              </a:spcAft>
-              <a:buClr>
-                <a:schemeClr val="dk1"/>
-              </a:buClr>
-              <a:buSzPts val="1100"/>
-              <a:buFont typeface="Arial"/>
+              <a:spcBef>
+                <a:spcPts val="1200"/>
+              </a:spcBef>
+              <a:spcAft>
+                <a:spcPts val="0"/>
+              </a:spcAft>
               <a:buNone/>
             </a:pPr>
             <a:r>
-              <a:rPr b="1" lang="zh-CN" sz="1050">
-                <a:solidFill>
-                  <a:schemeClr val="dk1"/>
-                </a:solidFill>
-              </a:rPr>
-              <a:t>10496:breakup</a:t>
+              <a:rPr b="1" lang="zh-CN"/>
+              <a:t>Apply for reorganization: </a:t>
             </a:r>
             <a:r>
-              <a:rPr lang="zh-CN" sz="1050">
-                <a:solidFill>
-                  <a:schemeClr val="dk1"/>
-                </a:solidFill>
-              </a:rPr>
-              <a:t>: Government breaks up a company.</a:t>
+              <a:rPr lang="zh-CN"/>
+              <a:t>Company officially applies for reorganization</a:t>
             </a:r>
-            <a:endParaRPr sz="1050">
-              <a:solidFill>
-                <a:schemeClr val="dk1"/>
-              </a:solidFill>
-            </a:endParaRPr>
+            <a:endParaRPr/>
           </a:p>
           <a:p>
             <a:pPr indent="0" lvl="0" marL="0" rtl="0" algn="l">
-              <a:lnSpc>
-                <a:spcPct val="115000"/>
-              </a:lnSpc>
-              <a:spcBef>
-                <a:spcPts val="0"/>
-              </a:spcBef>
-              <a:spcAft>
-                <a:spcPts val="0"/>
-              </a:spcAft>
-              <a:buClr>
-                <a:schemeClr val="dk1"/>
-              </a:buClr>
-              <a:buSzPts val="1100"/>
-              <a:buFont typeface="Arial"/>
+              <a:spcBef>
+                <a:spcPts val="1200"/>
+              </a:spcBef>
+              <a:spcAft>
+                <a:spcPts val="0"/>
+              </a:spcAft>
               <a:buNone/>
             </a:pPr>
             <a:r>
-              <a:rPr b="1" lang="zh-CN" sz="1050">
-                <a:solidFill>
-                  <a:schemeClr val="dk1"/>
-                </a:solidFill>
-              </a:rPr>
-              <a:t>10466:PoliticalCorruption</a:t>
+              <a:rPr b="1" lang="zh-CN"/>
+              <a:t>Reorganization approval: </a:t>
             </a:r>
             <a:r>
-              <a:rPr lang="zh-CN" sz="1050">
-                <a:solidFill>
-                  <a:schemeClr val="dk1"/>
-                </a:solidFill>
-              </a:rPr>
-              <a:t>: The execs send money to their politician friends who pull some strings.</a:t>
+              <a:rPr lang="zh-CN"/>
+              <a:t>Government approves the reorganization</a:t>
             </a:r>
-            <a:endParaRPr sz="1050">
-              <a:solidFill>
-                <a:schemeClr val="dk1"/>
-              </a:solidFill>
-            </a:endParaRPr>
+            <a:endParaRPr/>
           </a:p>
           <a:p>
             <a:pPr indent="0" lvl="0" marL="0" rtl="0" algn="l">
-              <a:lnSpc>
-                <a:spcPct val="115000"/>
-              </a:lnSpc>
-              <a:spcBef>
-                <a:spcPts val="0"/>
-              </a:spcBef>
-              <a:spcAft>
-                <a:spcPts val="0"/>
-              </a:spcAft>
-              <a:buClr>
-                <a:schemeClr val="dk1"/>
-              </a:buClr>
-              <a:buSzPts val="1100"/>
-              <a:buFont typeface="Arial"/>
+              <a:spcBef>
+                <a:spcPts val="1200"/>
+              </a:spcBef>
+              <a:spcAft>
+                <a:spcPts val="1200"/>
+              </a:spcAft>
               <a:buNone/>
             </a:pPr>
             <a:r>
-              <a:rPr b="1" lang="zh-CN" sz="1050">
-                <a:solidFill>
-                  <a:schemeClr val="dk1"/>
-                </a:solidFill>
-              </a:rPr>
-              <a:t>10495:arrest</a:t>
+              <a:rPr b="1" lang="zh-CN"/>
+              <a:t>Reorganization rejection: </a:t>
             </a:r>
             <a:r>
-              <a:rPr lang="zh-CN" sz="1050">
-                <a:solidFill>
-                  <a:schemeClr val="dk1"/>
-                </a:solidFill>
-              </a:rPr>
-              <a:t>: Executives are arrested for crimes they committed carrying out their duties.</a:t>
+              <a:rPr lang="zh-CN"/>
+              <a:t>Government rejects the reorganization</a:t>
             </a:r>
-            <a:endParaRPr sz="1050">
-              <a:solidFill>
-                <a:schemeClr val="dk1"/>
-              </a:solidFill>
-            </a:endParaRPr>
-          </a:p>
-          <a:p>
-            <a:pPr indent="0" lvl="0" marL="0" rtl="0" algn="l">
-              <a:lnSpc>
-                <a:spcPct val="115000"/>
-              </a:lnSpc>
-              <a:spcBef>
-                <a:spcPts val="0"/>
-              </a:spcBef>
-              <a:spcAft>
-                <a:spcPts val="0"/>
-              </a:spcAft>
-              <a:buClr>
-                <a:schemeClr val="dk1"/>
-              </a:buClr>
-              <a:buSzPts val="1100"/>
-              <a:buFont typeface="Arial"/>
-              <a:buNone/>
-            </a:pPr>
-            <a:r>
-              <a:rPr b="1" lang="zh-CN" sz="1050">
-                <a:solidFill>
-                  <a:schemeClr val="dk1"/>
-                </a:solidFill>
-              </a:rPr>
-              <a:t>10484:Fine</a:t>
-            </a:r>
-            <a:r>
-              <a:rPr lang="zh-CN" sz="1050">
-                <a:solidFill>
-                  <a:schemeClr val="dk1"/>
-                </a:solidFill>
-              </a:rPr>
-              <a:t>: The government fines a company for doing something wrong.</a:t>
-            </a:r>
-            <a:endParaRPr sz="1050">
-              <a:solidFill>
-                <a:schemeClr val="dk1"/>
-              </a:solidFill>
-            </a:endParaRPr>
+            <a:endParaRPr/>
           </a:p>
         </p:txBody>
       </p:sp>
@@ -17610,7 +15670,7 @@
   <p:cSld>
     <p:spTree>
       <p:nvGrpSpPr>
-        <p:cNvPr id="140" name="Shape 140"/>
+        <p:cNvPr id="142" name="Shape 142"/>
         <p:cNvGrpSpPr/>
         <p:nvPr/>
       </p:nvGrpSpPr>
@@ -17624,7 +15684,7 @@
       </p:grpSpPr>
       <p:sp>
         <p:nvSpPr>
-          <p:cNvPr id="141" name="Google Shape;141;p31"/>
+          <p:cNvPr id="143" name="Google Shape;143;p31"/>
           <p:cNvSpPr txBox="1"/>
           <p:nvPr>
             <p:ph type="title"/>
@@ -17632,39 +15692,31 @@
         </p:nvSpPr>
         <p:spPr>
           <a:xfrm>
-            <a:off x="311700" y="64025"/>
-            <a:ext cx="8520600" cy="572700"/>
+            <a:off x="311700" y="555600"/>
+            <a:ext cx="2808000" cy="755700"/>
           </a:xfrm>
           <a:prstGeom prst="rect">
             <a:avLst/>
           </a:prstGeom>
-          <a:noFill/>
-          <a:ln>
-            <a:noFill/>
-          </a:ln>
         </p:spPr>
         <p:txBody>
-          <a:bodyPr anchorCtr="0" anchor="t" bIns="91425" lIns="91425" spcFirstLastPara="1" rIns="91425" wrap="square" tIns="91425">
+          <a:bodyPr anchorCtr="0" anchor="b" bIns="91425" lIns="91425" spcFirstLastPara="1" rIns="91425" wrap="square" tIns="91425">
             <a:normAutofit fontScale="90000"/>
           </a:bodyPr>
           <a:lstStyle/>
           <a:p>
             <a:pPr indent="0" lvl="0" marL="0" rtl="0" algn="l">
-              <a:lnSpc>
-                <a:spcPct val="100000"/>
-              </a:lnSpc>
-              <a:spcBef>
-                <a:spcPts val="0"/>
-              </a:spcBef>
-              <a:spcAft>
-                <a:spcPts val="0"/>
-              </a:spcAft>
-              <a:buSzPct val="111111"/>
+              <a:spcBef>
+                <a:spcPts val="0"/>
+              </a:spcBef>
+              <a:spcAft>
+                <a:spcPts val="0"/>
+              </a:spcAft>
               <a:buNone/>
             </a:pPr>
             <a:r>
               <a:rPr lang="zh-CN"/>
-              <a:t>Fundraising</a:t>
+              <a:t>Mergers and Acquisitions</a:t>
             </a:r>
             <a:endParaRPr/>
           </a:p>
@@ -17672,229 +15724,131 @@
       </p:sp>
       <p:sp>
         <p:nvSpPr>
-          <p:cNvPr id="142" name="Google Shape;142;p31"/>
+          <p:cNvPr id="144" name="Google Shape;144;p31"/>
           <p:cNvSpPr txBox="1"/>
-          <p:nvPr/>
+          <p:nvPr>
+            <p:ph idx="1" type="body"/>
+          </p:nvPr>
         </p:nvSpPr>
         <p:spPr>
           <a:xfrm>
-            <a:off x="432800" y="502500"/>
-            <a:ext cx="8139900" cy="903900"/>
+            <a:off x="311700" y="1200550"/>
+            <a:ext cx="2808000" cy="3426600"/>
           </a:xfrm>
           <a:prstGeom prst="rect">
             <a:avLst/>
           </a:prstGeom>
-          <a:noFill/>
-          <a:ln>
-            <a:noFill/>
-          </a:ln>
         </p:spPr>
         <p:txBody>
           <a:bodyPr anchorCtr="0" anchor="t" bIns="91425" lIns="91425" spcFirstLastPara="1" rIns="91425" wrap="square" tIns="91425">
-            <a:spAutoFit/>
+            <a:normAutofit lnSpcReduction="20000"/>
           </a:bodyPr>
           <a:lstStyle/>
           <a:p>
-            <a:pPr indent="0" lvl="0" marL="0" marR="0" rtl="0" algn="l">
-              <a:lnSpc>
-                <a:spcPct val="115000"/>
-              </a:lnSpc>
-              <a:spcBef>
-                <a:spcPts val="0"/>
-              </a:spcBef>
-              <a:spcAft>
-                <a:spcPts val="0"/>
-              </a:spcAft>
-              <a:buClr>
-                <a:schemeClr val="dk1"/>
-              </a:buClr>
-              <a:buSzPts val="1100"/>
-              <a:buFont typeface="Arial"/>
+            <a:pPr indent="0" lvl="0" marL="0" rtl="0" algn="l">
+              <a:spcBef>
+                <a:spcPts val="0"/>
+              </a:spcBef>
+              <a:spcAft>
+                <a:spcPts val="0"/>
+              </a:spcAft>
               <a:buNone/>
             </a:pPr>
             <a:r>
-              <a:rPr b="1" lang="zh-CN" sz="1050">
-                <a:solidFill>
-                  <a:schemeClr val="dk1"/>
-                </a:solidFill>
-              </a:rPr>
-              <a:t>10462:founding</a:t>
+              <a:rPr b="1" lang="zh-CN"/>
+              <a:t>Contact suitable company: </a:t>
             </a:r>
             <a:r>
-              <a:rPr b="0" i="0" lang="zh-CN" sz="1050" u="none" cap="none" strike="noStrike">
-                <a:solidFill>
-                  <a:schemeClr val="dk1"/>
-                </a:solidFill>
-                <a:latin typeface="Arial"/>
-                <a:ea typeface="Arial"/>
-                <a:cs typeface="Arial"/>
-                <a:sym typeface="Arial"/>
-              </a:rPr>
-              <a:t>: </a:t>
+              <a:rPr lang="zh-CN"/>
+              <a:t>A company contacts a candidate company to propose merge / acquisition</a:t>
             </a:r>
-            <a:r>
-              <a:rPr lang="zh-CN" sz="1050">
-                <a:solidFill>
-                  <a:schemeClr val="dk1"/>
-                </a:solidFill>
-              </a:rPr>
-              <a:t>A company is founded.</a:t>
-            </a:r>
-            <a:endParaRPr sz="1050">
-              <a:solidFill>
-                <a:schemeClr val="dk1"/>
-              </a:solidFill>
-            </a:endParaRPr>
+            <a:endParaRPr/>
           </a:p>
           <a:p>
             <a:pPr indent="0" lvl="0" marL="0" rtl="0" algn="l">
-              <a:lnSpc>
-                <a:spcPct val="115000"/>
-              </a:lnSpc>
-              <a:spcBef>
-                <a:spcPts val="0"/>
-              </a:spcBef>
-              <a:spcAft>
-                <a:spcPts val="0"/>
-              </a:spcAft>
-              <a:buClr>
-                <a:schemeClr val="dk1"/>
-              </a:buClr>
-              <a:buSzPts val="1100"/>
-              <a:buFont typeface="Arial"/>
+              <a:spcBef>
+                <a:spcPts val="1200"/>
+              </a:spcBef>
+              <a:spcAft>
+                <a:spcPts val="0"/>
+              </a:spcAft>
               <a:buNone/>
             </a:pPr>
             <a:r>
-              <a:rPr b="1" lang="zh-CN" sz="1050">
-                <a:solidFill>
-                  <a:schemeClr val="dk1"/>
-                </a:solidFill>
-              </a:rPr>
-              <a:t>10469:Fundraising</a:t>
+              <a:rPr b="1" lang="zh-CN"/>
+              <a:t>Valuation analysis: </a:t>
             </a:r>
             <a:r>
-              <a:rPr lang="zh-CN" sz="1050">
-                <a:solidFill>
-                  <a:schemeClr val="dk1"/>
-                </a:solidFill>
-              </a:rPr>
-              <a:t>: The company raises money for some goal.</a:t>
+              <a:rPr lang="zh-CN"/>
+              <a:t>Company performs valuation on the candidate company</a:t>
             </a:r>
-            <a:endParaRPr sz="1050">
-              <a:solidFill>
-                <a:schemeClr val="dk1"/>
-              </a:solidFill>
-            </a:endParaRPr>
+            <a:endParaRPr/>
           </a:p>
           <a:p>
             <a:pPr indent="0" lvl="0" marL="0" rtl="0" algn="l">
-              <a:lnSpc>
-                <a:spcPct val="115000"/>
-              </a:lnSpc>
-              <a:spcBef>
-                <a:spcPts val="0"/>
-              </a:spcBef>
-              <a:spcAft>
-                <a:spcPts val="0"/>
-              </a:spcAft>
-              <a:buClr>
-                <a:schemeClr val="dk1"/>
-              </a:buClr>
-              <a:buSzPts val="1100"/>
-              <a:buFont typeface="Arial"/>
+              <a:spcBef>
+                <a:spcPts val="1200"/>
+              </a:spcBef>
+              <a:spcAft>
+                <a:spcPts val="0"/>
+              </a:spcAft>
               <a:buNone/>
             </a:pPr>
             <a:r>
-              <a:rPr b="1" lang="zh-CN" sz="1050">
-                <a:solidFill>
-                  <a:schemeClr val="dk1"/>
-                </a:solidFill>
-              </a:rPr>
-              <a:t>10471:PrivateFunding</a:t>
+              <a:rPr b="1" lang="zh-CN"/>
+              <a:t>Negotiate terms: </a:t>
             </a:r>
             <a:r>
-              <a:rPr lang="zh-CN" sz="1050">
-                <a:solidFill>
-                  <a:schemeClr val="dk1"/>
-                </a:solidFill>
-              </a:rPr>
-              <a:t>: </a:t>
+              <a:rPr lang="zh-CN"/>
+              <a:t>Companies negotiate terms of merge / acquisition</a:t>
             </a:r>
-            <a:r>
-              <a:rPr lang="zh-CN" sz="1050">
-                <a:solidFill>
-                  <a:schemeClr val="dk1"/>
-                </a:solidFill>
-              </a:rPr>
-              <a:t>The company raises money from private investors (the opportunity is not available to the public).</a:t>
-            </a:r>
-            <a:endParaRPr sz="1050">
-              <a:solidFill>
-                <a:schemeClr val="dk1"/>
-              </a:solidFill>
-            </a:endParaRPr>
+            <a:endParaRPr/>
           </a:p>
           <a:p>
             <a:pPr indent="0" lvl="0" marL="0" rtl="0" algn="l">
-              <a:lnSpc>
-                <a:spcPct val="115000"/>
-              </a:lnSpc>
-              <a:spcBef>
-                <a:spcPts val="0"/>
-              </a:spcBef>
-              <a:spcAft>
-                <a:spcPts val="0"/>
-              </a:spcAft>
-              <a:buClr>
-                <a:schemeClr val="dk1"/>
-              </a:buClr>
-              <a:buSzPts val="1100"/>
-              <a:buFont typeface="Arial"/>
+              <a:spcBef>
+                <a:spcPts val="1200"/>
+              </a:spcBef>
+              <a:spcAft>
+                <a:spcPts val="0"/>
+              </a:spcAft>
               <a:buNone/>
             </a:pPr>
             <a:r>
-              <a:rPr b="1" lang="zh-CN" sz="1050">
-                <a:solidFill>
-                  <a:schemeClr val="dk1"/>
-                </a:solidFill>
-              </a:rPr>
-              <a:t>10470:IPO</a:t>
+              <a:rPr b="1" lang="zh-CN"/>
+              <a:t>Due diligence: </a:t>
             </a:r>
             <a:r>
-              <a:rPr lang="zh-CN" sz="1050">
-                <a:solidFill>
-                  <a:schemeClr val="dk1"/>
-                </a:solidFill>
-              </a:rPr>
-              <a:t>: The company becomes </a:t>
+              <a:rPr lang="zh-CN"/>
+              <a:t>Company performs due diligence on candidate company</a:t>
+            </a:r>
+            <a:endParaRPr/>
+          </a:p>
+          <a:p>
+            <a:pPr indent="0" lvl="0" marL="0" rtl="0" algn="l">
+              <a:spcBef>
+                <a:spcPts val="1200"/>
+              </a:spcBef>
+              <a:spcAft>
+                <a:spcPts val="1200"/>
+              </a:spcAft>
+              <a:buNone/>
+            </a:pPr>
+            <a:r>
+              <a:rPr b="1" lang="zh-CN"/>
+              <a:t>Purchase and sale contract: </a:t>
             </a:r>
             <a:r>
-              <a:rPr lang="zh-CN" sz="1050">
-                <a:solidFill>
-                  <a:schemeClr val="dk1"/>
-                </a:solidFill>
-              </a:rPr>
-              <a:t>publicly</a:t>
+              <a:rPr lang="zh-CN"/>
+              <a:t>Companies sign a contract and officially merge / become acquired</a:t>
             </a:r>
-            <a:r>
-              <a:rPr lang="zh-CN" sz="1050">
-                <a:solidFill>
-                  <a:schemeClr val="dk1"/>
-                </a:solidFill>
-              </a:rPr>
-              <a:t> listed on a stock exchange. </a:t>
-            </a:r>
-            <a:endParaRPr sz="1050">
-              <a:solidFill>
-                <a:schemeClr val="dk1"/>
-              </a:solidFill>
-            </a:endParaRPr>
+            <a:endParaRPr/>
           </a:p>
         </p:txBody>
       </p:sp>
       <p:pic>
         <p:nvPicPr>
-          <p:cNvPr id="143" name="Google Shape;143;p31"/>
+          <p:cNvPr id="145" name="Google Shape;145;p31"/>
           <p:cNvPicPr preferRelativeResize="0"/>
           <p:nvPr/>
         </p:nvPicPr>
@@ -17908,8 +15862,8 @@
         </p:blipFill>
         <p:spPr>
           <a:xfrm>
-            <a:off x="2325450" y="2614075"/>
-            <a:ext cx="4791970" cy="2317200"/>
+            <a:off x="3272100" y="438113"/>
+            <a:ext cx="5719501" cy="4267284"/>
           </a:xfrm>
           <a:prstGeom prst="rect">
             <a:avLst/>
@@ -17933,7 +15887,244 @@
   <p:cSld>
     <p:spTree>
       <p:nvGrpSpPr>
-        <p:cNvPr id="147" name="Shape 147"/>
+        <p:cNvPr id="149" name="Shape 149"/>
+        <p:cNvGrpSpPr/>
+        <p:nvPr/>
+      </p:nvGrpSpPr>
+      <p:grpSpPr>
+        <a:xfrm>
+          <a:off x="0" y="0"/>
+          <a:ext cx="0" cy="0"/>
+          <a:chOff x="0" y="0"/>
+          <a:chExt cx="0" cy="0"/>
+        </a:xfrm>
+      </p:grpSpPr>
+      <p:sp>
+        <p:nvSpPr>
+          <p:cNvPr id="150" name="Google Shape;150;p32"/>
+          <p:cNvSpPr txBox="1"/>
+          <p:nvPr>
+            <p:ph type="title"/>
+          </p:nvPr>
+        </p:nvSpPr>
+        <p:spPr>
+          <a:xfrm>
+            <a:off x="311700" y="555600"/>
+            <a:ext cx="2808000" cy="755700"/>
+          </a:xfrm>
+          <a:prstGeom prst="rect">
+            <a:avLst/>
+          </a:prstGeom>
+        </p:spPr>
+        <p:txBody>
+          <a:bodyPr anchorCtr="0" anchor="b" bIns="91425" lIns="91425" spcFirstLastPara="1" rIns="91425" wrap="square" tIns="91425">
+            <a:normAutofit/>
+          </a:bodyPr>
+          <a:lstStyle/>
+          <a:p>
+            <a:pPr indent="0" lvl="0" marL="0" rtl="0" algn="l">
+              <a:spcBef>
+                <a:spcPts val="0"/>
+              </a:spcBef>
+              <a:spcAft>
+                <a:spcPts val="0"/>
+              </a:spcAft>
+              <a:buNone/>
+            </a:pPr>
+            <a:r>
+              <a:rPr lang="zh-CN"/>
+              <a:t>Reorganization</a:t>
+            </a:r>
+            <a:endParaRPr/>
+          </a:p>
+        </p:txBody>
+      </p:sp>
+      <p:sp>
+        <p:nvSpPr>
+          <p:cNvPr id="151" name="Google Shape;151;p32"/>
+          <p:cNvSpPr txBox="1"/>
+          <p:nvPr>
+            <p:ph idx="1" type="body"/>
+          </p:nvPr>
+        </p:nvSpPr>
+        <p:spPr>
+          <a:xfrm>
+            <a:off x="311700" y="1200550"/>
+            <a:ext cx="2808000" cy="3426600"/>
+          </a:xfrm>
+          <a:prstGeom prst="rect">
+            <a:avLst/>
+          </a:prstGeom>
+        </p:spPr>
+        <p:txBody>
+          <a:bodyPr anchorCtr="0" anchor="t" bIns="91425" lIns="91425" spcFirstLastPara="1" rIns="91425" wrap="square" tIns="91425">
+            <a:normAutofit lnSpcReduction="20000"/>
+          </a:bodyPr>
+          <a:lstStyle/>
+          <a:p>
+            <a:pPr indent="0" lvl="0" marL="0" rtl="0" algn="l">
+              <a:spcBef>
+                <a:spcPts val="0"/>
+              </a:spcBef>
+              <a:spcAft>
+                <a:spcPts val="0"/>
+              </a:spcAft>
+              <a:buNone/>
+            </a:pPr>
+            <a:r>
+              <a:rPr b="1" lang="zh-CN"/>
+              <a:t>Terminate contracts and leases: </a:t>
+            </a:r>
+            <a:r>
+              <a:rPr lang="zh-CN"/>
+              <a:t>Company terminates some contracts and leases</a:t>
+            </a:r>
+            <a:endParaRPr/>
+          </a:p>
+          <a:p>
+            <a:pPr indent="0" lvl="0" marL="0" rtl="0" algn="l">
+              <a:spcBef>
+                <a:spcPts val="1200"/>
+              </a:spcBef>
+              <a:spcAft>
+                <a:spcPts val="0"/>
+              </a:spcAft>
+              <a:buNone/>
+            </a:pPr>
+            <a:r>
+              <a:rPr b="1" lang="zh-CN"/>
+              <a:t>Repay some debt: </a:t>
+            </a:r>
+            <a:r>
+              <a:rPr lang="zh-CN"/>
+              <a:t>Company repays some debt to its creditors</a:t>
+            </a:r>
+            <a:endParaRPr/>
+          </a:p>
+          <a:p>
+            <a:pPr indent="0" lvl="0" marL="0" rtl="0" algn="l">
+              <a:spcBef>
+                <a:spcPts val="1200"/>
+              </a:spcBef>
+              <a:spcAft>
+                <a:spcPts val="0"/>
+              </a:spcAft>
+              <a:buNone/>
+            </a:pPr>
+            <a:r>
+              <a:rPr b="1" lang="zh-CN"/>
+              <a:t>Recover assets: </a:t>
+            </a:r>
+            <a:r>
+              <a:rPr lang="zh-CN"/>
+              <a:t>Liquidate or re-use some assets</a:t>
+            </a:r>
+            <a:endParaRPr/>
+          </a:p>
+          <a:p>
+            <a:pPr indent="0" lvl="0" marL="0" rtl="0" algn="l">
+              <a:spcBef>
+                <a:spcPts val="1200"/>
+              </a:spcBef>
+              <a:spcAft>
+                <a:spcPts val="0"/>
+              </a:spcAft>
+              <a:buNone/>
+            </a:pPr>
+            <a:r>
+              <a:rPr b="1" lang="zh-CN"/>
+              <a:t>Management change: </a:t>
+            </a:r>
+            <a:r>
+              <a:rPr lang="zh-CN"/>
+              <a:t>A new CEO or executive is hired</a:t>
+            </a:r>
+            <a:endParaRPr/>
+          </a:p>
+          <a:p>
+            <a:pPr indent="0" lvl="0" marL="0" rtl="0" algn="l">
+              <a:spcBef>
+                <a:spcPts val="1200"/>
+              </a:spcBef>
+              <a:spcAft>
+                <a:spcPts val="0"/>
+              </a:spcAft>
+              <a:buNone/>
+            </a:pPr>
+            <a:r>
+              <a:rPr b="1" lang="zh-CN"/>
+              <a:t>Dismiss employees: </a:t>
+            </a:r>
+            <a:r>
+              <a:rPr lang="zh-CN"/>
+              <a:t>Company fires some employees</a:t>
+            </a:r>
+            <a:endParaRPr/>
+          </a:p>
+          <a:p>
+            <a:pPr indent="0" lvl="0" marL="0" rtl="0" algn="l">
+              <a:spcBef>
+                <a:spcPts val="1200"/>
+              </a:spcBef>
+              <a:spcAft>
+                <a:spcPts val="1200"/>
+              </a:spcAft>
+              <a:buNone/>
+            </a:pPr>
+            <a:r>
+              <a:rPr b="1" lang="zh-CN"/>
+              <a:t>Hire new talent: </a:t>
+            </a:r>
+            <a:r>
+              <a:rPr lang="zh-CN"/>
+              <a:t>Company hires new talent</a:t>
+            </a:r>
+            <a:endParaRPr/>
+          </a:p>
+        </p:txBody>
+      </p:sp>
+      <p:pic>
+        <p:nvPicPr>
+          <p:cNvPr id="152" name="Google Shape;152;p32"/>
+          <p:cNvPicPr preferRelativeResize="0"/>
+          <p:nvPr/>
+        </p:nvPicPr>
+        <p:blipFill>
+          <a:blip r:embed="rId3">
+            <a:alphaModFix/>
+          </a:blip>
+          <a:stretch>
+            <a:fillRect/>
+          </a:stretch>
+        </p:blipFill>
+        <p:spPr>
+          <a:xfrm>
+            <a:off x="3272100" y="438113"/>
+            <a:ext cx="5719501" cy="4267284"/>
+          </a:xfrm>
+          <a:prstGeom prst="rect">
+            <a:avLst/>
+          </a:prstGeom>
+          <a:noFill/>
+          <a:ln>
+            <a:noFill/>
+          </a:ln>
+        </p:spPr>
+      </p:pic>
+    </p:spTree>
+  </p:cSld>
+  <p:clrMapOvr>
+    <a:masterClrMapping/>
+  </p:clrMapOvr>
+</p:sld>
+</file>
+
+<file path=ppt/slides/slide9.xml><?xml version="1.0" encoding="utf-8"?>
+<p:sld xmlns:a="http://schemas.openxmlformats.org/drawingml/2006/main" xmlns:r="http://schemas.openxmlformats.org/officeDocument/2006/relationships" xmlns:mc="http://schemas.openxmlformats.org/markup-compatibility/2006" xmlns:mv="urn:schemas-microsoft-com:mac:vml" xmlns:p="http://schemas.openxmlformats.org/presentationml/2006/main" xmlns:c="http://schemas.openxmlformats.org/drawingml/2006/chart" xmlns:dgm="http://schemas.openxmlformats.org/drawingml/2006/diagram" xmlns:o="urn:schemas-microsoft-com:office:office" xmlns:v="urn:schemas-microsoft-com:vml" xmlns:pvml="urn:schemas-microsoft-com:office:powerpoint" xmlns:com="http://schemas.openxmlformats.org/drawingml/2006/compatibility" xmlns:p14="http://schemas.microsoft.com/office/powerpoint/2010/main" xmlns:p15="http://schemas.microsoft.com/office/powerpoint/2012/main" xmlns:ahyp="http://schemas.microsoft.com/office/drawing/2018/hyperlinkcolor">
+  <p:cSld>
+    <p:spTree>
+      <p:nvGrpSpPr>
+        <p:cNvPr id="156" name="Shape 156"/>
         <p:cNvGrpSpPr/>
         <p:nvPr/>
       </p:nvGrpSpPr>
@@ -17947,22 +16138,21 @@
       </p:grpSpPr>
       <p:pic>
         <p:nvPicPr>
-          <p:cNvPr id="148" name="Google Shape;148;p32"/>
+          <p:cNvPr id="157" name="Google Shape;157;p33"/>
           <p:cNvPicPr preferRelativeResize="0"/>
           <p:nvPr/>
         </p:nvPicPr>
-        <p:blipFill>
+        <p:blipFill rotWithShape="1">
           <a:blip r:embed="rId3">
             <a:alphaModFix/>
           </a:blip>
-          <a:stretch>
-            <a:fillRect/>
-          </a:stretch>
+          <a:srcRect b="25088" l="0" r="0" t="25484"/>
+          <a:stretch/>
         </p:blipFill>
         <p:spPr>
           <a:xfrm>
-            <a:off x="1388450" y="1711200"/>
-            <a:ext cx="6637160" cy="3432301"/>
+            <a:off x="1425575" y="0"/>
+            <a:ext cx="7718426" cy="2846301"/>
           </a:xfrm>
           <a:prstGeom prst="rect">
             <a:avLst/>
@@ -17975,7 +16165,7 @@
       </p:pic>
       <p:sp>
         <p:nvSpPr>
-          <p:cNvPr id="149" name="Google Shape;149;p32"/>
+          <p:cNvPr id="158" name="Google Shape;158;p33"/>
           <p:cNvSpPr txBox="1"/>
           <p:nvPr>
             <p:ph type="title"/>
@@ -17983,39 +16173,31 @@
         </p:nvSpPr>
         <p:spPr>
           <a:xfrm>
-            <a:off x="311700" y="-88375"/>
-            <a:ext cx="8520600" cy="572700"/>
+            <a:off x="311700" y="555600"/>
+            <a:ext cx="2808000" cy="755700"/>
           </a:xfrm>
           <a:prstGeom prst="rect">
             <a:avLst/>
           </a:prstGeom>
-          <a:noFill/>
-          <a:ln>
-            <a:noFill/>
-          </a:ln>
         </p:spPr>
         <p:txBody>
-          <a:bodyPr anchorCtr="0" anchor="t" bIns="91425" lIns="91425" spcFirstLastPara="1" rIns="91425" wrap="square" tIns="91425">
+          <a:bodyPr anchorCtr="0" anchor="b" bIns="91425" lIns="91425" spcFirstLastPara="1" rIns="91425" wrap="square" tIns="91425">
             <a:normAutofit fontScale="90000"/>
           </a:bodyPr>
           <a:lstStyle/>
           <a:p>
             <a:pPr indent="0" lvl="0" marL="0" rtl="0" algn="l">
-              <a:lnSpc>
-                <a:spcPct val="100000"/>
-              </a:lnSpc>
-              <a:spcBef>
-                <a:spcPts val="0"/>
-              </a:spcBef>
-              <a:spcAft>
-                <a:spcPts val="0"/>
-              </a:spcAft>
-              <a:buSzPct val="111111"/>
+              <a:spcBef>
+                <a:spcPts val="0"/>
+              </a:spcBef>
+              <a:spcAft>
+                <a:spcPts val="0"/>
+              </a:spcAft>
               <a:buNone/>
             </a:pPr>
             <a:r>
               <a:rPr lang="zh-CN"/>
-              <a:t>Bankruptcy</a:t>
+              <a:t>Antitrust Investigation</a:t>
             </a:r>
             <a:endParaRPr/>
           </a:p>
@@ -18023,618 +16205,143 @@
       </p:sp>
       <p:sp>
         <p:nvSpPr>
-          <p:cNvPr id="150" name="Google Shape;150;p32"/>
+          <p:cNvPr id="159" name="Google Shape;159;p33"/>
           <p:cNvSpPr txBox="1"/>
-          <p:nvPr/>
+          <p:nvPr>
+            <p:ph idx="1" type="body"/>
+          </p:nvPr>
         </p:nvSpPr>
         <p:spPr>
           <a:xfrm>
-            <a:off x="172150" y="372900"/>
-            <a:ext cx="8139900" cy="2576700"/>
+            <a:off x="144025" y="2459175"/>
+            <a:ext cx="4187700" cy="2684400"/>
           </a:xfrm>
           <a:prstGeom prst="rect">
             <a:avLst/>
           </a:prstGeom>
-          <a:noFill/>
-          <a:ln>
-            <a:noFill/>
-          </a:ln>
         </p:spPr>
         <p:txBody>
           <a:bodyPr anchorCtr="0" anchor="t" bIns="91425" lIns="91425" spcFirstLastPara="1" rIns="91425" wrap="square" tIns="91425">
-            <a:spAutoFit/>
-          </a:bodyPr>
-          <a:lstStyle/>
-          <a:p>
-            <a:pPr indent="0" lvl="0" marL="0" marR="0" rtl="0" algn="l">
-              <a:lnSpc>
-                <a:spcPct val="115000"/>
-              </a:lnSpc>
-              <a:spcBef>
-                <a:spcPts val="0"/>
-              </a:spcBef>
-              <a:spcAft>
-                <a:spcPts val="0"/>
-              </a:spcAft>
-              <a:buClr>
-                <a:schemeClr val="dk1"/>
-              </a:buClr>
-              <a:buSzPts val="1100"/>
-              <a:buFont typeface="Arial"/>
-              <a:buNone/>
-            </a:pPr>
-            <a:r>
-              <a:rPr b="1" lang="zh-CN" sz="1050">
-                <a:solidFill>
-                  <a:schemeClr val="dk1"/>
-                </a:solidFill>
-              </a:rPr>
-              <a:t>10475:assign</a:t>
-            </a:r>
-            <a:r>
-              <a:rPr b="0" i="0" lang="zh-CN" sz="1050" u="none" cap="none" strike="noStrike">
-                <a:solidFill>
-                  <a:schemeClr val="dk1"/>
-                </a:solidFill>
-                <a:latin typeface="Arial"/>
-                <a:ea typeface="Arial"/>
-                <a:cs typeface="Arial"/>
-                <a:sym typeface="Arial"/>
-              </a:rPr>
-              <a:t>: </a:t>
-            </a:r>
-            <a:r>
-              <a:rPr lang="zh-CN" sz="1050">
-                <a:solidFill>
-                  <a:schemeClr val="dk1"/>
-                </a:solidFill>
-              </a:rPr>
-              <a:t>Government assigns a trustee to the bankruptcy case.</a:t>
-            </a:r>
-            <a:endParaRPr sz="1050">
-              <a:solidFill>
-                <a:schemeClr val="dk1"/>
-              </a:solidFill>
-            </a:endParaRPr>
-          </a:p>
-          <a:p>
-            <a:pPr indent="0" lvl="0" marL="0" rtl="0" algn="l">
-              <a:lnSpc>
-                <a:spcPct val="115000"/>
-              </a:lnSpc>
-              <a:spcBef>
-                <a:spcPts val="0"/>
-              </a:spcBef>
-              <a:spcAft>
-                <a:spcPts val="0"/>
-              </a:spcAft>
-              <a:buClr>
-                <a:schemeClr val="dk1"/>
-              </a:buClr>
-              <a:buSzPts val="1100"/>
-              <a:buFont typeface="Arial"/>
-              <a:buNone/>
-            </a:pPr>
-            <a:r>
-              <a:rPr b="1" lang="zh-CN" sz="1050">
-                <a:solidFill>
-                  <a:schemeClr val="dk1"/>
-                </a:solidFill>
-              </a:rPr>
-              <a:t>10476:trial</a:t>
-            </a:r>
-            <a:r>
-              <a:rPr lang="zh-CN" sz="1050">
-                <a:solidFill>
-                  <a:schemeClr val="dk1"/>
-                </a:solidFill>
-              </a:rPr>
-              <a:t>: A bankruptcy case begins.</a:t>
-            </a:r>
-            <a:endParaRPr sz="1050">
-              <a:solidFill>
-                <a:schemeClr val="dk1"/>
-              </a:solidFill>
-            </a:endParaRPr>
-          </a:p>
-          <a:p>
-            <a:pPr indent="0" lvl="0" marL="0" rtl="0" algn="l">
-              <a:lnSpc>
-                <a:spcPct val="115000"/>
-              </a:lnSpc>
-              <a:spcBef>
-                <a:spcPts val="0"/>
-              </a:spcBef>
-              <a:spcAft>
-                <a:spcPts val="0"/>
-              </a:spcAft>
-              <a:buClr>
-                <a:schemeClr val="dk1"/>
-              </a:buClr>
-              <a:buSzPts val="1100"/>
-              <a:buFont typeface="Arial"/>
-              <a:buNone/>
-            </a:pPr>
-            <a:r>
-              <a:rPr b="1" lang="zh-CN" sz="1050">
-                <a:solidFill>
-                  <a:schemeClr val="dk1"/>
-                </a:solidFill>
-              </a:rPr>
-              <a:t>10480:Government Bailout</a:t>
-            </a:r>
-            <a:r>
-              <a:rPr lang="zh-CN" sz="1050">
-                <a:solidFill>
-                  <a:schemeClr val="dk1"/>
-                </a:solidFill>
-              </a:rPr>
-              <a:t>: The government loans a lot of money to a company when it's 'too big too fail' without damaging the economy.</a:t>
-            </a:r>
-            <a:endParaRPr sz="1050">
-              <a:solidFill>
-                <a:schemeClr val="dk1"/>
-              </a:solidFill>
-            </a:endParaRPr>
-          </a:p>
-          <a:p>
-            <a:pPr indent="0" lvl="0" marL="0" rtl="0" algn="l">
-              <a:lnSpc>
-                <a:spcPct val="115000"/>
-              </a:lnSpc>
-              <a:spcBef>
-                <a:spcPts val="0"/>
-              </a:spcBef>
-              <a:spcAft>
-                <a:spcPts val="0"/>
-              </a:spcAft>
-              <a:buClr>
-                <a:schemeClr val="dk1"/>
-              </a:buClr>
-              <a:buSzPts val="1100"/>
-              <a:buFont typeface="Arial"/>
-              <a:buNone/>
-            </a:pPr>
-            <a:r>
-              <a:rPr b="1" lang="zh-CN" sz="1050">
-                <a:solidFill>
-                  <a:schemeClr val="dk1"/>
-                </a:solidFill>
-              </a:rPr>
-              <a:t>10472:bankruptcy actions</a:t>
-            </a:r>
-            <a:r>
-              <a:rPr lang="zh-CN" sz="1050">
-                <a:solidFill>
-                  <a:schemeClr val="dk1"/>
-                </a:solidFill>
-              </a:rPr>
-              <a:t>: Different actions taken when the company is undergoing the bankruptcy process.</a:t>
-            </a:r>
-            <a:endParaRPr sz="1050">
-              <a:solidFill>
-                <a:schemeClr val="dk1"/>
-              </a:solidFill>
-            </a:endParaRPr>
-          </a:p>
-          <a:p>
-            <a:pPr indent="0" lvl="0" marL="0" rtl="0" algn="l">
-              <a:lnSpc>
-                <a:spcPct val="115000"/>
-              </a:lnSpc>
-              <a:spcBef>
-                <a:spcPts val="0"/>
-              </a:spcBef>
-              <a:spcAft>
-                <a:spcPts val="0"/>
-              </a:spcAft>
-              <a:buClr>
-                <a:schemeClr val="dk1"/>
-              </a:buClr>
-              <a:buSzPts val="1100"/>
-              <a:buFont typeface="Arial"/>
-              <a:buNone/>
-            </a:pPr>
-            <a:r>
-              <a:rPr b="1" lang="zh-CN" sz="1050">
-                <a:solidFill>
-                  <a:schemeClr val="dk1"/>
-                </a:solidFill>
-              </a:rPr>
-              <a:t>10461:Reorganization</a:t>
-            </a:r>
-            <a:r>
-              <a:rPr lang="zh-CN" sz="1050">
-                <a:solidFill>
-                  <a:schemeClr val="dk1"/>
-                </a:solidFill>
-              </a:rPr>
-              <a:t>: The company is reorganized. </a:t>
-            </a:r>
-            <a:endParaRPr b="1" sz="1050">
-              <a:solidFill>
-                <a:schemeClr val="dk1"/>
-              </a:solidFill>
-            </a:endParaRPr>
-          </a:p>
-          <a:p>
-            <a:pPr indent="0" lvl="0" marL="0" rtl="0" algn="l">
-              <a:lnSpc>
-                <a:spcPct val="115000"/>
-              </a:lnSpc>
-              <a:spcBef>
-                <a:spcPts val="0"/>
-              </a:spcBef>
-              <a:spcAft>
-                <a:spcPts val="0"/>
-              </a:spcAft>
-              <a:buClr>
-                <a:schemeClr val="dk1"/>
-              </a:buClr>
-              <a:buSzPts val="1100"/>
-              <a:buFont typeface="Arial"/>
-              <a:buNone/>
-            </a:pPr>
-            <a:r>
-              <a:rPr b="1" lang="zh-CN" sz="1050">
-                <a:solidFill>
-                  <a:schemeClr val="dk1"/>
-                </a:solidFill>
-              </a:rPr>
-              <a:t>10482:End Parternship</a:t>
-            </a:r>
-            <a:r>
-              <a:rPr lang="zh-CN" sz="1050">
-                <a:solidFill>
-                  <a:schemeClr val="dk1"/>
-                </a:solidFill>
-              </a:rPr>
-              <a:t>: Two companies decide to end their partnership.</a:t>
-            </a:r>
-            <a:endParaRPr b="1" sz="1050">
-              <a:solidFill>
-                <a:schemeClr val="dk1"/>
-              </a:solidFill>
-            </a:endParaRPr>
-          </a:p>
-          <a:p>
-            <a:pPr indent="0" lvl="0" marL="0" rtl="0" algn="l">
-              <a:lnSpc>
-                <a:spcPct val="115000"/>
-              </a:lnSpc>
-              <a:spcBef>
-                <a:spcPts val="0"/>
-              </a:spcBef>
-              <a:spcAft>
-                <a:spcPts val="0"/>
-              </a:spcAft>
-              <a:buClr>
-                <a:schemeClr val="dk1"/>
-              </a:buClr>
-              <a:buSzPts val="1100"/>
-              <a:buFont typeface="Arial"/>
-              <a:buNone/>
-            </a:pPr>
-            <a:r>
-              <a:rPr b="1" lang="zh-CN" sz="1050">
-                <a:solidFill>
-                  <a:schemeClr val="dk1"/>
-                </a:solidFill>
-              </a:rPr>
-              <a:t>10483:ExitBankruptcy</a:t>
-            </a:r>
-            <a:r>
-              <a:rPr lang="zh-CN" sz="1050">
-                <a:solidFill>
-                  <a:schemeClr val="dk1"/>
-                </a:solidFill>
-              </a:rPr>
-              <a:t>: A company leaves bankruptcy.</a:t>
-            </a:r>
-            <a:endParaRPr b="1" sz="1050">
-              <a:solidFill>
-                <a:schemeClr val="dk1"/>
-              </a:solidFill>
-            </a:endParaRPr>
-          </a:p>
-          <a:p>
-            <a:pPr indent="0" lvl="0" marL="0" rtl="0" algn="l">
-              <a:lnSpc>
-                <a:spcPct val="115000"/>
-              </a:lnSpc>
-              <a:spcBef>
-                <a:spcPts val="0"/>
-              </a:spcBef>
-              <a:spcAft>
-                <a:spcPts val="0"/>
-              </a:spcAft>
-              <a:buClr>
-                <a:schemeClr val="dk1"/>
-              </a:buClr>
-              <a:buSzPts val="1100"/>
-              <a:buFont typeface="Arial"/>
-              <a:buNone/>
-            </a:pPr>
-            <a:r>
-              <a:rPr b="1" lang="zh-CN" sz="1050">
-                <a:solidFill>
-                  <a:schemeClr val="dk1"/>
-                </a:solidFill>
-              </a:rPr>
-              <a:t>10460:Shutdown</a:t>
-            </a:r>
-            <a:r>
-              <a:rPr lang="zh-CN" sz="1050">
-                <a:solidFill>
-                  <a:schemeClr val="dk1"/>
-                </a:solidFill>
-              </a:rPr>
-              <a:t>: A company has to close for some reason.</a:t>
-            </a:r>
-            <a:endParaRPr b="1" sz="1050">
-              <a:solidFill>
-                <a:schemeClr val="dk1"/>
-              </a:solidFill>
-            </a:endParaRPr>
-          </a:p>
-          <a:p>
-            <a:pPr indent="0" lvl="0" marL="0" rtl="0" algn="l">
-              <a:lnSpc>
-                <a:spcPct val="115000"/>
-              </a:lnSpc>
-              <a:spcBef>
-                <a:spcPts val="0"/>
-              </a:spcBef>
-              <a:spcAft>
-                <a:spcPts val="0"/>
-              </a:spcAft>
-              <a:buClr>
-                <a:schemeClr val="dk1"/>
-              </a:buClr>
-              <a:buSzPts val="1100"/>
-              <a:buFont typeface="Arial"/>
-              <a:buNone/>
-            </a:pPr>
-            <a:r>
-              <a:rPr b="1" lang="zh-CN" sz="1050">
-                <a:solidFill>
-                  <a:schemeClr val="dk1"/>
-                </a:solidFill>
-              </a:rPr>
-              <a:t>10456:acquisition</a:t>
-            </a:r>
-            <a:r>
-              <a:rPr lang="zh-CN" sz="1050">
-                <a:solidFill>
-                  <a:schemeClr val="dk1"/>
-                </a:solidFill>
-              </a:rPr>
-              <a:t>: A company is acquired by another company.</a:t>
-            </a:r>
-            <a:endParaRPr b="1" sz="1050">
-              <a:solidFill>
-                <a:schemeClr val="dk1"/>
-              </a:solidFill>
-            </a:endParaRPr>
-          </a:p>
-          <a:p>
-            <a:pPr indent="0" lvl="0" marL="0" rtl="0" algn="l">
-              <a:lnSpc>
-                <a:spcPct val="115000"/>
-              </a:lnSpc>
-              <a:spcBef>
-                <a:spcPts val="0"/>
-              </a:spcBef>
-              <a:spcAft>
-                <a:spcPts val="0"/>
-              </a:spcAft>
-              <a:buClr>
-                <a:schemeClr val="dk1"/>
-              </a:buClr>
-              <a:buSzPts val="1100"/>
-              <a:buFont typeface="Arial"/>
-              <a:buNone/>
-            </a:pPr>
-            <a:r>
-              <a:rPr b="1" lang="zh-CN" sz="1050">
-                <a:solidFill>
-                  <a:schemeClr val="dk1"/>
-                </a:solidFill>
-              </a:rPr>
-              <a:t>10473:exchange of goods</a:t>
-            </a:r>
-            <a:r>
-              <a:rPr lang="zh-CN" sz="1050">
-                <a:solidFill>
-                  <a:schemeClr val="dk1"/>
-                </a:solidFill>
-              </a:rPr>
-              <a:t>: A company sells its assets.</a:t>
-            </a:r>
-            <a:endParaRPr b="1" sz="1050">
-              <a:solidFill>
-                <a:schemeClr val="dk1"/>
-              </a:solidFill>
-            </a:endParaRPr>
-          </a:p>
-          <a:p>
-            <a:pPr indent="0" lvl="0" marL="0" rtl="0" algn="l">
-              <a:lnSpc>
-                <a:spcPct val="115000"/>
-              </a:lnSpc>
-              <a:spcBef>
-                <a:spcPts val="0"/>
-              </a:spcBef>
-              <a:spcAft>
-                <a:spcPts val="0"/>
-              </a:spcAft>
-              <a:buClr>
-                <a:schemeClr val="dk1"/>
-              </a:buClr>
-              <a:buSzPts val="1100"/>
-              <a:buFont typeface="Arial"/>
-              <a:buNone/>
-            </a:pPr>
-            <a:r>
-              <a:rPr b="1" lang="zh-CN" sz="1050">
-                <a:solidFill>
-                  <a:schemeClr val="dk1"/>
-                </a:solidFill>
-              </a:rPr>
-              <a:t>10479:Management Change</a:t>
-            </a:r>
-            <a:r>
-              <a:rPr lang="zh-CN" sz="1050">
-                <a:solidFill>
-                  <a:schemeClr val="dk1"/>
-                </a:solidFill>
-              </a:rPr>
-              <a:t>: The management is changed.</a:t>
-            </a:r>
-            <a:endParaRPr b="1" sz="1050">
-              <a:solidFill>
-                <a:schemeClr val="dk1"/>
-              </a:solidFill>
-            </a:endParaRPr>
-          </a:p>
-          <a:p>
-            <a:pPr indent="0" lvl="0" marL="0" rtl="0" algn="l">
-              <a:lnSpc>
-                <a:spcPct val="115000"/>
-              </a:lnSpc>
-              <a:spcBef>
-                <a:spcPts val="0"/>
-              </a:spcBef>
-              <a:spcAft>
-                <a:spcPts val="0"/>
-              </a:spcAft>
-              <a:buClr>
-                <a:schemeClr val="dk1"/>
-              </a:buClr>
-              <a:buSzPts val="1100"/>
-              <a:buFont typeface="Arial"/>
-              <a:buNone/>
-            </a:pPr>
-            <a:r>
-              <a:rPr b="1" lang="zh-CN" sz="1050">
-                <a:solidFill>
-                  <a:schemeClr val="dk1"/>
-                </a:solidFill>
-              </a:rPr>
-              <a:t>10504:dismissal</a:t>
-            </a:r>
-            <a:r>
-              <a:rPr lang="zh-CN" sz="1050">
-                <a:solidFill>
-                  <a:schemeClr val="dk1"/>
-                </a:solidFill>
-              </a:rPr>
-              <a:t>: A bunch of employees are fired.</a:t>
-            </a:r>
-            <a:endParaRPr b="1" sz="1050">
-              <a:solidFill>
-                <a:schemeClr val="dk1"/>
-              </a:solidFill>
-            </a:endParaRPr>
-          </a:p>
-        </p:txBody>
-      </p:sp>
-    </p:spTree>
-  </p:cSld>
-  <p:clrMapOvr>
-    <a:masterClrMapping/>
-  </p:clrMapOvr>
-</p:sld>
-</file>
-
-<file path=ppt/slides/slide9.xml><?xml version="1.0" encoding="utf-8"?>
-<p:sld xmlns:a="http://schemas.openxmlformats.org/drawingml/2006/main" xmlns:r="http://schemas.openxmlformats.org/officeDocument/2006/relationships" xmlns:mc="http://schemas.openxmlformats.org/markup-compatibility/2006" xmlns:mv="urn:schemas-microsoft-com:mac:vml" xmlns:p="http://schemas.openxmlformats.org/presentationml/2006/main" xmlns:c="http://schemas.openxmlformats.org/drawingml/2006/chart" xmlns:dgm="http://schemas.openxmlformats.org/drawingml/2006/diagram" xmlns:o="urn:schemas-microsoft-com:office:office" xmlns:v="urn:schemas-microsoft-com:vml" xmlns:pvml="urn:schemas-microsoft-com:office:powerpoint" xmlns:com="http://schemas.openxmlformats.org/drawingml/2006/compatibility" xmlns:p14="http://schemas.microsoft.com/office/powerpoint/2010/main" xmlns:p15="http://schemas.microsoft.com/office/powerpoint/2012/main" xmlns:ahyp="http://schemas.microsoft.com/office/drawing/2018/hyperlinkcolor">
-  <p:cSld>
-    <p:spTree>
-      <p:nvGrpSpPr>
-        <p:cNvPr id="154" name="Shape 154"/>
-        <p:cNvGrpSpPr/>
-        <p:nvPr/>
-      </p:nvGrpSpPr>
-      <p:grpSpPr>
-        <a:xfrm>
-          <a:off x="0" y="0"/>
-          <a:ext cx="0" cy="0"/>
-          <a:chOff x="0" y="0"/>
-          <a:chExt cx="0" cy="0"/>
-        </a:xfrm>
-      </p:grpSpPr>
-      <p:pic>
-        <p:nvPicPr>
-          <p:cNvPr id="155" name="Google Shape;155;p33"/>
-          <p:cNvPicPr preferRelativeResize="0"/>
-          <p:nvPr/>
-        </p:nvPicPr>
-        <p:blipFill>
-          <a:blip r:embed="rId3">
-            <a:alphaModFix/>
-          </a:blip>
-          <a:stretch>
-            <a:fillRect/>
-          </a:stretch>
-        </p:blipFill>
-        <p:spPr>
-          <a:xfrm>
-            <a:off x="152400" y="1711200"/>
-            <a:ext cx="8552846" cy="3432300"/>
-          </a:xfrm>
-          <a:prstGeom prst="rect">
-            <a:avLst/>
-          </a:prstGeom>
-          <a:noFill/>
-          <a:ln>
-            <a:noFill/>
-          </a:ln>
-        </p:spPr>
-      </p:pic>
-      <p:sp>
-        <p:nvSpPr>
-          <p:cNvPr id="156" name="Google Shape;156;p33"/>
-          <p:cNvSpPr txBox="1"/>
-          <p:nvPr>
-            <p:ph type="title"/>
-          </p:nvPr>
-        </p:nvSpPr>
-        <p:spPr>
-          <a:xfrm>
-            <a:off x="311700" y="-88375"/>
-            <a:ext cx="8520600" cy="572700"/>
-          </a:xfrm>
-          <a:prstGeom prst="rect">
-            <a:avLst/>
-          </a:prstGeom>
-          <a:noFill/>
-          <a:ln>
-            <a:noFill/>
-          </a:ln>
-        </p:spPr>
-        <p:txBody>
-          <a:bodyPr anchorCtr="0" anchor="t" bIns="91425" lIns="91425" spcFirstLastPara="1" rIns="91425" wrap="square" tIns="91425">
-            <a:normAutofit fontScale="90000"/>
+            <a:normAutofit fontScale="77500"/>
           </a:bodyPr>
           <a:lstStyle/>
           <a:p>
             <a:pPr indent="0" lvl="0" marL="0" rtl="0" algn="l">
-              <a:lnSpc>
-                <a:spcPct val="100000"/>
-              </a:lnSpc>
-              <a:spcBef>
-                <a:spcPts val="0"/>
-              </a:spcBef>
-              <a:spcAft>
-                <a:spcPts val="0"/>
-              </a:spcAft>
-              <a:buSzPct val="111111"/>
+              <a:spcBef>
+                <a:spcPts val="0"/>
+              </a:spcBef>
+              <a:spcAft>
+                <a:spcPts val="0"/>
+              </a:spcAft>
               <a:buNone/>
             </a:pPr>
             <a:r>
+              <a:rPr b="1" lang="zh-CN"/>
+              <a:t>Contact attorney: </a:t>
+            </a:r>
+            <a:r>
               <a:rPr lang="zh-CN"/>
-              <a:t>Propose Acquisition/Merger</a:t>
+              <a:t>Government contacts attorney to begin filing a lawsuit</a:t>
+            </a:r>
+            <a:endParaRPr/>
+          </a:p>
+          <a:p>
+            <a:pPr indent="0" lvl="0" marL="0" rtl="0" algn="l">
+              <a:spcBef>
+                <a:spcPts val="1200"/>
+              </a:spcBef>
+              <a:spcAft>
+                <a:spcPts val="0"/>
+              </a:spcAft>
+              <a:buNone/>
+            </a:pPr>
+            <a:r>
+              <a:rPr b="1" lang="zh-CN"/>
+              <a:t>File complaint: </a:t>
+            </a:r>
+            <a:r>
+              <a:rPr lang="zh-CN"/>
+              <a:t>Plaintiff files a complaint to initiate a lawsuit</a:t>
+            </a:r>
+            <a:endParaRPr/>
+          </a:p>
+          <a:p>
+            <a:pPr indent="0" lvl="0" marL="0" rtl="0" algn="l">
+              <a:spcBef>
+                <a:spcPts val="1200"/>
+              </a:spcBef>
+              <a:spcAft>
+                <a:spcPts val="0"/>
+              </a:spcAft>
+              <a:buNone/>
+            </a:pPr>
+            <a:r>
+              <a:rPr b="1" lang="zh-CN"/>
+              <a:t>Answer: </a:t>
+            </a:r>
+            <a:r>
+              <a:rPr lang="zh-CN"/>
+              <a:t>In law, a solemn assertion in opposition to someone or something by the defendant</a:t>
+            </a:r>
+            <a:endParaRPr/>
+          </a:p>
+          <a:p>
+            <a:pPr indent="0" lvl="0" marL="0" rtl="0" algn="l">
+              <a:spcBef>
+                <a:spcPts val="1200"/>
+              </a:spcBef>
+              <a:spcAft>
+                <a:spcPts val="0"/>
+              </a:spcAft>
+              <a:buNone/>
+            </a:pPr>
+            <a:r>
+              <a:rPr b="1" lang="zh-CN"/>
+              <a:t>Discovery: </a:t>
+            </a:r>
+            <a:r>
+              <a:rPr lang="zh-CN"/>
+              <a:t>Pre-trial procedure in common law countries for obtaining evidence</a:t>
+            </a:r>
+            <a:endParaRPr/>
+          </a:p>
+          <a:p>
+            <a:pPr indent="0" lvl="0" marL="0" rtl="0" algn="l">
+              <a:spcBef>
+                <a:spcPts val="1200"/>
+              </a:spcBef>
+              <a:spcAft>
+                <a:spcPts val="0"/>
+              </a:spcAft>
+              <a:buNone/>
+            </a:pPr>
+            <a:r>
+              <a:rPr b="1" lang="zh-CN"/>
+              <a:t>Motion: </a:t>
+            </a:r>
+            <a:r>
+              <a:rPr lang="zh-CN"/>
+              <a:t>In US law, a procedural device to bring a limited, contested issue before a court for decision</a:t>
+            </a:r>
+            <a:endParaRPr/>
+          </a:p>
+          <a:p>
+            <a:pPr indent="0" lvl="0" marL="0" rtl="0" algn="l">
+              <a:spcBef>
+                <a:spcPts val="1200"/>
+              </a:spcBef>
+              <a:spcAft>
+                <a:spcPts val="1200"/>
+              </a:spcAft>
+              <a:buNone/>
+            </a:pPr>
+            <a:r>
+              <a:rPr b="1" lang="zh-CN"/>
+              <a:t>Mediation: </a:t>
+            </a:r>
+            <a:r>
+              <a:rPr lang="zh-CN"/>
+              <a:t>Dispute resolution with assistance of an impartial third party moderator throughthe use of communication and negotiation techniques</a:t>
             </a:r>
             <a:endParaRPr/>
           </a:p>
@@ -18642,33 +16349,28 @@
       </p:sp>
       <p:sp>
         <p:nvSpPr>
-          <p:cNvPr id="157" name="Google Shape;157;p33"/>
+          <p:cNvPr id="160" name="Google Shape;160;p33"/>
           <p:cNvSpPr txBox="1"/>
-          <p:nvPr/>
+          <p:nvPr>
+            <p:ph idx="1" type="body"/>
+          </p:nvPr>
         </p:nvSpPr>
         <p:spPr>
           <a:xfrm>
-            <a:off x="356600" y="273900"/>
-            <a:ext cx="8139900" cy="2390700"/>
+            <a:off x="4613600" y="3333400"/>
+            <a:ext cx="4187700" cy="1809900"/>
           </a:xfrm>
           <a:prstGeom prst="rect">
             <a:avLst/>
           </a:prstGeom>
-          <a:noFill/>
-          <a:ln>
-            <a:noFill/>
-          </a:ln>
         </p:spPr>
         <p:txBody>
           <a:bodyPr anchorCtr="0" anchor="t" bIns="91425" lIns="91425" spcFirstLastPara="1" rIns="91425" wrap="square" tIns="91425">
-            <a:spAutoFit/>
+            <a:normAutofit fontScale="85000"/>
           </a:bodyPr>
           <a:lstStyle/>
           <a:p>
-            <a:pPr indent="0" lvl="0" marL="0" marR="0" rtl="0" algn="l">
-              <a:lnSpc>
-                <a:spcPct val="115000"/>
-              </a:lnSpc>
+            <a:pPr indent="0" lvl="0" marL="0" rtl="0" algn="l">
               <a:spcBef>
                 <a:spcPts val="0"/>
               </a:spcBef>
@@ -18678,51 +16380,24 @@
               <a:buClr>
                 <a:schemeClr val="dk1"/>
               </a:buClr>
-              <a:buSzPts val="1100"/>
+              <a:buSzPct val="91666"/>
               <a:buFont typeface="Arial"/>
               <a:buNone/>
             </a:pPr>
             <a:r>
-              <a:rPr b="1" lang="zh-CN" sz="1050">
-                <a:solidFill>
-                  <a:schemeClr val="dk1"/>
-                </a:solidFill>
-              </a:rPr>
-              <a:t>10487:Propose Acquisition</a:t>
+              <a:rPr b="1" lang="zh-CN"/>
+              <a:t>Settlement: </a:t>
             </a:r>
             <a:r>
-              <a:rPr b="0" i="0" lang="zh-CN" sz="1050" u="none" cap="none" strike="noStrike">
-                <a:solidFill>
-                  <a:schemeClr val="dk1"/>
-                </a:solidFill>
-                <a:latin typeface="Arial"/>
-                <a:ea typeface="Arial"/>
-                <a:cs typeface="Arial"/>
-                <a:sym typeface="Arial"/>
-              </a:rPr>
-              <a:t>: </a:t>
+              <a:rPr lang="zh-CN"/>
+              <a:t>The dispute is resolved through a payment of money.</a:t>
             </a:r>
-            <a:r>
-              <a:rPr lang="zh-CN" sz="1050">
-                <a:solidFill>
-                  <a:schemeClr val="dk1"/>
-                </a:solidFill>
-              </a:rPr>
-              <a:t>One company proposes acquiring another company.</a:t>
-            </a:r>
-            <a:endParaRPr sz="1050">
-              <a:solidFill>
-                <a:schemeClr val="dk1"/>
-              </a:solidFill>
-            </a:endParaRPr>
+            <a:endParaRPr/>
           </a:p>
           <a:p>
             <a:pPr indent="0" lvl="0" marL="0" rtl="0" algn="l">
-              <a:lnSpc>
-                <a:spcPct val="115000"/>
-              </a:lnSpc>
-              <a:spcBef>
-                <a:spcPts val="0"/>
+              <a:spcBef>
+                <a:spcPts val="1200"/>
               </a:spcBef>
               <a:spcAft>
                 <a:spcPts val="0"/>
@@ -18730,39 +16405,24 @@
               <a:buClr>
                 <a:schemeClr val="dk1"/>
               </a:buClr>
-              <a:buSzPts val="1100"/>
+              <a:buSzPct val="91666"/>
               <a:buFont typeface="Arial"/>
               <a:buNone/>
             </a:pPr>
             <a:r>
-              <a:rPr b="1" lang="zh-CN" sz="1050">
-                <a:solidFill>
-                  <a:schemeClr val="dk1"/>
-                </a:solidFill>
-              </a:rPr>
-              <a:t>10486:Propose Merger</a:t>
+              <a:rPr b="1" lang="zh-CN"/>
+              <a:t>Trial: </a:t>
             </a:r>
             <a:r>
-              <a:rPr lang="zh-CN" sz="1050">
-                <a:solidFill>
-                  <a:schemeClr val="dk1"/>
-                </a:solidFill>
-              </a:rPr>
-              <a:t>: Two companies decide to try and become one company.</a:t>
+              <a:rPr lang="zh-CN"/>
+              <a:t>Coming together of parties to a dispute, to present information in a tribunal</a:t>
             </a:r>
-            <a:endParaRPr sz="1050">
-              <a:solidFill>
-                <a:schemeClr val="dk1"/>
-              </a:solidFill>
-            </a:endParaRPr>
+            <a:endParaRPr/>
           </a:p>
           <a:p>
             <a:pPr indent="0" lvl="0" marL="0" rtl="0" algn="l">
-              <a:lnSpc>
-                <a:spcPct val="115000"/>
-              </a:lnSpc>
-              <a:spcBef>
-                <a:spcPts val="0"/>
+              <a:spcBef>
+                <a:spcPts val="1200"/>
               </a:spcBef>
               <a:spcAft>
                 <a:spcPts val="0"/>
@@ -18770,604 +16430,44 @@
               <a:buClr>
                 <a:schemeClr val="dk1"/>
               </a:buClr>
-              <a:buSzPts val="1100"/>
+              <a:buSzPct val="91666"/>
               <a:buFont typeface="Arial"/>
               <a:buNone/>
             </a:pPr>
             <a:r>
-              <a:rPr b="1" lang="zh-CN" sz="1050">
-                <a:solidFill>
-                  <a:schemeClr val="dk1"/>
-                </a:solidFill>
-              </a:rPr>
-              <a:t>10505:Ask Shareholders</a:t>
+              <a:rPr b="1" lang="zh-CN"/>
+              <a:t>Judgement: </a:t>
             </a:r>
             <a:r>
-              <a:rPr lang="zh-CN" sz="1050">
-                <a:solidFill>
-                  <a:schemeClr val="dk1"/>
-                </a:solidFill>
-              </a:rPr>
-              <a:t>: The companies ask their shareholders for approval.</a:t>
+              <a:rPr lang="zh-CN"/>
+              <a:t>The formal decision made by a court following a lawsuit</a:t>
             </a:r>
-            <a:endParaRPr sz="1050">
-              <a:solidFill>
-                <a:schemeClr val="dk1"/>
-              </a:solidFill>
-            </a:endParaRPr>
+            <a:endParaRPr/>
           </a:p>
           <a:p>
             <a:pPr indent="0" lvl="0" marL="0" rtl="0" algn="l">
-              <a:lnSpc>
-                <a:spcPct val="115000"/>
-              </a:lnSpc>
-              <a:spcBef>
-                <a:spcPts val="0"/>
-              </a:spcBef>
-              <a:spcAft>
-                <a:spcPts val="0"/>
+              <a:spcBef>
+                <a:spcPts val="1200"/>
+              </a:spcBef>
+              <a:spcAft>
+                <a:spcPts val="1200"/>
               </a:spcAft>
               <a:buClr>
                 <a:schemeClr val="dk1"/>
               </a:buClr>
-              <a:buSzPts val="1100"/>
+              <a:buSzPct val="91666"/>
               <a:buFont typeface="Arial"/>
               <a:buNone/>
             </a:pPr>
             <a:r>
-              <a:rPr b="1" lang="zh-CN" sz="1050">
-                <a:solidFill>
-                  <a:schemeClr val="dk1"/>
-                </a:solidFill>
-              </a:rPr>
-              <a:t>10506:Shareholder Response</a:t>
+              <a:rPr b="1" lang="zh-CN"/>
+              <a:t>Appeal: </a:t>
             </a:r>
             <a:r>
-              <a:rPr lang="zh-CN" sz="1050">
-                <a:solidFill>
-                  <a:schemeClr val="dk1"/>
-                </a:solidFill>
-              </a:rPr>
-              <a:t>: The shareholders respond. </a:t>
+              <a:rPr lang="zh-CN"/>
+              <a:t>Resort to a superior court to review the decision of an inferior court or administrative agency</a:t>
             </a:r>
-            <a:endParaRPr sz="1050">
-              <a:solidFill>
-                <a:schemeClr val="dk1"/>
-              </a:solidFill>
-            </a:endParaRPr>
-          </a:p>
-          <a:p>
-            <a:pPr indent="-295275" lvl="0" marL="457200" rtl="0" algn="l">
-              <a:lnSpc>
-                <a:spcPct val="115000"/>
-              </a:lnSpc>
-              <a:spcBef>
-                <a:spcPts val="0"/>
-              </a:spcBef>
-              <a:spcAft>
-                <a:spcPts val="0"/>
-              </a:spcAft>
-              <a:buClr>
-                <a:schemeClr val="dk1"/>
-              </a:buClr>
-              <a:buSzPts val="1050"/>
-              <a:buChar char="-"/>
-            </a:pPr>
-            <a:r>
-              <a:rPr lang="zh-CN" sz="1050">
-                <a:solidFill>
-                  <a:schemeClr val="dk1"/>
-                </a:solidFill>
-              </a:rPr>
-              <a:t>There is also a XOR version (10509) to indicate only one child answer.</a:t>
-            </a:r>
-            <a:endParaRPr sz="1050">
-              <a:solidFill>
-                <a:schemeClr val="dk1"/>
-              </a:solidFill>
-            </a:endParaRPr>
-          </a:p>
-          <a:p>
-            <a:pPr indent="0" lvl="0" marL="0" rtl="0" algn="l">
-              <a:lnSpc>
-                <a:spcPct val="115000"/>
-              </a:lnSpc>
-              <a:spcBef>
-                <a:spcPts val="0"/>
-              </a:spcBef>
-              <a:spcAft>
-                <a:spcPts val="0"/>
-              </a:spcAft>
-              <a:buClr>
-                <a:schemeClr val="dk1"/>
-              </a:buClr>
-              <a:buSzPts val="1100"/>
-              <a:buFont typeface="Arial"/>
-              <a:buNone/>
-            </a:pPr>
-            <a:r>
-              <a:rPr b="1" lang="zh-CN" sz="1050">
-                <a:solidFill>
-                  <a:schemeClr val="dk1"/>
-                </a:solidFill>
-              </a:rPr>
-              <a:t>10507,10488:agreement</a:t>
-            </a:r>
-            <a:r>
-              <a:rPr lang="zh-CN" sz="1050">
-                <a:solidFill>
-                  <a:schemeClr val="dk1"/>
-                </a:solidFill>
-              </a:rPr>
-              <a:t>: A positive response.</a:t>
-            </a:r>
-            <a:endParaRPr sz="1050">
-              <a:solidFill>
-                <a:schemeClr val="dk1"/>
-              </a:solidFill>
-            </a:endParaRPr>
-          </a:p>
-          <a:p>
-            <a:pPr indent="0" lvl="0" marL="0" rtl="0" algn="l">
-              <a:lnSpc>
-                <a:spcPct val="115000"/>
-              </a:lnSpc>
-              <a:spcBef>
-                <a:spcPts val="0"/>
-              </a:spcBef>
-              <a:spcAft>
-                <a:spcPts val="0"/>
-              </a:spcAft>
-              <a:buClr>
-                <a:schemeClr val="dk1"/>
-              </a:buClr>
-              <a:buSzPts val="1100"/>
-              <a:buFont typeface="Arial"/>
-              <a:buNone/>
-            </a:pPr>
-            <a:r>
-              <a:rPr b="1" lang="zh-CN" sz="1050">
-                <a:solidFill>
-                  <a:schemeClr val="dk1"/>
-                </a:solidFill>
-              </a:rPr>
-              <a:t>10508,10489:rejection</a:t>
-            </a:r>
-            <a:r>
-              <a:rPr lang="zh-CN" sz="1050">
-                <a:solidFill>
-                  <a:schemeClr val="dk1"/>
-                </a:solidFill>
-              </a:rPr>
-              <a:t>: A negative response.</a:t>
-            </a:r>
-            <a:endParaRPr sz="1050">
-              <a:solidFill>
-                <a:schemeClr val="dk1"/>
-              </a:solidFill>
-            </a:endParaRPr>
-          </a:p>
-          <a:p>
-            <a:pPr indent="0" lvl="0" marL="0" rtl="0" algn="l">
-              <a:lnSpc>
-                <a:spcPct val="115000"/>
-              </a:lnSpc>
-              <a:spcBef>
-                <a:spcPts val="0"/>
-              </a:spcBef>
-              <a:spcAft>
-                <a:spcPts val="0"/>
-              </a:spcAft>
-              <a:buClr>
-                <a:schemeClr val="dk1"/>
-              </a:buClr>
-              <a:buSzPts val="1100"/>
-              <a:buFont typeface="Arial"/>
-              <a:buNone/>
-            </a:pPr>
-            <a:r>
-              <a:rPr b="1" lang="zh-CN" sz="1050">
-                <a:solidFill>
-                  <a:schemeClr val="dk1"/>
-                </a:solidFill>
-              </a:rPr>
-              <a:t>10485:AskRegulators: </a:t>
-            </a:r>
-            <a:r>
-              <a:rPr lang="zh-CN" sz="1050">
-                <a:solidFill>
-                  <a:schemeClr val="dk1"/>
-                </a:solidFill>
-              </a:rPr>
-              <a:t>Ask the regulators to approve the merger/acquisition. </a:t>
-            </a:r>
-            <a:endParaRPr sz="1050">
-              <a:solidFill>
-                <a:schemeClr val="dk1"/>
-              </a:solidFill>
-            </a:endParaRPr>
-          </a:p>
-          <a:p>
-            <a:pPr indent="0" lvl="0" marL="0" rtl="0" algn="l">
-              <a:lnSpc>
-                <a:spcPct val="115000"/>
-              </a:lnSpc>
-              <a:spcBef>
-                <a:spcPts val="0"/>
-              </a:spcBef>
-              <a:spcAft>
-                <a:spcPts val="0"/>
-              </a:spcAft>
-              <a:buClr>
-                <a:schemeClr val="dk1"/>
-              </a:buClr>
-              <a:buSzPts val="1100"/>
-              <a:buFont typeface="Arial"/>
-              <a:buNone/>
-            </a:pPr>
-            <a:r>
-              <a:rPr b="1" lang="zh-CN" sz="1050">
-                <a:solidFill>
-                  <a:schemeClr val="dk1"/>
-                </a:solidFill>
-              </a:rPr>
-              <a:t>10491:Regulatory Response</a:t>
-            </a:r>
-            <a:r>
-              <a:rPr lang="zh-CN" sz="1050">
-                <a:solidFill>
-                  <a:schemeClr val="dk1"/>
-                </a:solidFill>
-              </a:rPr>
-              <a:t>: The regulators respond. </a:t>
-            </a:r>
-            <a:endParaRPr sz="1050">
-              <a:solidFill>
-                <a:schemeClr val="dk1"/>
-              </a:solidFill>
-            </a:endParaRPr>
-          </a:p>
-          <a:p>
-            <a:pPr indent="-295275" lvl="0" marL="457200" rtl="0" algn="l">
-              <a:lnSpc>
-                <a:spcPct val="115000"/>
-              </a:lnSpc>
-              <a:spcBef>
-                <a:spcPts val="0"/>
-              </a:spcBef>
-              <a:spcAft>
-                <a:spcPts val="0"/>
-              </a:spcAft>
-              <a:buClr>
-                <a:schemeClr val="dk1"/>
-              </a:buClr>
-              <a:buSzPts val="1050"/>
-              <a:buChar char="-"/>
-            </a:pPr>
-            <a:r>
-              <a:rPr lang="zh-CN" sz="1050">
-                <a:solidFill>
-                  <a:schemeClr val="dk1"/>
-                </a:solidFill>
-              </a:rPr>
-              <a:t>There is also a XOR version (10490) to indicate only one child answer.</a:t>
-            </a:r>
-            <a:endParaRPr sz="1050">
-              <a:solidFill>
-                <a:schemeClr val="dk1"/>
-              </a:solidFill>
-            </a:endParaRPr>
-          </a:p>
-          <a:p>
-            <a:pPr indent="0" lvl="0" marL="0" rtl="0" algn="l">
-              <a:lnSpc>
-                <a:spcPct val="115000"/>
-              </a:lnSpc>
-              <a:spcBef>
-                <a:spcPts val="0"/>
-              </a:spcBef>
-              <a:spcAft>
-                <a:spcPts val="0"/>
-              </a:spcAft>
-              <a:buClr>
-                <a:schemeClr val="dk1"/>
-              </a:buClr>
-              <a:buSzPts val="1100"/>
-              <a:buFont typeface="Arial"/>
-              <a:buNone/>
-            </a:pPr>
-            <a:r>
-              <a:t/>
-            </a:r>
-            <a:endParaRPr sz="1050">
-              <a:solidFill>
-                <a:schemeClr val="dk1"/>
-              </a:solidFill>
-            </a:endParaRPr>
-          </a:p>
-          <a:p>
-            <a:pPr indent="0" lvl="0" marL="0" rtl="0" algn="l">
-              <a:lnSpc>
-                <a:spcPct val="115000"/>
-              </a:lnSpc>
-              <a:spcBef>
-                <a:spcPts val="0"/>
-              </a:spcBef>
-              <a:spcAft>
-                <a:spcPts val="0"/>
-              </a:spcAft>
-              <a:buClr>
-                <a:schemeClr val="dk1"/>
-              </a:buClr>
-              <a:buSzPts val="1100"/>
-              <a:buFont typeface="Arial"/>
-              <a:buNone/>
-            </a:pPr>
-            <a:r>
-              <a:t/>
-            </a:r>
-            <a:endParaRPr sz="1050">
-              <a:solidFill>
-                <a:schemeClr val="dk1"/>
-              </a:solidFill>
-            </a:endParaRPr>
-          </a:p>
-        </p:txBody>
-      </p:sp>
-      <p:sp>
-        <p:nvSpPr>
-          <p:cNvPr id="158" name="Google Shape;158;p33"/>
-          <p:cNvSpPr txBox="1"/>
-          <p:nvPr/>
-        </p:nvSpPr>
-        <p:spPr>
-          <a:xfrm>
-            <a:off x="5402625" y="273900"/>
-            <a:ext cx="8139900" cy="1275600"/>
-          </a:xfrm>
-          <a:prstGeom prst="rect">
-            <a:avLst/>
-          </a:prstGeom>
-          <a:noFill/>
-          <a:ln>
-            <a:noFill/>
-          </a:ln>
-        </p:spPr>
-        <p:txBody>
-          <a:bodyPr anchorCtr="0" anchor="t" bIns="91425" lIns="91425" spcFirstLastPara="1" rIns="91425" wrap="square" tIns="91425">
-            <a:spAutoFit/>
-          </a:bodyPr>
-          <a:lstStyle/>
-          <a:p>
-            <a:pPr indent="0" lvl="0" marL="0" marR="0" rtl="0" algn="l">
-              <a:lnSpc>
-                <a:spcPct val="115000"/>
-              </a:lnSpc>
-              <a:spcBef>
-                <a:spcPts val="0"/>
-              </a:spcBef>
-              <a:spcAft>
-                <a:spcPts val="0"/>
-              </a:spcAft>
-              <a:buClr>
-                <a:schemeClr val="dk1"/>
-              </a:buClr>
-              <a:buSzPts val="1100"/>
-              <a:buFont typeface="Arial"/>
-              <a:buNone/>
-            </a:pPr>
-            <a:r>
-              <a:rPr b="1" lang="zh-CN" sz="1050">
-                <a:solidFill>
-                  <a:schemeClr val="dk1"/>
-                </a:solidFill>
-              </a:rPr>
-              <a:t>10457:merger</a:t>
-            </a:r>
-            <a:r>
-              <a:rPr b="0" i="0" lang="zh-CN" sz="1050" u="none" cap="none" strike="noStrike">
-                <a:solidFill>
-                  <a:schemeClr val="dk1"/>
-                </a:solidFill>
-                <a:latin typeface="Arial"/>
-                <a:ea typeface="Arial"/>
-                <a:cs typeface="Arial"/>
-                <a:sym typeface="Arial"/>
-              </a:rPr>
-              <a:t>: </a:t>
-            </a:r>
-            <a:r>
-              <a:rPr lang="zh-CN" sz="1050">
-                <a:solidFill>
-                  <a:schemeClr val="dk1"/>
-                </a:solidFill>
-              </a:rPr>
-              <a:t>The companies merge together.</a:t>
-            </a:r>
-            <a:endParaRPr sz="1050">
-              <a:solidFill>
-                <a:schemeClr val="dk1"/>
-              </a:solidFill>
-            </a:endParaRPr>
-          </a:p>
-          <a:p>
-            <a:pPr indent="0" lvl="0" marL="0" marR="0" rtl="0" algn="l">
-              <a:lnSpc>
-                <a:spcPct val="115000"/>
-              </a:lnSpc>
-              <a:spcBef>
-                <a:spcPts val="0"/>
-              </a:spcBef>
-              <a:spcAft>
-                <a:spcPts val="0"/>
-              </a:spcAft>
-              <a:buClr>
-                <a:schemeClr val="dk1"/>
-              </a:buClr>
-              <a:buSzPts val="1100"/>
-              <a:buFont typeface="Arial"/>
-              <a:buNone/>
-            </a:pPr>
-            <a:r>
-              <a:rPr b="1" lang="zh-CN" sz="1050">
-                <a:solidFill>
-                  <a:schemeClr val="dk1"/>
-                </a:solidFill>
-              </a:rPr>
-              <a:t>10456:acquisition</a:t>
-            </a:r>
-            <a:r>
-              <a:rPr lang="zh-CN" sz="1050">
-                <a:solidFill>
-                  <a:schemeClr val="dk1"/>
-                </a:solidFill>
-              </a:rPr>
-              <a:t>: One company acquires another.</a:t>
-            </a:r>
-            <a:endParaRPr sz="1050">
-              <a:solidFill>
-                <a:schemeClr val="dk1"/>
-              </a:solidFill>
-            </a:endParaRPr>
-          </a:p>
-          <a:p>
-            <a:pPr indent="0" lvl="0" marL="0" marR="0" rtl="0" algn="l">
-              <a:lnSpc>
-                <a:spcPct val="115000"/>
-              </a:lnSpc>
-              <a:spcBef>
-                <a:spcPts val="0"/>
-              </a:spcBef>
-              <a:spcAft>
-                <a:spcPts val="0"/>
-              </a:spcAft>
-              <a:buClr>
-                <a:schemeClr val="dk1"/>
-              </a:buClr>
-              <a:buSzPts val="1100"/>
-              <a:buFont typeface="Arial"/>
-              <a:buNone/>
-            </a:pPr>
-            <a:r>
-              <a:rPr b="1" lang="zh-CN" sz="1050">
-                <a:solidFill>
-                  <a:schemeClr val="dk1"/>
-                </a:solidFill>
-              </a:rPr>
-              <a:t>10504:dismissal</a:t>
-            </a:r>
-            <a:r>
-              <a:rPr lang="zh-CN" sz="1050">
-                <a:solidFill>
-                  <a:schemeClr val="dk1"/>
-                </a:solidFill>
-              </a:rPr>
-              <a:t>: Employees are fired from a company.</a:t>
-            </a:r>
-            <a:endParaRPr sz="1050">
-              <a:solidFill>
-                <a:schemeClr val="dk1"/>
-              </a:solidFill>
-            </a:endParaRPr>
-          </a:p>
-          <a:p>
-            <a:pPr indent="0" lvl="0" marL="0" marR="0" rtl="0" algn="l">
-              <a:lnSpc>
-                <a:spcPct val="115000"/>
-              </a:lnSpc>
-              <a:spcBef>
-                <a:spcPts val="0"/>
-              </a:spcBef>
-              <a:spcAft>
-                <a:spcPts val="0"/>
-              </a:spcAft>
-              <a:buClr>
-                <a:schemeClr val="dk1"/>
-              </a:buClr>
-              <a:buSzPts val="1100"/>
-              <a:buFont typeface="Arial"/>
-              <a:buNone/>
-            </a:pPr>
-            <a:r>
-              <a:rPr b="1" lang="zh-CN" sz="1050">
-                <a:solidFill>
-                  <a:schemeClr val="dk1"/>
-                </a:solidFill>
-              </a:rPr>
-              <a:t>10479:Management Change</a:t>
-            </a:r>
-            <a:r>
-              <a:rPr lang="zh-CN" sz="1050">
-                <a:solidFill>
-                  <a:schemeClr val="dk1"/>
-                </a:solidFill>
-              </a:rPr>
-              <a:t>: The managers of a company are </a:t>
-            </a:r>
-            <a:endParaRPr sz="1050">
-              <a:solidFill>
-                <a:schemeClr val="dk1"/>
-              </a:solidFill>
-            </a:endParaRPr>
-          </a:p>
-          <a:p>
-            <a:pPr indent="0" lvl="0" marL="0" marR="0" rtl="0" algn="l">
-              <a:lnSpc>
-                <a:spcPct val="115000"/>
-              </a:lnSpc>
-              <a:spcBef>
-                <a:spcPts val="0"/>
-              </a:spcBef>
-              <a:spcAft>
-                <a:spcPts val="0"/>
-              </a:spcAft>
-              <a:buClr>
-                <a:schemeClr val="dk1"/>
-              </a:buClr>
-              <a:buSzPts val="1100"/>
-              <a:buFont typeface="Arial"/>
-              <a:buNone/>
-            </a:pPr>
-            <a:r>
-              <a:rPr lang="zh-CN" sz="1050">
-                <a:solidFill>
-                  <a:schemeClr val="dk1"/>
-                </a:solidFill>
-              </a:rPr>
-              <a:t>replaced with new managers.</a:t>
-            </a:r>
-            <a:endParaRPr sz="1050">
-              <a:solidFill>
-                <a:schemeClr val="dk1"/>
-              </a:solidFill>
-            </a:endParaRPr>
-          </a:p>
-          <a:p>
-            <a:pPr indent="0" lvl="0" marL="0" rtl="0" algn="l">
-              <a:lnSpc>
-                <a:spcPct val="115000"/>
-              </a:lnSpc>
-              <a:spcBef>
-                <a:spcPts val="0"/>
-              </a:spcBef>
-              <a:spcAft>
-                <a:spcPts val="0"/>
-              </a:spcAft>
-              <a:buClr>
-                <a:schemeClr val="dk1"/>
-              </a:buClr>
-              <a:buSzPts val="1100"/>
-              <a:buFont typeface="Arial"/>
-              <a:buNone/>
-            </a:pPr>
-            <a:r>
-              <a:t/>
-            </a:r>
-            <a:endParaRPr sz="1050">
-              <a:solidFill>
-                <a:schemeClr val="dk1"/>
-              </a:solidFill>
-            </a:endParaRPr>
+            <a:endParaRPr b="1"/>
           </a:p>
         </p:txBody>
       </p:sp>
